--- a/Documents/Tuan3/Nhom_3_Tuan_3.pptx
+++ b/Documents/Tuan3/Nhom_3_Tuan_3.pptx
@@ -10,21 +10,20 @@
     <p:sldId id="322" r:id="rId4"/>
     <p:sldId id="306" r:id="rId5"/>
     <p:sldId id="300" r:id="rId6"/>
-    <p:sldId id="311" r:id="rId7"/>
-    <p:sldId id="309" r:id="rId8"/>
-    <p:sldId id="307" r:id="rId9"/>
-    <p:sldId id="308" r:id="rId10"/>
-    <p:sldId id="310" r:id="rId11"/>
-    <p:sldId id="312" r:id="rId12"/>
-    <p:sldId id="313" r:id="rId13"/>
-    <p:sldId id="314" r:id="rId14"/>
-    <p:sldId id="315" r:id="rId15"/>
-    <p:sldId id="316" r:id="rId16"/>
-    <p:sldId id="317" r:id="rId17"/>
-    <p:sldId id="318" r:id="rId18"/>
-    <p:sldId id="319" r:id="rId19"/>
-    <p:sldId id="320" r:id="rId20"/>
-    <p:sldId id="321" r:id="rId21"/>
+    <p:sldId id="309" r:id="rId7"/>
+    <p:sldId id="307" r:id="rId8"/>
+    <p:sldId id="308" r:id="rId9"/>
+    <p:sldId id="310" r:id="rId10"/>
+    <p:sldId id="312" r:id="rId11"/>
+    <p:sldId id="313" r:id="rId12"/>
+    <p:sldId id="314" r:id="rId13"/>
+    <p:sldId id="315" r:id="rId14"/>
+    <p:sldId id="316" r:id="rId15"/>
+    <p:sldId id="317" r:id="rId16"/>
+    <p:sldId id="318" r:id="rId17"/>
+    <p:sldId id="319" r:id="rId18"/>
+    <p:sldId id="320" r:id="rId19"/>
+    <p:sldId id="321" r:id="rId20"/>
   </p:sldIdLst>
   <p:sldSz cx="12192000" cy="6858000"/>
   <p:notesSz cx="6858000" cy="9144000"/>
@@ -375,7 +374,7 @@
           <a:p>
             <a:fld id="{9184DA70-C731-4C70-880D-CCD4705E623C}" type="datetime1">
               <a:rPr lang="en-US" smtClean="0"/>
-              <a:t>11/16/2019</a:t>
+              <a:t>11/26/2019</a:t>
             </a:fld>
             <a:endParaRPr lang="en-US" dirty="0"/>
           </a:p>
@@ -563,7 +562,7 @@
           <a:p>
             <a:fld id="{B612A279-0833-481D-8C56-F67FD0AC6C50}" type="datetime1">
               <a:rPr lang="en-US" smtClean="0"/>
-              <a:t>11/16/2019</a:t>
+              <a:t>11/26/2019</a:t>
             </a:fld>
             <a:endParaRPr lang="en-US" dirty="0"/>
           </a:p>
@@ -805,7 +804,7 @@
           <a:p>
             <a:fld id="{6587DA83-5663-4C9C-B9AA-0B40A3DAFF81}" type="datetime1">
               <a:rPr lang="en-US" smtClean="0"/>
-              <a:t>11/16/2019</a:t>
+              <a:t>11/26/2019</a:t>
             </a:fld>
             <a:endParaRPr lang="en-US" dirty="0"/>
           </a:p>
@@ -993,7 +992,7 @@
           <a:p>
             <a:fld id="{4BE1D723-8F53-4F53-90B0-1982A396982E}" type="datetime1">
               <a:rPr lang="en-US" smtClean="0"/>
-              <a:t>11/16/2019</a:t>
+              <a:t>11/26/2019</a:t>
             </a:fld>
             <a:endParaRPr lang="en-US" dirty="0"/>
           </a:p>
@@ -1366,7 +1365,7 @@
           <a:p>
             <a:fld id="{97669AF7-7BEB-44E4-9852-375E34362B5B}" type="datetime1">
               <a:rPr lang="en-US" smtClean="0"/>
-              <a:t>11/16/2019</a:t>
+              <a:t>11/26/2019</a:t>
             </a:fld>
             <a:endParaRPr lang="en-US" dirty="0"/>
           </a:p>
@@ -1621,7 +1620,7 @@
           <a:p>
             <a:fld id="{BAAAC38D-0552-4C82-B593-E6124DFADBE2}" type="datetime1">
               <a:rPr lang="en-US" smtClean="0"/>
-              <a:t>11/16/2019</a:t>
+              <a:t>11/26/2019</a:t>
             </a:fld>
             <a:endParaRPr lang="en-US" dirty="0"/>
           </a:p>
@@ -2018,7 +2017,7 @@
           <a:p>
             <a:fld id="{D9DF0F1C-5577-4ACB-BB62-DF8F3C494C7E}" type="datetime1">
               <a:rPr lang="en-US" smtClean="0"/>
-              <a:t>11/16/2019</a:t>
+              <a:t>11/26/2019</a:t>
             </a:fld>
             <a:endParaRPr lang="en-US" dirty="0"/>
           </a:p>
@@ -2154,7 +2153,7 @@
           <a:p>
             <a:fld id="{1775B394-D9F9-4F0C-B15D-605F45CB9E9F}" type="datetime1">
               <a:rPr lang="en-US" smtClean="0"/>
-              <a:t>11/16/2019</a:t>
+              <a:t>11/26/2019</a:t>
             </a:fld>
             <a:endParaRPr lang="en-US" dirty="0"/>
           </a:p>
@@ -2311,7 +2310,7 @@
           <a:p>
             <a:fld id="{39667345-2558-425A-8533-9BFDBCE15005}" type="datetime1">
               <a:rPr lang="en-US" smtClean="0"/>
-              <a:t>11/16/2019</a:t>
+              <a:t>11/26/2019</a:t>
             </a:fld>
             <a:endParaRPr lang="en-US" dirty="0"/>
           </a:p>
@@ -2640,7 +2639,7 @@
           <a:p>
             <a:fld id="{92BEA474-078D-4E9B-9B14-09A87B19DC46}" type="datetime1">
               <a:rPr lang="en-US" smtClean="0"/>
-              <a:t>11/16/2019</a:t>
+              <a:t>11/26/2019</a:t>
             </a:fld>
             <a:endParaRPr lang="en-US" dirty="0"/>
           </a:p>
@@ -2990,7 +2989,7 @@
           <a:p>
             <a:fld id="{4907D986-8816-4272-A432-0437A28A9828}" type="datetime1">
               <a:rPr lang="en-US" smtClean="0"/>
-              <a:t>11/16/2019</a:t>
+              <a:t>11/26/2019</a:t>
             </a:fld>
             <a:endParaRPr lang="en-US" dirty="0"/>
           </a:p>
@@ -3251,7 +3250,7 @@
           <a:p>
             <a:fld id="{62D6E202-B606-4609-B914-27C9371A1F6D}" type="datetime1">
               <a:rPr lang="en-US" smtClean="0"/>
-              <a:t>11/16/2019</a:t>
+              <a:t>11/26/2019</a:t>
             </a:fld>
             <a:endParaRPr lang="en-US" dirty="0"/>
           </a:p>
@@ -3790,7 +3789,7 @@
                 <a16:creationId xmlns:a16="http://schemas.microsoft.com/office/drawing/2014/main" id="{A9286AD2-18A9-4868-A4E3-7A2097A20810}"/>
               </a:ext>
               <a:ext uri="{C183D7F6-B498-43B3-948B-1728B52AA6E4}">
-                <adec:decorative xmlns="" xmlns:adec="http://schemas.microsoft.com/office/drawing/2017/decorative" val="1"/>
+                <adec:decorative xmlns:adec="http://schemas.microsoft.com/office/drawing/2017/decorative" xmlns="" val="1"/>
               </a:ext>
             </a:extLst>
           </p:cNvPr>
@@ -4165,7 +4164,7 @@
                 <a16:creationId xmlns:a16="http://schemas.microsoft.com/office/drawing/2014/main" id="{E7A7CD63-7EC3-44F3-95D0-595C4019FF24}"/>
               </a:ext>
               <a:ext uri="{C183D7F6-B498-43B3-948B-1728B52AA6E4}">
-                <adec:decorative xmlns="" xmlns:adec="http://schemas.microsoft.com/office/drawing/2017/decorative" val="1"/>
+                <adec:decorative xmlns:adec="http://schemas.microsoft.com/office/drawing/2017/decorative" xmlns="" val="1"/>
               </a:ext>
             </a:extLst>
           </p:cNvPr>
@@ -4326,927 +4325,6 @@
           <p:cNvPr id="2" name="Title 1">
             <a:extLst>
               <a:ext uri="{FF2B5EF4-FFF2-40B4-BE49-F238E27FC236}">
-                <a16:creationId xmlns:a16="http://schemas.microsoft.com/office/drawing/2014/main" id="{41309231-CE66-488B-B378-B576D1B81276}"/>
-              </a:ext>
-            </a:extLst>
-          </p:cNvPr>
-          <p:cNvSpPr>
-            <a:spLocks noGrp="1"/>
-          </p:cNvSpPr>
-          <p:nvPr>
-            <p:ph type="title"/>
-          </p:nvPr>
-        </p:nvSpPr>
-        <p:spPr>
-          <a:xfrm>
-            <a:off x="1097280" y="457200"/>
-            <a:ext cx="10058400" cy="2088776"/>
-          </a:xfrm>
-        </p:spPr>
-        <p:txBody>
-          <a:bodyPr>
-            <a:noAutofit/>
-          </a:bodyPr>
-          <a:lstStyle/>
-          <a:p>
-            <a:r>
-              <a:rPr lang="en-US" sz="4000" dirty="0">
-                <a:latin typeface="Times New Roman" panose="02020603050405020304" pitchFamily="18" charset="0"/>
-                <a:cs typeface="Times New Roman" panose="02020603050405020304" pitchFamily="18" charset="0"/>
-              </a:rPr>
-              <a:t>4. Theo </a:t>
-            </a:r>
-            <a:r>
-              <a:rPr lang="en-US" sz="4000" dirty="0" err="1">
-                <a:latin typeface="Times New Roman" panose="02020603050405020304" pitchFamily="18" charset="0"/>
-                <a:cs typeface="Times New Roman" panose="02020603050405020304" pitchFamily="18" charset="0"/>
-              </a:rPr>
-              <a:t>tính</a:t>
-            </a:r>
-            <a:r>
-              <a:rPr lang="en-US" sz="4000" dirty="0">
-                <a:latin typeface="Times New Roman" panose="02020603050405020304" pitchFamily="18" charset="0"/>
-                <a:cs typeface="Times New Roman" panose="02020603050405020304" pitchFamily="18" charset="0"/>
-              </a:rPr>
-              <a:t> </a:t>
-            </a:r>
-            <a:r>
-              <a:rPr lang="en-US" sz="4000" dirty="0" err="1">
-                <a:latin typeface="Times New Roman" panose="02020603050405020304" pitchFamily="18" charset="0"/>
-                <a:cs typeface="Times New Roman" panose="02020603050405020304" pitchFamily="18" charset="0"/>
-              </a:rPr>
-              <a:t>toán</a:t>
-            </a:r>
-            <a:r>
-              <a:rPr lang="en-US" sz="4000" dirty="0">
-                <a:latin typeface="Times New Roman" panose="02020603050405020304" pitchFamily="18" charset="0"/>
-                <a:cs typeface="Times New Roman" panose="02020603050405020304" pitchFamily="18" charset="0"/>
-              </a:rPr>
-              <a:t> </a:t>
-            </a:r>
-            <a:r>
-              <a:rPr lang="en-US" sz="4000" dirty="0" err="1">
-                <a:latin typeface="Times New Roman" panose="02020603050405020304" pitchFamily="18" charset="0"/>
-                <a:cs typeface="Times New Roman" panose="02020603050405020304" pitchFamily="18" charset="0"/>
-              </a:rPr>
-              <a:t>thực</a:t>
-            </a:r>
-            <a:r>
-              <a:rPr lang="en-US" sz="4000" dirty="0">
-                <a:latin typeface="Times New Roman" panose="02020603050405020304" pitchFamily="18" charset="0"/>
-                <a:cs typeface="Times New Roman" panose="02020603050405020304" pitchFamily="18" charset="0"/>
-              </a:rPr>
-              <a:t> </a:t>
-            </a:r>
-            <a:r>
-              <a:rPr lang="en-US" sz="4000" dirty="0" err="1">
-                <a:latin typeface="Times New Roman" panose="02020603050405020304" pitchFamily="18" charset="0"/>
-                <a:cs typeface="Times New Roman" panose="02020603050405020304" pitchFamily="18" charset="0"/>
-              </a:rPr>
-              <a:t>tế</a:t>
-            </a:r>
-            <a:r>
-              <a:rPr lang="en-US" sz="4000" dirty="0">
-                <a:latin typeface="Times New Roman" panose="02020603050405020304" pitchFamily="18" charset="0"/>
-                <a:cs typeface="Times New Roman" panose="02020603050405020304" pitchFamily="18" charset="0"/>
-              </a:rPr>
-              <a:t>, </a:t>
-            </a:r>
-            <a:r>
-              <a:rPr lang="en-US" sz="4000" dirty="0" err="1">
-                <a:latin typeface="Times New Roman" panose="02020603050405020304" pitchFamily="18" charset="0"/>
-                <a:cs typeface="Times New Roman" panose="02020603050405020304" pitchFamily="18" charset="0"/>
-              </a:rPr>
-              <a:t>nhóm</a:t>
-            </a:r>
-            <a:r>
-              <a:rPr lang="en-US" sz="4000" dirty="0">
-                <a:latin typeface="Times New Roman" panose="02020603050405020304" pitchFamily="18" charset="0"/>
-                <a:cs typeface="Times New Roman" panose="02020603050405020304" pitchFamily="18" charset="0"/>
-              </a:rPr>
-              <a:t> </a:t>
-            </a:r>
-            <a:r>
-              <a:rPr lang="en-US" sz="4000" dirty="0" err="1">
-                <a:latin typeface="Times New Roman" panose="02020603050405020304" pitchFamily="18" charset="0"/>
-                <a:cs typeface="Times New Roman" panose="02020603050405020304" pitchFamily="18" charset="0"/>
-              </a:rPr>
-              <a:t>cần</a:t>
-            </a:r>
-            <a:r>
-              <a:rPr lang="en-US" sz="4000" dirty="0">
-                <a:latin typeface="Times New Roman" panose="02020603050405020304" pitchFamily="18" charset="0"/>
-                <a:cs typeface="Times New Roman" panose="02020603050405020304" pitchFamily="18" charset="0"/>
-              </a:rPr>
-              <a:t> bao </a:t>
-            </a:r>
-            <a:r>
-              <a:rPr lang="en-US" sz="4000" dirty="0" err="1">
-                <a:latin typeface="Times New Roman" panose="02020603050405020304" pitchFamily="18" charset="0"/>
-                <a:cs typeface="Times New Roman" panose="02020603050405020304" pitchFamily="18" charset="0"/>
-              </a:rPr>
-              <a:t>nhiêu</a:t>
-            </a:r>
-            <a:r>
-              <a:rPr lang="en-US" sz="4000" dirty="0">
-                <a:latin typeface="Times New Roman" panose="02020603050405020304" pitchFamily="18" charset="0"/>
-                <a:cs typeface="Times New Roman" panose="02020603050405020304" pitchFamily="18" charset="0"/>
-              </a:rPr>
-              <a:t> </a:t>
-            </a:r>
-            <a:r>
-              <a:rPr lang="en-US" sz="4000" dirty="0" err="1">
-                <a:latin typeface="Times New Roman" panose="02020603050405020304" pitchFamily="18" charset="0"/>
-                <a:cs typeface="Times New Roman" panose="02020603050405020304" pitchFamily="18" charset="0"/>
-              </a:rPr>
-              <a:t>thời</a:t>
-            </a:r>
-            <a:r>
-              <a:rPr lang="en-US" sz="4000" dirty="0">
-                <a:latin typeface="Times New Roman" panose="02020603050405020304" pitchFamily="18" charset="0"/>
-                <a:cs typeface="Times New Roman" panose="02020603050405020304" pitchFamily="18" charset="0"/>
-              </a:rPr>
-              <a:t> </a:t>
-            </a:r>
-            <a:r>
-              <a:rPr lang="en-US" sz="4000" dirty="0" err="1">
-                <a:latin typeface="Times New Roman" panose="02020603050405020304" pitchFamily="18" charset="0"/>
-                <a:cs typeface="Times New Roman" panose="02020603050405020304" pitchFamily="18" charset="0"/>
-              </a:rPr>
-              <a:t>gian</a:t>
-            </a:r>
-            <a:r>
-              <a:rPr lang="en-US" sz="4000" dirty="0">
-                <a:latin typeface="Times New Roman" panose="02020603050405020304" pitchFamily="18" charset="0"/>
-                <a:cs typeface="Times New Roman" panose="02020603050405020304" pitchFamily="18" charset="0"/>
-              </a:rPr>
-              <a:t>, bao </a:t>
-            </a:r>
-            <a:r>
-              <a:rPr lang="en-US" sz="4000" dirty="0" err="1">
-                <a:latin typeface="Times New Roman" panose="02020603050405020304" pitchFamily="18" charset="0"/>
-                <a:cs typeface="Times New Roman" panose="02020603050405020304" pitchFamily="18" charset="0"/>
-              </a:rPr>
-              <a:t>nhiêu</a:t>
-            </a:r>
-            <a:r>
-              <a:rPr lang="en-US" sz="4000" dirty="0">
-                <a:latin typeface="Times New Roman" panose="02020603050405020304" pitchFamily="18" charset="0"/>
-                <a:cs typeface="Times New Roman" panose="02020603050405020304" pitchFamily="18" charset="0"/>
-              </a:rPr>
-              <a:t> </a:t>
-            </a:r>
-            <a:r>
-              <a:rPr lang="en-US" sz="4000" dirty="0" err="1">
-                <a:latin typeface="Times New Roman" panose="02020603050405020304" pitchFamily="18" charset="0"/>
-                <a:cs typeface="Times New Roman" panose="02020603050405020304" pitchFamily="18" charset="0"/>
-              </a:rPr>
-              <a:t>nhân</a:t>
-            </a:r>
-            <a:r>
-              <a:rPr lang="en-US" sz="4000" dirty="0">
-                <a:latin typeface="Times New Roman" panose="02020603050405020304" pitchFamily="18" charset="0"/>
-                <a:cs typeface="Times New Roman" panose="02020603050405020304" pitchFamily="18" charset="0"/>
-              </a:rPr>
-              <a:t> </a:t>
-            </a:r>
-            <a:r>
-              <a:rPr lang="en-US" sz="4000" dirty="0" err="1">
-                <a:latin typeface="Times New Roman" panose="02020603050405020304" pitchFamily="18" charset="0"/>
-                <a:cs typeface="Times New Roman" panose="02020603050405020304" pitchFamily="18" charset="0"/>
-              </a:rPr>
-              <a:t>lực</a:t>
-            </a:r>
-            <a:r>
-              <a:rPr lang="en-US" sz="4000" dirty="0">
-                <a:latin typeface="Times New Roman" panose="02020603050405020304" pitchFamily="18" charset="0"/>
-                <a:cs typeface="Times New Roman" panose="02020603050405020304" pitchFamily="18" charset="0"/>
-              </a:rPr>
-              <a:t>, bao </a:t>
-            </a:r>
-            <a:r>
-              <a:rPr lang="en-US" sz="4000" dirty="0" err="1">
-                <a:latin typeface="Times New Roman" panose="02020603050405020304" pitchFamily="18" charset="0"/>
-                <a:cs typeface="Times New Roman" panose="02020603050405020304" pitchFamily="18" charset="0"/>
-              </a:rPr>
-              <a:t>nhiêu</a:t>
-            </a:r>
-            <a:r>
-              <a:rPr lang="en-US" sz="4000" dirty="0">
-                <a:latin typeface="Times New Roman" panose="02020603050405020304" pitchFamily="18" charset="0"/>
-                <a:cs typeface="Times New Roman" panose="02020603050405020304" pitchFamily="18" charset="0"/>
-              </a:rPr>
-              <a:t> chi </a:t>
-            </a:r>
-            <a:r>
-              <a:rPr lang="en-US" sz="4000" dirty="0" err="1">
-                <a:latin typeface="Times New Roman" panose="02020603050405020304" pitchFamily="18" charset="0"/>
-                <a:cs typeface="Times New Roman" panose="02020603050405020304" pitchFamily="18" charset="0"/>
-              </a:rPr>
-              <a:t>phí</a:t>
-            </a:r>
-            <a:r>
-              <a:rPr lang="en-US" sz="4000" dirty="0">
-                <a:latin typeface="Times New Roman" panose="02020603050405020304" pitchFamily="18" charset="0"/>
-                <a:cs typeface="Times New Roman" panose="02020603050405020304" pitchFamily="18" charset="0"/>
-              </a:rPr>
-              <a:t> </a:t>
-            </a:r>
-            <a:r>
-              <a:rPr lang="en-US" sz="4000" dirty="0" err="1">
-                <a:latin typeface="Times New Roman" panose="02020603050405020304" pitchFamily="18" charset="0"/>
-                <a:cs typeface="Times New Roman" panose="02020603050405020304" pitchFamily="18" charset="0"/>
-              </a:rPr>
-              <a:t>để</a:t>
-            </a:r>
-            <a:r>
-              <a:rPr lang="en-US" sz="4000" dirty="0">
-                <a:latin typeface="Times New Roman" panose="02020603050405020304" pitchFamily="18" charset="0"/>
-                <a:cs typeface="Times New Roman" panose="02020603050405020304" pitchFamily="18" charset="0"/>
-              </a:rPr>
-              <a:t> </a:t>
-            </a:r>
-            <a:r>
-              <a:rPr lang="en-US" sz="4000" dirty="0" err="1">
-                <a:latin typeface="Times New Roman" panose="02020603050405020304" pitchFamily="18" charset="0"/>
-                <a:cs typeface="Times New Roman" panose="02020603050405020304" pitchFamily="18" charset="0"/>
-              </a:rPr>
-              <a:t>hoàn</a:t>
-            </a:r>
-            <a:r>
-              <a:rPr lang="en-US" sz="4000" dirty="0">
-                <a:latin typeface="Times New Roman" panose="02020603050405020304" pitchFamily="18" charset="0"/>
-                <a:cs typeface="Times New Roman" panose="02020603050405020304" pitchFamily="18" charset="0"/>
-              </a:rPr>
-              <a:t> </a:t>
-            </a:r>
-            <a:r>
-              <a:rPr lang="en-US" sz="4000" dirty="0" err="1">
-                <a:latin typeface="Times New Roman" panose="02020603050405020304" pitchFamily="18" charset="0"/>
-                <a:cs typeface="Times New Roman" panose="02020603050405020304" pitchFamily="18" charset="0"/>
-              </a:rPr>
-              <a:t>thành</a:t>
-            </a:r>
-            <a:r>
-              <a:rPr lang="en-US" sz="4000" dirty="0">
-                <a:latin typeface="Times New Roman" panose="02020603050405020304" pitchFamily="18" charset="0"/>
-                <a:cs typeface="Times New Roman" panose="02020603050405020304" pitchFamily="18" charset="0"/>
-              </a:rPr>
-              <a:t> </a:t>
-            </a:r>
-            <a:r>
-              <a:rPr lang="en-US" sz="4000" dirty="0" err="1">
-                <a:latin typeface="Times New Roman" panose="02020603050405020304" pitchFamily="18" charset="0"/>
-                <a:cs typeface="Times New Roman" panose="02020603050405020304" pitchFamily="18" charset="0"/>
-              </a:rPr>
-              <a:t>đồ</a:t>
-            </a:r>
-            <a:r>
-              <a:rPr lang="en-US" sz="4000" dirty="0">
-                <a:latin typeface="Times New Roman" panose="02020603050405020304" pitchFamily="18" charset="0"/>
-                <a:cs typeface="Times New Roman" panose="02020603050405020304" pitchFamily="18" charset="0"/>
-              </a:rPr>
-              <a:t> </a:t>
-            </a:r>
-            <a:r>
-              <a:rPr lang="en-US" sz="4000" dirty="0" err="1">
-                <a:latin typeface="Times New Roman" panose="02020603050405020304" pitchFamily="18" charset="0"/>
-                <a:cs typeface="Times New Roman" panose="02020603050405020304" pitchFamily="18" charset="0"/>
-              </a:rPr>
-              <a:t>án</a:t>
-            </a:r>
-            <a:r>
-              <a:rPr lang="en-US" sz="4000" dirty="0">
-                <a:latin typeface="Times New Roman" panose="02020603050405020304" pitchFamily="18" charset="0"/>
-                <a:cs typeface="Times New Roman" panose="02020603050405020304" pitchFamily="18" charset="0"/>
-              </a:rPr>
-              <a:t>? </a:t>
-            </a:r>
-            <a:br>
-              <a:rPr lang="en-US" sz="4000" dirty="0">
-                <a:latin typeface="Times New Roman" panose="02020603050405020304" pitchFamily="18" charset="0"/>
-                <a:cs typeface="Times New Roman" panose="02020603050405020304" pitchFamily="18" charset="0"/>
-              </a:rPr>
-            </a:br>
-            <a:endParaRPr lang="en-US" sz="4000" dirty="0">
-              <a:latin typeface="Times New Roman" panose="02020603050405020304" pitchFamily="18" charset="0"/>
-              <a:cs typeface="Times New Roman" panose="02020603050405020304" pitchFamily="18" charset="0"/>
-            </a:endParaRPr>
-          </a:p>
-        </p:txBody>
-      </p:sp>
-      <p:sp>
-        <p:nvSpPr>
-          <p:cNvPr id="3" name="Content Placeholder 2">
-            <a:extLst>
-              <a:ext uri="{FF2B5EF4-FFF2-40B4-BE49-F238E27FC236}">
-                <a16:creationId xmlns:a16="http://schemas.microsoft.com/office/drawing/2014/main" id="{0CB864A7-FF4B-4E98-82E8-3EE7188C963E}"/>
-              </a:ext>
-            </a:extLst>
-          </p:cNvPr>
-          <p:cNvSpPr>
-            <a:spLocks noGrp="1"/>
-          </p:cNvSpPr>
-          <p:nvPr>
-            <p:ph idx="1"/>
-          </p:nvPr>
-        </p:nvSpPr>
-        <p:spPr>
-          <a:xfrm>
-            <a:off x="1097280" y="1986281"/>
-            <a:ext cx="10058400" cy="4292599"/>
-          </a:xfrm>
-        </p:spPr>
-        <p:txBody>
-          <a:bodyPr>
-            <a:noAutofit/>
-          </a:bodyPr>
-          <a:lstStyle/>
-          <a:p>
-            <a:pPr marL="0" indent="0">
-              <a:buNone/>
-            </a:pPr>
-            <a:r>
-              <a:rPr lang="en-US" sz="1800" dirty="0" err="1">
-                <a:latin typeface="Times New Roman" panose="02020603050405020304" pitchFamily="18" charset="0"/>
-                <a:cs typeface="Times New Roman" panose="02020603050405020304" pitchFamily="18" charset="0"/>
-              </a:rPr>
-              <a:t>Thời</a:t>
-            </a:r>
-            <a:r>
-              <a:rPr lang="en-US" sz="1800" dirty="0">
-                <a:latin typeface="Times New Roman" panose="02020603050405020304" pitchFamily="18" charset="0"/>
-                <a:cs typeface="Times New Roman" panose="02020603050405020304" pitchFamily="18" charset="0"/>
-              </a:rPr>
-              <a:t> </a:t>
-            </a:r>
-            <a:r>
-              <a:rPr lang="en-US" sz="1800" dirty="0" err="1">
-                <a:latin typeface="Times New Roman" panose="02020603050405020304" pitchFamily="18" charset="0"/>
-                <a:cs typeface="Times New Roman" panose="02020603050405020304" pitchFamily="18" charset="0"/>
-              </a:rPr>
-              <a:t>gian</a:t>
-            </a:r>
-            <a:r>
-              <a:rPr lang="en-US" sz="1800" dirty="0">
-                <a:latin typeface="Times New Roman" panose="02020603050405020304" pitchFamily="18" charset="0"/>
-                <a:cs typeface="Times New Roman" panose="02020603050405020304" pitchFamily="18" charset="0"/>
-              </a:rPr>
-              <a:t>: </a:t>
-            </a:r>
-            <a:r>
-              <a:rPr lang="en-US" sz="1800" dirty="0" err="1">
-                <a:latin typeface="Times New Roman" panose="02020603050405020304" pitchFamily="18" charset="0"/>
-                <a:cs typeface="Times New Roman" panose="02020603050405020304" pitchFamily="18" charset="0"/>
-              </a:rPr>
-              <a:t>cần</a:t>
-            </a:r>
-            <a:r>
-              <a:rPr lang="en-US" sz="1800" dirty="0">
-                <a:latin typeface="Times New Roman" panose="02020603050405020304" pitchFamily="18" charset="0"/>
-                <a:cs typeface="Times New Roman" panose="02020603050405020304" pitchFamily="18" charset="0"/>
-              </a:rPr>
-              <a:t> 2 </a:t>
-            </a:r>
-            <a:r>
-              <a:rPr lang="en-US" sz="1800" dirty="0" err="1">
-                <a:latin typeface="Times New Roman" panose="02020603050405020304" pitchFamily="18" charset="0"/>
-                <a:cs typeface="Times New Roman" panose="02020603050405020304" pitchFamily="18" charset="0"/>
-              </a:rPr>
-              <a:t>tháng</a:t>
-            </a:r>
-            <a:endParaRPr lang="en-US" sz="1800" dirty="0">
-              <a:latin typeface="Times New Roman" panose="02020603050405020304" pitchFamily="18" charset="0"/>
-              <a:cs typeface="Times New Roman" panose="02020603050405020304" pitchFamily="18" charset="0"/>
-            </a:endParaRPr>
-          </a:p>
-          <a:p>
-            <a:pPr marL="0" indent="0">
-              <a:buNone/>
-            </a:pPr>
-            <a:r>
-              <a:rPr lang="en-US" sz="1800" dirty="0" err="1">
-                <a:latin typeface="Times New Roman" panose="02020603050405020304" pitchFamily="18" charset="0"/>
-                <a:cs typeface="Times New Roman" panose="02020603050405020304" pitchFamily="18" charset="0"/>
-              </a:rPr>
-              <a:t>Nhân</a:t>
-            </a:r>
-            <a:r>
-              <a:rPr lang="en-US" sz="1800" dirty="0">
-                <a:latin typeface="Times New Roman" panose="02020603050405020304" pitchFamily="18" charset="0"/>
-                <a:cs typeface="Times New Roman" panose="02020603050405020304" pitchFamily="18" charset="0"/>
-              </a:rPr>
-              <a:t> </a:t>
-            </a:r>
-            <a:r>
-              <a:rPr lang="en-US" sz="1800" dirty="0" err="1">
-                <a:latin typeface="Times New Roman" panose="02020603050405020304" pitchFamily="18" charset="0"/>
-                <a:cs typeface="Times New Roman" panose="02020603050405020304" pitchFamily="18" charset="0"/>
-              </a:rPr>
-              <a:t>lực</a:t>
-            </a:r>
-            <a:r>
-              <a:rPr lang="en-US" sz="1800" dirty="0">
-                <a:latin typeface="Times New Roman" panose="02020603050405020304" pitchFamily="18" charset="0"/>
-                <a:cs typeface="Times New Roman" panose="02020603050405020304" pitchFamily="18" charset="0"/>
-              </a:rPr>
-              <a:t>: 7 ng</a:t>
-            </a:r>
-            <a:r>
-              <a:rPr lang="vi-VN" sz="1800" dirty="0">
-                <a:latin typeface="Times New Roman" panose="02020603050405020304" pitchFamily="18" charset="0"/>
-                <a:cs typeface="Times New Roman" panose="02020603050405020304" pitchFamily="18" charset="0"/>
-              </a:rPr>
-              <a:t>ư</a:t>
-            </a:r>
-            <a:r>
-              <a:rPr lang="en-US" sz="1800" dirty="0" err="1">
-                <a:latin typeface="Times New Roman" panose="02020603050405020304" pitchFamily="18" charset="0"/>
-                <a:cs typeface="Times New Roman" panose="02020603050405020304" pitchFamily="18" charset="0"/>
-              </a:rPr>
-              <a:t>ời</a:t>
-            </a:r>
-            <a:endParaRPr lang="en-US" sz="1800" dirty="0">
-              <a:latin typeface="Times New Roman" panose="02020603050405020304" pitchFamily="18" charset="0"/>
-              <a:cs typeface="Times New Roman" panose="02020603050405020304" pitchFamily="18" charset="0"/>
-            </a:endParaRPr>
-          </a:p>
-          <a:p>
-            <a:pPr marL="0" indent="0">
-              <a:buNone/>
-            </a:pPr>
-            <a:r>
-              <a:rPr lang="en-US" sz="1800" dirty="0">
-                <a:latin typeface="Times New Roman" panose="02020603050405020304" pitchFamily="18" charset="0"/>
-                <a:cs typeface="Times New Roman" panose="02020603050405020304" pitchFamily="18" charset="0"/>
-              </a:rPr>
-              <a:t>Chi </a:t>
-            </a:r>
-            <a:r>
-              <a:rPr lang="en-US" sz="1800" dirty="0" err="1">
-                <a:latin typeface="Times New Roman" panose="02020603050405020304" pitchFamily="18" charset="0"/>
-                <a:cs typeface="Times New Roman" panose="02020603050405020304" pitchFamily="18" charset="0"/>
-              </a:rPr>
-              <a:t>phí</a:t>
-            </a:r>
-            <a:endParaRPr lang="en-US" sz="1800" dirty="0">
-              <a:latin typeface="Times New Roman" panose="02020603050405020304" pitchFamily="18" charset="0"/>
-              <a:cs typeface="Times New Roman" panose="02020603050405020304" pitchFamily="18" charset="0"/>
-            </a:endParaRPr>
-          </a:p>
-          <a:p>
-            <a:pPr>
-              <a:buFont typeface="Wingdings" panose="05000000000000000000" pitchFamily="2" charset="2"/>
-              <a:buChar char="Ø"/>
-            </a:pPr>
-            <a:r>
-              <a:rPr lang="en-US" sz="1800" dirty="0">
-                <a:latin typeface="Times New Roman" panose="02020603050405020304" pitchFamily="18" charset="0"/>
-                <a:cs typeface="Times New Roman" panose="02020603050405020304" pitchFamily="18" charset="0"/>
-              </a:rPr>
-              <a:t>Chi </a:t>
-            </a:r>
-            <a:r>
-              <a:rPr lang="en-US" sz="1800" dirty="0" err="1">
-                <a:latin typeface="Times New Roman" panose="02020603050405020304" pitchFamily="18" charset="0"/>
-                <a:cs typeface="Times New Roman" panose="02020603050405020304" pitchFamily="18" charset="0"/>
-              </a:rPr>
-              <a:t>phí</a:t>
-            </a:r>
-            <a:r>
-              <a:rPr lang="en-US" sz="1800" dirty="0">
-                <a:latin typeface="Times New Roman" panose="02020603050405020304" pitchFamily="18" charset="0"/>
-                <a:cs typeface="Times New Roman" panose="02020603050405020304" pitchFamily="18" charset="0"/>
-              </a:rPr>
-              <a:t> </a:t>
-            </a:r>
-            <a:r>
-              <a:rPr lang="en-US" sz="1800" dirty="0" err="1">
-                <a:latin typeface="Times New Roman" panose="02020603050405020304" pitchFamily="18" charset="0"/>
-                <a:cs typeface="Times New Roman" panose="02020603050405020304" pitchFamily="18" charset="0"/>
-              </a:rPr>
-              <a:t>cho</a:t>
-            </a:r>
-            <a:r>
-              <a:rPr lang="en-US" sz="1800" dirty="0">
-                <a:latin typeface="Times New Roman" panose="02020603050405020304" pitchFamily="18" charset="0"/>
-                <a:cs typeface="Times New Roman" panose="02020603050405020304" pitchFamily="18" charset="0"/>
-              </a:rPr>
-              <a:t> </a:t>
-            </a:r>
-            <a:r>
-              <a:rPr lang="en-US" sz="1800" dirty="0" err="1">
-                <a:latin typeface="Times New Roman" panose="02020603050405020304" pitchFamily="18" charset="0"/>
-                <a:cs typeface="Times New Roman" panose="02020603050405020304" pitchFamily="18" charset="0"/>
-              </a:rPr>
-              <a:t>thành</a:t>
-            </a:r>
-            <a:r>
-              <a:rPr lang="en-US" sz="1800" dirty="0">
-                <a:latin typeface="Times New Roman" panose="02020603050405020304" pitchFamily="18" charset="0"/>
-                <a:cs typeface="Times New Roman" panose="02020603050405020304" pitchFamily="18" charset="0"/>
-              </a:rPr>
-              <a:t> </a:t>
-            </a:r>
-            <a:r>
-              <a:rPr lang="en-US" sz="1800" dirty="0" err="1">
-                <a:latin typeface="Times New Roman" panose="02020603050405020304" pitchFamily="18" charset="0"/>
-                <a:cs typeface="Times New Roman" panose="02020603050405020304" pitchFamily="18" charset="0"/>
-              </a:rPr>
-              <a:t>viên</a:t>
-            </a:r>
-            <a:r>
-              <a:rPr lang="en-US" sz="1800" dirty="0">
-                <a:latin typeface="Times New Roman" panose="02020603050405020304" pitchFamily="18" charset="0"/>
-                <a:cs typeface="Times New Roman" panose="02020603050405020304" pitchFamily="18" charset="0"/>
-              </a:rPr>
-              <a:t>: 11.250.000 VNĐ/2 tháng/7ng</a:t>
-            </a:r>
-            <a:r>
-              <a:rPr lang="vi-VN" sz="1800" dirty="0">
-                <a:latin typeface="Times New Roman" panose="02020603050405020304" pitchFamily="18" charset="0"/>
-                <a:cs typeface="Times New Roman" panose="02020603050405020304" pitchFamily="18" charset="0"/>
-              </a:rPr>
-              <a:t>ư</a:t>
-            </a:r>
-            <a:r>
-              <a:rPr lang="en-US" sz="1800" dirty="0">
-                <a:latin typeface="Times New Roman" panose="02020603050405020304" pitchFamily="18" charset="0"/>
-                <a:cs typeface="Times New Roman" panose="02020603050405020304" pitchFamily="18" charset="0"/>
-              </a:rPr>
-              <a:t>ời</a:t>
-            </a:r>
-          </a:p>
-          <a:p>
-            <a:pPr>
-              <a:buFont typeface="Wingdings" panose="05000000000000000000" pitchFamily="2" charset="2"/>
-              <a:buChar char="Ø"/>
-            </a:pPr>
-            <a:r>
-              <a:rPr lang="en-US" sz="1800" dirty="0">
-                <a:latin typeface="Times New Roman" panose="02020603050405020304" pitchFamily="18" charset="0"/>
-                <a:cs typeface="Times New Roman" panose="02020603050405020304" pitchFamily="18" charset="0"/>
-              </a:rPr>
-              <a:t>In tài liệu: 120.000 VNĐ</a:t>
-            </a:r>
-          </a:p>
-          <a:p>
-            <a:pPr>
-              <a:buFont typeface="Wingdings" panose="05000000000000000000" pitchFamily="2" charset="2"/>
-              <a:buChar char="Ø"/>
-            </a:pPr>
-            <a:r>
-              <a:rPr lang="en-US" sz="1800" dirty="0" err="1">
-                <a:latin typeface="Times New Roman" panose="02020603050405020304" pitchFamily="18" charset="0"/>
-                <a:cs typeface="Times New Roman" panose="02020603050405020304" pitchFamily="18" charset="0"/>
-              </a:rPr>
-              <a:t>Mua</a:t>
-            </a:r>
-            <a:r>
-              <a:rPr lang="en-US" sz="1800" dirty="0">
-                <a:latin typeface="Times New Roman" panose="02020603050405020304" pitchFamily="18" charset="0"/>
-                <a:cs typeface="Times New Roman" panose="02020603050405020304" pitchFamily="18" charset="0"/>
-              </a:rPr>
-              <a:t> </a:t>
-            </a:r>
-            <a:r>
-              <a:rPr lang="en-US" sz="1800" dirty="0" err="1">
-                <a:latin typeface="Times New Roman" panose="02020603050405020304" pitchFamily="18" charset="0"/>
-                <a:cs typeface="Times New Roman" panose="02020603050405020304" pitchFamily="18" charset="0"/>
-              </a:rPr>
-              <a:t>tên</a:t>
-            </a:r>
-            <a:r>
-              <a:rPr lang="en-US" sz="1800" dirty="0">
-                <a:latin typeface="Times New Roman" panose="02020603050405020304" pitchFamily="18" charset="0"/>
-                <a:cs typeface="Times New Roman" panose="02020603050405020304" pitchFamily="18" charset="0"/>
-              </a:rPr>
-              <a:t> </a:t>
-            </a:r>
-            <a:r>
-              <a:rPr lang="en-US" sz="1800" dirty="0" err="1">
-                <a:latin typeface="Times New Roman" panose="02020603050405020304" pitchFamily="18" charset="0"/>
-                <a:cs typeface="Times New Roman" panose="02020603050405020304" pitchFamily="18" charset="0"/>
-              </a:rPr>
-              <a:t>miền</a:t>
-            </a:r>
-            <a:r>
-              <a:rPr lang="en-US" sz="1800" dirty="0">
-                <a:latin typeface="Times New Roman" panose="02020603050405020304" pitchFamily="18" charset="0"/>
-                <a:cs typeface="Times New Roman" panose="02020603050405020304" pitchFamily="18" charset="0"/>
-              </a:rPr>
-              <a:t> </a:t>
-            </a:r>
-            <a:r>
-              <a:rPr lang="en-US" sz="1800" dirty="0" err="1">
-                <a:latin typeface="Times New Roman" panose="02020603050405020304" pitchFamily="18" charset="0"/>
-                <a:cs typeface="Times New Roman" panose="02020603050405020304" pitchFamily="18" charset="0"/>
-              </a:rPr>
-              <a:t>và</a:t>
-            </a:r>
-            <a:r>
-              <a:rPr lang="en-US" sz="1800" dirty="0">
-                <a:latin typeface="Times New Roman" panose="02020603050405020304" pitchFamily="18" charset="0"/>
-                <a:cs typeface="Times New Roman" panose="02020603050405020304" pitchFamily="18" charset="0"/>
-              </a:rPr>
-              <a:t> </a:t>
-            </a:r>
-            <a:r>
-              <a:rPr lang="en-US" sz="1800" dirty="0" err="1">
-                <a:latin typeface="Times New Roman" panose="02020603050405020304" pitchFamily="18" charset="0"/>
-                <a:cs typeface="Times New Roman" panose="02020603050405020304" pitchFamily="18" charset="0"/>
-              </a:rPr>
-              <a:t>duy</a:t>
-            </a:r>
-            <a:r>
-              <a:rPr lang="en-US" sz="1800" dirty="0">
-                <a:latin typeface="Times New Roman" panose="02020603050405020304" pitchFamily="18" charset="0"/>
-                <a:cs typeface="Times New Roman" panose="02020603050405020304" pitchFamily="18" charset="0"/>
-              </a:rPr>
-              <a:t> </a:t>
-            </a:r>
-            <a:r>
-              <a:rPr lang="en-US" sz="1800" dirty="0" err="1">
-                <a:latin typeface="Times New Roman" panose="02020603050405020304" pitchFamily="18" charset="0"/>
-                <a:cs typeface="Times New Roman" panose="02020603050405020304" pitchFamily="18" charset="0"/>
-              </a:rPr>
-              <a:t>trì</a:t>
-            </a:r>
-            <a:r>
-              <a:rPr lang="en-US" sz="1800" dirty="0">
-                <a:latin typeface="Times New Roman" panose="02020603050405020304" pitchFamily="18" charset="0"/>
-                <a:cs typeface="Times New Roman" panose="02020603050405020304" pitchFamily="18" charset="0"/>
-              </a:rPr>
-              <a:t> </a:t>
-            </a:r>
-            <a:r>
-              <a:rPr lang="en-US" sz="1800" dirty="0" err="1">
-                <a:latin typeface="Times New Roman" panose="02020603050405020304" pitchFamily="18" charset="0"/>
-                <a:cs typeface="Times New Roman" panose="02020603050405020304" pitchFamily="18" charset="0"/>
-              </a:rPr>
-              <a:t>tên</a:t>
-            </a:r>
-            <a:r>
-              <a:rPr lang="en-US" sz="1800" dirty="0">
-                <a:latin typeface="Times New Roman" panose="02020603050405020304" pitchFamily="18" charset="0"/>
-                <a:cs typeface="Times New Roman" panose="02020603050405020304" pitchFamily="18" charset="0"/>
-              </a:rPr>
-              <a:t> </a:t>
-            </a:r>
-            <a:r>
-              <a:rPr lang="en-US" sz="1800" dirty="0" err="1">
-                <a:latin typeface="Times New Roman" panose="02020603050405020304" pitchFamily="18" charset="0"/>
-                <a:cs typeface="Times New Roman" panose="02020603050405020304" pitchFamily="18" charset="0"/>
-              </a:rPr>
-              <a:t>miền</a:t>
-            </a:r>
-            <a:r>
-              <a:rPr lang="en-US" sz="1800" dirty="0">
-                <a:latin typeface="Times New Roman" panose="02020603050405020304" pitchFamily="18" charset="0"/>
-                <a:cs typeface="Times New Roman" panose="02020603050405020304" pitchFamily="18" charset="0"/>
-              </a:rPr>
-              <a:t>: 380.000 </a:t>
-            </a:r>
-            <a:r>
-              <a:rPr lang="en-US" sz="1800" dirty="0" err="1">
-                <a:latin typeface="Times New Roman" panose="02020603050405020304" pitchFamily="18" charset="0"/>
-                <a:cs typeface="Times New Roman" panose="02020603050405020304" pitchFamily="18" charset="0"/>
-              </a:rPr>
-              <a:t>VNĐ</a:t>
-            </a:r>
-            <a:r>
-              <a:rPr lang="en-US" sz="1800" dirty="0">
-                <a:latin typeface="Times New Roman" panose="02020603050405020304" pitchFamily="18" charset="0"/>
-                <a:cs typeface="Times New Roman" panose="02020603050405020304" pitchFamily="18" charset="0"/>
-              </a:rPr>
-              <a:t>/</a:t>
-            </a:r>
-            <a:r>
-              <a:rPr lang="en-US" sz="1800" dirty="0" err="1">
-                <a:latin typeface="Times New Roman" panose="02020603050405020304" pitchFamily="18" charset="0"/>
-                <a:cs typeface="Times New Roman" panose="02020603050405020304" pitchFamily="18" charset="0"/>
-              </a:rPr>
-              <a:t>năm</a:t>
-            </a:r>
-            <a:r>
-              <a:rPr lang="en-US" sz="1800" dirty="0">
-                <a:latin typeface="Times New Roman" panose="02020603050405020304" pitchFamily="18" charset="0"/>
-                <a:cs typeface="Times New Roman" panose="02020603050405020304" pitchFamily="18" charset="0"/>
-              </a:rPr>
-              <a:t>.</a:t>
-            </a:r>
-          </a:p>
-          <a:p>
-            <a:pPr>
-              <a:buFont typeface="Wingdings" panose="05000000000000000000" pitchFamily="2" charset="2"/>
-              <a:buChar char="Ø"/>
-            </a:pPr>
-            <a:r>
-              <a:rPr lang="en-US" sz="1800" dirty="0">
-                <a:latin typeface="Times New Roman" panose="02020603050405020304" pitchFamily="18" charset="0"/>
-                <a:cs typeface="Times New Roman" panose="02020603050405020304" pitchFamily="18" charset="0"/>
-              </a:rPr>
-              <a:t>Chi </a:t>
-            </a:r>
-            <a:r>
-              <a:rPr lang="en-US" sz="1800" dirty="0" err="1">
-                <a:latin typeface="Times New Roman" panose="02020603050405020304" pitchFamily="18" charset="0"/>
-                <a:cs typeface="Times New Roman" panose="02020603050405020304" pitchFamily="18" charset="0"/>
-              </a:rPr>
-              <a:t>phí</a:t>
-            </a:r>
-            <a:r>
-              <a:rPr lang="en-US" sz="1800" dirty="0">
-                <a:latin typeface="Times New Roman" panose="02020603050405020304" pitchFamily="18" charset="0"/>
-                <a:cs typeface="Times New Roman" panose="02020603050405020304" pitchFamily="18" charset="0"/>
-              </a:rPr>
-              <a:t> Host: ~300.000 </a:t>
-            </a:r>
-            <a:r>
-              <a:rPr lang="en-US" sz="1800" dirty="0" err="1">
-                <a:latin typeface="Times New Roman" panose="02020603050405020304" pitchFamily="18" charset="0"/>
-                <a:cs typeface="Times New Roman" panose="02020603050405020304" pitchFamily="18" charset="0"/>
-              </a:rPr>
-              <a:t>VNĐ</a:t>
-            </a:r>
-            <a:r>
-              <a:rPr lang="en-US" sz="1800" dirty="0">
-                <a:latin typeface="Times New Roman" panose="02020603050405020304" pitchFamily="18" charset="0"/>
-                <a:cs typeface="Times New Roman" panose="02020603050405020304" pitchFamily="18" charset="0"/>
-              </a:rPr>
-              <a:t>/</a:t>
-            </a:r>
-            <a:r>
-              <a:rPr lang="en-US" sz="1800" dirty="0" err="1">
-                <a:latin typeface="Times New Roman" panose="02020603050405020304" pitchFamily="18" charset="0"/>
-                <a:cs typeface="Times New Roman" panose="02020603050405020304" pitchFamily="18" charset="0"/>
-              </a:rPr>
-              <a:t>tháng</a:t>
-            </a:r>
-            <a:r>
-              <a:rPr lang="en-US" sz="1800" dirty="0">
-                <a:latin typeface="Times New Roman" panose="02020603050405020304" pitchFamily="18" charset="0"/>
-                <a:cs typeface="Times New Roman" panose="02020603050405020304" pitchFamily="18" charset="0"/>
-              </a:rPr>
-              <a:t>, </a:t>
-            </a:r>
-            <a:r>
-              <a:rPr lang="en-US" sz="1800" dirty="0" err="1">
-                <a:latin typeface="Times New Roman" panose="02020603050405020304" pitchFamily="18" charset="0"/>
-                <a:cs typeface="Times New Roman" panose="02020603050405020304" pitchFamily="18" charset="0"/>
-              </a:rPr>
-              <a:t>tùy</a:t>
-            </a:r>
-            <a:r>
-              <a:rPr lang="en-US" sz="1800" dirty="0">
-                <a:latin typeface="Times New Roman" panose="02020603050405020304" pitchFamily="18" charset="0"/>
-                <a:cs typeface="Times New Roman" panose="02020603050405020304" pitchFamily="18" charset="0"/>
-              </a:rPr>
-              <a:t> </a:t>
-            </a:r>
-            <a:r>
-              <a:rPr lang="en-US" sz="1800" dirty="0" err="1">
-                <a:latin typeface="Times New Roman" panose="02020603050405020304" pitchFamily="18" charset="0"/>
-                <a:cs typeface="Times New Roman" panose="02020603050405020304" pitchFamily="18" charset="0"/>
-              </a:rPr>
-              <a:t>vào</a:t>
-            </a:r>
-            <a:r>
-              <a:rPr lang="en-US" sz="1800" dirty="0">
-                <a:latin typeface="Times New Roman" panose="02020603050405020304" pitchFamily="18" charset="0"/>
-                <a:cs typeface="Times New Roman" panose="02020603050405020304" pitchFamily="18" charset="0"/>
-              </a:rPr>
-              <a:t> </a:t>
-            </a:r>
-            <a:r>
-              <a:rPr lang="en-US" sz="1800" dirty="0" err="1">
-                <a:latin typeface="Times New Roman" panose="02020603050405020304" pitchFamily="18" charset="0"/>
-                <a:cs typeface="Times New Roman" panose="02020603050405020304" pitchFamily="18" charset="0"/>
-              </a:rPr>
-              <a:t>lượng</a:t>
-            </a:r>
-            <a:r>
-              <a:rPr lang="en-US" sz="1800" dirty="0">
-                <a:latin typeface="Times New Roman" panose="02020603050405020304" pitchFamily="18" charset="0"/>
-                <a:cs typeface="Times New Roman" panose="02020603050405020304" pitchFamily="18" charset="0"/>
-              </a:rPr>
-              <a:t> user </a:t>
-            </a:r>
-            <a:r>
-              <a:rPr lang="en-US" sz="1800" dirty="0" err="1">
-                <a:latin typeface="Times New Roman" panose="02020603050405020304" pitchFamily="18" charset="0"/>
-                <a:cs typeface="Times New Roman" panose="02020603050405020304" pitchFamily="18" charset="0"/>
-              </a:rPr>
-              <a:t>sử</a:t>
-            </a:r>
-            <a:r>
-              <a:rPr lang="en-US" sz="1800" dirty="0">
-                <a:latin typeface="Times New Roman" panose="02020603050405020304" pitchFamily="18" charset="0"/>
-                <a:cs typeface="Times New Roman" panose="02020603050405020304" pitchFamily="18" charset="0"/>
-              </a:rPr>
-              <a:t> </a:t>
-            </a:r>
-            <a:r>
-              <a:rPr lang="en-US" sz="1800" dirty="0" err="1">
-                <a:latin typeface="Times New Roman" panose="02020603050405020304" pitchFamily="18" charset="0"/>
-                <a:cs typeface="Times New Roman" panose="02020603050405020304" pitchFamily="18" charset="0"/>
-              </a:rPr>
-              <a:t>dụng</a:t>
-            </a:r>
-            <a:r>
-              <a:rPr lang="en-US" sz="1800" dirty="0">
-                <a:latin typeface="Times New Roman" panose="02020603050405020304" pitchFamily="18" charset="0"/>
-                <a:cs typeface="Times New Roman" panose="02020603050405020304" pitchFamily="18" charset="0"/>
-              </a:rPr>
-              <a:t>.</a:t>
-            </a:r>
-          </a:p>
-          <a:p>
-            <a:pPr>
-              <a:buFont typeface="Wingdings" panose="05000000000000000000" pitchFamily="2" charset="2"/>
-              <a:buChar char="Ø"/>
-            </a:pPr>
-            <a:r>
-              <a:rPr lang="en-US" sz="1800" dirty="0">
-                <a:latin typeface="Times New Roman" panose="02020603050405020304" pitchFamily="18" charset="0"/>
-                <a:cs typeface="Times New Roman" panose="02020603050405020304" pitchFamily="18" charset="0"/>
-              </a:rPr>
-              <a:t>Marketing: ~1.000.000 </a:t>
-            </a:r>
-            <a:r>
-              <a:rPr lang="en-US" sz="1800" dirty="0" err="1">
-                <a:latin typeface="Times New Roman" panose="02020603050405020304" pitchFamily="18" charset="0"/>
-                <a:cs typeface="Times New Roman" panose="02020603050405020304" pitchFamily="18" charset="0"/>
-              </a:rPr>
-              <a:t>VNĐ</a:t>
-            </a:r>
-            <a:endParaRPr lang="en-US" sz="1800" dirty="0">
-              <a:latin typeface="Times New Roman" panose="02020603050405020304" pitchFamily="18" charset="0"/>
-              <a:cs typeface="Times New Roman" panose="02020603050405020304" pitchFamily="18" charset="0"/>
-            </a:endParaRPr>
-          </a:p>
-          <a:p>
-            <a:pPr>
-              <a:buFont typeface="Wingdings" panose="05000000000000000000" pitchFamily="2" charset="2"/>
-              <a:buChar char="Ø"/>
-            </a:pPr>
-            <a:r>
-              <a:rPr lang="en-US" sz="1800" dirty="0">
-                <a:latin typeface="Times New Roman" panose="02020603050405020304" pitchFamily="18" charset="0"/>
-                <a:cs typeface="Times New Roman" panose="02020603050405020304" pitchFamily="18" charset="0"/>
-              </a:rPr>
-              <a:t>Tổng cộng: ~13tr</a:t>
-            </a:r>
-          </a:p>
-        </p:txBody>
-      </p:sp>
-    </p:spTree>
-    <p:extLst>
-      <p:ext uri="{BB962C8B-B14F-4D97-AF65-F5344CB8AC3E}">
-        <p14:creationId xmlns:p14="http://schemas.microsoft.com/office/powerpoint/2010/main" val="3837087006"/>
-      </p:ext>
-    </p:extLst>
-  </p:cSld>
-  <p:clrMapOvr>
-    <a:masterClrMapping/>
-  </p:clrMapOvr>
-  <mc:AlternateContent xmlns:mc="http://schemas.openxmlformats.org/markup-compatibility/2006" xmlns:p14="http://schemas.microsoft.com/office/powerpoint/2010/main">
-    <mc:Choice Requires="p14">
-      <p:transition spd="slow" p14:dur="1500">
-        <p:split orient="vert"/>
-      </p:transition>
-    </mc:Choice>
-    <mc:Fallback xmlns="">
-      <p:transition spd="slow">
-        <p:split orient="vert"/>
-      </p:transition>
-    </mc:Fallback>
-  </mc:AlternateContent>
-</p:sld>
-</file>
-
-<file path=ppt/slides/slide11.xml><?xml version="1.0" encoding="utf-8"?>
-<p:sld xmlns:a="http://schemas.openxmlformats.org/drawingml/2006/main" xmlns:r="http://schemas.openxmlformats.org/officeDocument/2006/relationships" xmlns:p="http://schemas.openxmlformats.org/presentationml/2006/main">
-  <p:cSld>
-    <p:spTree>
-      <p:nvGrpSpPr>
-        <p:cNvPr id="1" name=""/>
-        <p:cNvGrpSpPr/>
-        <p:nvPr/>
-      </p:nvGrpSpPr>
-      <p:grpSpPr>
-        <a:xfrm>
-          <a:off x="0" y="0"/>
-          <a:ext cx="0" cy="0"/>
-          <a:chOff x="0" y="0"/>
-          <a:chExt cx="0" cy="0"/>
-        </a:xfrm>
-      </p:grpSpPr>
-      <p:sp>
-        <p:nvSpPr>
-          <p:cNvPr id="2" name="Title 1">
-            <a:extLst>
-              <a:ext uri="{FF2B5EF4-FFF2-40B4-BE49-F238E27FC236}">
                 <a16:creationId xmlns:a16="http://schemas.microsoft.com/office/drawing/2014/main" id="{A2BEE0AA-D73F-4800-AC02-570F75779BAC}"/>
               </a:ext>
             </a:extLst>
@@ -5347,7 +4425,7 @@
 </p:sld>
 </file>
 
-<file path=ppt/slides/slide12.xml><?xml version="1.0" encoding="utf-8"?>
+<file path=ppt/slides/slide11.xml><?xml version="1.0" encoding="utf-8"?>
 <p:sld xmlns:a="http://schemas.openxmlformats.org/drawingml/2006/main" xmlns:r="http://schemas.openxmlformats.org/officeDocument/2006/relationships" xmlns:p="http://schemas.openxmlformats.org/presentationml/2006/main">
   <p:cSld>
     <p:spTree>
@@ -8818,7 +7896,7 @@
 </p:sld>
 </file>
 
-<file path=ppt/slides/slide13.xml><?xml version="1.0" encoding="utf-8"?>
+<file path=ppt/slides/slide12.xml><?xml version="1.0" encoding="utf-8"?>
 <p:sld xmlns:a="http://schemas.openxmlformats.org/drawingml/2006/main" xmlns:r="http://schemas.openxmlformats.org/officeDocument/2006/relationships" xmlns:p="http://schemas.openxmlformats.org/presentationml/2006/main">
   <p:cSld>
     <p:spTree>
@@ -11001,7 +10079,7 @@
 </p:sld>
 </file>
 
-<file path=ppt/slides/slide14.xml><?xml version="1.0" encoding="utf-8"?>
+<file path=ppt/slides/slide13.xml><?xml version="1.0" encoding="utf-8"?>
 <p:sld xmlns:a="http://schemas.openxmlformats.org/drawingml/2006/main" xmlns:r="http://schemas.openxmlformats.org/officeDocument/2006/relationships" xmlns:p="http://schemas.openxmlformats.org/presentationml/2006/main">
   <p:cSld>
     <p:spTree>
@@ -14742,7 +13820,7 @@
 </p:sld>
 </file>
 
-<file path=ppt/slides/slide15.xml><?xml version="1.0" encoding="utf-8"?>
+<file path=ppt/slides/slide14.xml><?xml version="1.0" encoding="utf-8"?>
 <p:sld xmlns:a="http://schemas.openxmlformats.org/drawingml/2006/main" xmlns:r="http://schemas.openxmlformats.org/officeDocument/2006/relationships" xmlns:p="http://schemas.openxmlformats.org/presentationml/2006/main">
   <p:cSld>
     <p:spTree>
@@ -18562,7 +17640,7 @@
 </p:sld>
 </file>
 
-<file path=ppt/slides/slide16.xml><?xml version="1.0" encoding="utf-8"?>
+<file path=ppt/slides/slide15.xml><?xml version="1.0" encoding="utf-8"?>
 <p:sld xmlns:a="http://schemas.openxmlformats.org/drawingml/2006/main" xmlns:r="http://schemas.openxmlformats.org/officeDocument/2006/relationships" xmlns:p="http://schemas.openxmlformats.org/presentationml/2006/main">
   <p:cSld>
     <p:spTree>
@@ -20777,7 +19855,7 @@
 </p:sld>
 </file>
 
-<file path=ppt/slides/slide17.xml><?xml version="1.0" encoding="utf-8"?>
+<file path=ppt/slides/slide16.xml><?xml version="1.0" encoding="utf-8"?>
 <p:sld xmlns:a="http://schemas.openxmlformats.org/drawingml/2006/main" xmlns:r="http://schemas.openxmlformats.org/officeDocument/2006/relationships" xmlns:p="http://schemas.openxmlformats.org/presentationml/2006/main">
   <p:cSld>
     <p:spTree>
@@ -25259,7 +24337,7 @@
 </p:sld>
 </file>
 
-<file path=ppt/slides/slide18.xml><?xml version="1.0" encoding="utf-8"?>
+<file path=ppt/slides/slide17.xml><?xml version="1.0" encoding="utf-8"?>
 <p:sld xmlns:a="http://schemas.openxmlformats.org/drawingml/2006/main" xmlns:r="http://schemas.openxmlformats.org/officeDocument/2006/relationships" xmlns:p="http://schemas.openxmlformats.org/presentationml/2006/main">
   <p:cSld>
     <p:spTree>
@@ -25860,7 +24938,7 @@
 </p:sld>
 </file>
 
-<file path=ppt/slides/slide19.xml><?xml version="1.0" encoding="utf-8"?>
+<file path=ppt/slides/slide18.xml><?xml version="1.0" encoding="utf-8"?>
 <p:sld xmlns:a="http://schemas.openxmlformats.org/drawingml/2006/main" xmlns:r="http://schemas.openxmlformats.org/officeDocument/2006/relationships" xmlns:p="http://schemas.openxmlformats.org/presentationml/2006/main">
   <p:cSld>
     <p:spTree>
@@ -27057,1458 +26135,7 @@
 </p:sld>
 </file>
 
-<file path=ppt/slides/slide2.xml><?xml version="1.0" encoding="utf-8"?>
-<p:sld xmlns:a="http://schemas.openxmlformats.org/drawingml/2006/main" xmlns:r="http://schemas.openxmlformats.org/officeDocument/2006/relationships" xmlns:p="http://schemas.openxmlformats.org/presentationml/2006/main">
-  <p:cSld>
-    <p:bg>
-      <p:bgPr>
-        <a:solidFill>
-          <a:schemeClr val="bg1"/>
-        </a:solidFill>
-        <a:effectLst/>
-      </p:bgPr>
-    </p:bg>
-    <p:spTree>
-      <p:nvGrpSpPr>
-        <p:cNvPr id="1" name=""/>
-        <p:cNvGrpSpPr/>
-        <p:nvPr/>
-      </p:nvGrpSpPr>
-      <p:grpSpPr>
-        <a:xfrm>
-          <a:off x="0" y="0"/>
-          <a:ext cx="0" cy="0"/>
-          <a:chOff x="0" y="0"/>
-          <a:chExt cx="0" cy="0"/>
-        </a:xfrm>
-      </p:grpSpPr>
-      <p:sp useBgFill="1">
-        <p:nvSpPr>
-          <p:cNvPr id="30" name="Rectangle 29">
-            <a:extLst>
-              <a:ext uri="{FF2B5EF4-FFF2-40B4-BE49-F238E27FC236}">
-                <a16:creationId xmlns:a16="http://schemas.microsoft.com/office/drawing/2014/main" id="{F64BBAA4-C62B-4146-B49F-FE4CC4655EE0}"/>
-              </a:ext>
-              <a:ext uri="{C183D7F6-B498-43B3-948B-1728B52AA6E4}">
-                <adec:decorative xmlns="" xmlns:adec="http://schemas.microsoft.com/office/drawing/2017/decorative" val="1"/>
-              </a:ext>
-            </a:extLst>
-          </p:cNvPr>
-          <p:cNvSpPr>
-            <a:spLocks noGrp="1" noRot="1" noChangeAspect="1" noMove="1" noResize="1" noEditPoints="1" noAdjustHandles="1" noChangeArrowheads="1" noChangeShapeType="1" noTextEdit="1"/>
-          </p:cNvSpPr>
-          <p:nvPr>
-            <p:extLst>
-              <p:ext uri="{386F3935-93C4-4BCD-93E2-E3B085C9AB24}">
-                <p16:designElem xmlns:p16="http://schemas.microsoft.com/office/powerpoint/2015/main" val="1"/>
-              </p:ext>
-            </p:extLst>
-          </p:nvPr>
-        </p:nvSpPr>
-        <p:spPr>
-          <a:xfrm>
-            <a:off x="0" y="0"/>
-            <a:ext cx="12192001" cy="6858000"/>
-          </a:xfrm>
-          <a:prstGeom prst="rect">
-            <a:avLst/>
-          </a:prstGeom>
-          <a:ln>
-            <a:noFill/>
-          </a:ln>
-        </p:spPr>
-        <p:style>
-          <a:lnRef idx="2">
-            <a:schemeClr val="accent1">
-              <a:shade val="50000"/>
-            </a:schemeClr>
-          </a:lnRef>
-          <a:fillRef idx="1">
-            <a:schemeClr val="accent1"/>
-          </a:fillRef>
-          <a:effectRef idx="0">
-            <a:schemeClr val="accent1"/>
-          </a:effectRef>
-          <a:fontRef idx="minor">
-            <a:schemeClr val="lt1"/>
-          </a:fontRef>
-        </p:style>
-        <p:txBody>
-          <a:bodyPr rtlCol="0" anchor="ctr"/>
-          <a:lstStyle/>
-          <a:p>
-            <a:pPr algn="ctr"/>
-            <a:endParaRPr lang="en-US">
-              <a:latin typeface="Times New Roman" panose="02020603050405020304" pitchFamily="18" charset="0"/>
-              <a:cs typeface="Times New Roman" panose="02020603050405020304" pitchFamily="18" charset="0"/>
-            </a:endParaRPr>
-          </a:p>
-        </p:txBody>
-      </p:sp>
-      <p:sp>
-        <p:nvSpPr>
-          <p:cNvPr id="2" name="Title 1">
-            <a:extLst>
-              <a:ext uri="{FF2B5EF4-FFF2-40B4-BE49-F238E27FC236}">
-                <a16:creationId xmlns:a16="http://schemas.microsoft.com/office/drawing/2014/main" id="{46E7E4FA-28CE-4C5C-888F-D8A7A417C0F7}"/>
-              </a:ext>
-            </a:extLst>
-          </p:cNvPr>
-          <p:cNvSpPr>
-            <a:spLocks noGrp="1"/>
-          </p:cNvSpPr>
-          <p:nvPr>
-            <p:ph type="title"/>
-          </p:nvPr>
-        </p:nvSpPr>
-        <p:spPr>
-          <a:xfrm>
-            <a:off x="878911" y="643468"/>
-            <a:ext cx="3177847" cy="1674180"/>
-          </a:xfrm>
-        </p:spPr>
-        <p:txBody>
-          <a:bodyPr>
-            <a:normAutofit/>
-          </a:bodyPr>
-          <a:lstStyle/>
-          <a:p>
-            <a:r>
-              <a:rPr lang="en-US" sz="4000" dirty="0">
-                <a:latin typeface="Times New Roman" panose="02020603050405020304" pitchFamily="18" charset="0"/>
-                <a:cs typeface="Times New Roman" panose="02020603050405020304" pitchFamily="18" charset="0"/>
-              </a:rPr>
-              <a:t>Thành viên nhóm </a:t>
-            </a:r>
-          </a:p>
-        </p:txBody>
-      </p:sp>
-      <p:cxnSp>
-        <p:nvCxnSpPr>
-          <p:cNvPr id="32" name="Straight Connector 31">
-            <a:extLst>
-              <a:ext uri="{FF2B5EF4-FFF2-40B4-BE49-F238E27FC236}">
-                <a16:creationId xmlns:a16="http://schemas.microsoft.com/office/drawing/2014/main" id="{EEB57AA8-F021-480C-A9E2-F89913313611}"/>
-              </a:ext>
-              <a:ext uri="{C183D7F6-B498-43B3-948B-1728B52AA6E4}">
-                <adec:decorative xmlns="" xmlns:adec="http://schemas.microsoft.com/office/drawing/2017/decorative" val="1"/>
-              </a:ext>
-            </a:extLst>
-          </p:cNvPr>
-          <p:cNvCxnSpPr>
-            <a:cxnSpLocks noGrp="1" noRot="1" noChangeAspect="1" noMove="1" noResize="1" noEditPoints="1" noAdjustHandles="1" noChangeArrowheads="1" noChangeShapeType="1"/>
-          </p:cNvCxnSpPr>
-          <p:nvPr>
-            <p:extLst>
-              <p:ext uri="{386F3935-93C4-4BCD-93E2-E3B085C9AB24}">
-                <p16:designElem xmlns:p16="http://schemas.microsoft.com/office/powerpoint/2015/main" val="1"/>
-              </p:ext>
-            </p:extLst>
-          </p:nvPr>
-        </p:nvCxnSpPr>
-        <p:spPr>
-          <a:xfrm>
-            <a:off x="962164" y="2478513"/>
-            <a:ext cx="2926080" cy="0"/>
-          </a:xfrm>
-          <a:prstGeom prst="line">
-            <a:avLst/>
-          </a:prstGeom>
-          <a:ln>
-            <a:solidFill>
-              <a:schemeClr val="tx1">
-                <a:lumMod val="75000"/>
-                <a:lumOff val="25000"/>
-              </a:schemeClr>
-            </a:solidFill>
-          </a:ln>
-        </p:spPr>
-        <p:style>
-          <a:lnRef idx="1">
-            <a:schemeClr val="accent1"/>
-          </a:lnRef>
-          <a:fillRef idx="0">
-            <a:schemeClr val="accent1"/>
-          </a:fillRef>
-          <a:effectRef idx="0">
-            <a:schemeClr val="accent1"/>
-          </a:effectRef>
-          <a:fontRef idx="minor">
-            <a:schemeClr val="tx1"/>
-          </a:fontRef>
-        </p:style>
-      </p:cxnSp>
-      <p:sp>
-        <p:nvSpPr>
-          <p:cNvPr id="27" name="Content Placeholder 26">
-            <a:extLst>
-              <a:ext uri="{FF2B5EF4-FFF2-40B4-BE49-F238E27FC236}">
-                <a16:creationId xmlns:a16="http://schemas.microsoft.com/office/drawing/2014/main" id="{9D0BC871-CF7D-4C63-9AA2-2FFC16CC5979}"/>
-              </a:ext>
-            </a:extLst>
-          </p:cNvPr>
-          <p:cNvSpPr>
-            <a:spLocks noGrp="1"/>
-          </p:cNvSpPr>
-          <p:nvPr>
-            <p:ph idx="1"/>
-          </p:nvPr>
-        </p:nvSpPr>
-        <p:spPr>
-          <a:xfrm>
-            <a:off x="858064" y="2639380"/>
-            <a:ext cx="3205049" cy="3229714"/>
-          </a:xfrm>
-        </p:spPr>
-        <p:txBody>
-          <a:bodyPr>
-            <a:normAutofit/>
-          </a:bodyPr>
-          <a:lstStyle/>
-          <a:p>
-            <a:endParaRPr lang="en-US">
-              <a:latin typeface="Times New Roman" panose="02020603050405020304" pitchFamily="18" charset="0"/>
-              <a:cs typeface="Times New Roman" panose="02020603050405020304" pitchFamily="18" charset="0"/>
-            </a:endParaRPr>
-          </a:p>
-        </p:txBody>
-      </p:sp>
-      <p:sp>
-        <p:nvSpPr>
-          <p:cNvPr id="34" name="Rectangle 33">
-            <a:extLst>
-              <a:ext uri="{FF2B5EF4-FFF2-40B4-BE49-F238E27FC236}">
-                <a16:creationId xmlns:a16="http://schemas.microsoft.com/office/drawing/2014/main" id="{75CF30C0-9394-4459-976E-2AA223FB125F}"/>
-              </a:ext>
-              <a:ext uri="{C183D7F6-B498-43B3-948B-1728B52AA6E4}">
-                <adec:decorative xmlns="" xmlns:adec="http://schemas.microsoft.com/office/drawing/2017/decorative" val="1"/>
-              </a:ext>
-            </a:extLst>
-          </p:cNvPr>
-          <p:cNvSpPr>
-            <a:spLocks noGrp="1" noRot="1" noChangeAspect="1" noMove="1" noResize="1" noEditPoints="1" noAdjustHandles="1" noChangeArrowheads="1" noChangeShapeType="1" noTextEdit="1"/>
-          </p:cNvSpPr>
-          <p:nvPr>
-            <p:extLst>
-              <p:ext uri="{386F3935-93C4-4BCD-93E2-E3B085C9AB24}">
-                <p16:designElem xmlns:p16="http://schemas.microsoft.com/office/powerpoint/2015/main" val="1"/>
-              </p:ext>
-            </p:extLst>
-          </p:nvPr>
-        </p:nvSpPr>
-        <p:spPr>
-          <a:xfrm>
-            <a:off x="3175" y="6400800"/>
-            <a:ext cx="12188825" cy="457200"/>
-          </a:xfrm>
-          <a:prstGeom prst="rect">
-            <a:avLst/>
-          </a:prstGeom>
-          <a:solidFill>
-            <a:srgbClr val="262626"/>
-          </a:solidFill>
-          <a:ln>
-            <a:noFill/>
-          </a:ln>
-        </p:spPr>
-        <p:style>
-          <a:lnRef idx="2">
-            <a:schemeClr val="accent1">
-              <a:shade val="50000"/>
-            </a:schemeClr>
-          </a:lnRef>
-          <a:fillRef idx="1">
-            <a:schemeClr val="accent1"/>
-          </a:fillRef>
-          <a:effectRef idx="0">
-            <a:schemeClr val="accent1"/>
-          </a:effectRef>
-          <a:fontRef idx="minor">
-            <a:schemeClr val="lt1"/>
-          </a:fontRef>
-        </p:style>
-      </p:sp>
-      <p:graphicFrame>
-        <p:nvGraphicFramePr>
-          <p:cNvPr id="25" name="Content Placeholder 12">
-            <a:extLst>
-              <a:ext uri="{FF2B5EF4-FFF2-40B4-BE49-F238E27FC236}">
-                <a16:creationId xmlns:a16="http://schemas.microsoft.com/office/drawing/2014/main" id="{3AC26A39-728E-4BEE-81FA-5DB08E8401EA}"/>
-              </a:ext>
-            </a:extLst>
-          </p:cNvPr>
-          <p:cNvGraphicFramePr>
-            <a:graphicFrameLocks/>
-          </p:cNvGraphicFramePr>
-          <p:nvPr>
-            <p:extLst>
-              <p:ext uri="{D42A27DB-BD31-4B8C-83A1-F6EECF244321}">
-                <p14:modId xmlns:p14="http://schemas.microsoft.com/office/powerpoint/2010/main" val="1089055451"/>
-              </p:ext>
-            </p:extLst>
-          </p:nvPr>
-        </p:nvGraphicFramePr>
-        <p:xfrm>
-          <a:off x="4653447" y="805561"/>
-          <a:ext cx="6892560" cy="4908056"/>
-        </p:xfrm>
-        <a:graphic>
-          <a:graphicData uri="http://schemas.openxmlformats.org/drawingml/2006/table">
-            <a:tbl>
-              <a:tblPr firstRow="1" bandRow="1">
-                <a:noFill/>
-                <a:tableStyleId>{5C22544A-7EE6-4342-B048-85BDC9FD1C3A}</a:tableStyleId>
-              </a:tblPr>
-              <a:tblGrid>
-                <a:gridCol w="2655381">
-                  <a:extLst>
-                    <a:ext uri="{9D8B030D-6E8A-4147-A177-3AD203B41FA5}">
-                      <a16:colId xmlns:a16="http://schemas.microsoft.com/office/drawing/2014/main" val="3549595256"/>
-                    </a:ext>
-                  </a:extLst>
-                </a:gridCol>
-                <a:gridCol w="4237179">
-                  <a:extLst>
-                    <a:ext uri="{9D8B030D-6E8A-4147-A177-3AD203B41FA5}">
-                      <a16:colId xmlns:a16="http://schemas.microsoft.com/office/drawing/2014/main" val="595665229"/>
-                    </a:ext>
-                  </a:extLst>
-                </a:gridCol>
-              </a:tblGrid>
-              <a:tr h="713505">
-                <a:tc>
-                  <a:txBody>
-                    <a:bodyPr/>
-                    <a:lstStyle/>
-                    <a:p>
-                      <a:pPr marL="0" marR="0">
-                        <a:lnSpc>
-                          <a:spcPct val="115000"/>
-                        </a:lnSpc>
-                        <a:spcBef>
-                          <a:spcPts val="0"/>
-                        </a:spcBef>
-                        <a:spcAft>
-                          <a:spcPts val="0"/>
-                        </a:spcAft>
-                      </a:pPr>
-                      <a:r>
-                        <a:rPr lang="vi-VN" sz="2600" b="1" dirty="0">
-                          <a:solidFill>
-                            <a:schemeClr val="tx1">
-                              <a:lumMod val="75000"/>
-                              <a:lumOff val="25000"/>
-                            </a:schemeClr>
-                          </a:solidFill>
-                          <a:effectLst/>
-                          <a:latin typeface="+mj-lt"/>
-                        </a:rPr>
-                        <a:t>MSSV</a:t>
-                      </a:r>
-                      <a:endParaRPr lang="en-US" sz="2600" b="1" dirty="0">
-                        <a:solidFill>
-                          <a:schemeClr val="tx1">
-                            <a:lumMod val="75000"/>
-                            <a:lumOff val="25000"/>
-                          </a:schemeClr>
-                        </a:solidFill>
-                        <a:effectLst/>
-                        <a:latin typeface="+mj-lt"/>
-                        <a:ea typeface="Arial" panose="020B0604020202020204" pitchFamily="34" charset="0"/>
-                      </a:endParaRPr>
-                    </a:p>
-                  </a:txBody>
-                  <a:tcPr marL="264449" marR="198336" marT="132224" marB="132224">
-                    <a:lnL w="12700" cmpd="sng">
-                      <a:noFill/>
-                      <a:prstDash val="solid"/>
-                    </a:lnL>
-                    <a:lnR w="12700" cmpd="sng">
-                      <a:noFill/>
-                      <a:prstDash val="solid"/>
-                    </a:lnR>
-                    <a:lnT w="9525" cap="flat" cmpd="sng" algn="ctr">
-                      <a:noFill/>
-                      <a:prstDash val="solid"/>
-                    </a:lnT>
-                    <a:lnB w="9525" cap="flat" cmpd="sng" algn="ctr">
-                      <a:solidFill>
-                        <a:srgbClr val="C7C6C1"/>
-                      </a:solidFill>
-                      <a:prstDash val="solid"/>
-                    </a:lnB>
-                    <a:noFill/>
-                  </a:tcPr>
-                </a:tc>
-                <a:tc>
-                  <a:txBody>
-                    <a:bodyPr/>
-                    <a:lstStyle/>
-                    <a:p>
-                      <a:pPr marL="0" marR="0">
-                        <a:lnSpc>
-                          <a:spcPct val="115000"/>
-                        </a:lnSpc>
-                        <a:spcBef>
-                          <a:spcPts val="0"/>
-                        </a:spcBef>
-                        <a:spcAft>
-                          <a:spcPts val="0"/>
-                        </a:spcAft>
-                      </a:pPr>
-                      <a:r>
-                        <a:rPr lang="vi-VN" sz="2600" b="1">
-                          <a:solidFill>
-                            <a:schemeClr val="tx1">
-                              <a:lumMod val="75000"/>
-                              <a:lumOff val="25000"/>
-                            </a:schemeClr>
-                          </a:solidFill>
-                          <a:effectLst/>
-                          <a:latin typeface="+mj-lt"/>
-                        </a:rPr>
-                        <a:t>Họ Tên</a:t>
-                      </a:r>
-                      <a:endParaRPr lang="en-US" sz="2600" b="1">
-                        <a:solidFill>
-                          <a:schemeClr val="tx1">
-                            <a:lumMod val="75000"/>
-                            <a:lumOff val="25000"/>
-                          </a:schemeClr>
-                        </a:solidFill>
-                        <a:effectLst/>
-                        <a:latin typeface="+mj-lt"/>
-                        <a:ea typeface="Arial" panose="020B0604020202020204" pitchFamily="34" charset="0"/>
-                      </a:endParaRPr>
-                    </a:p>
-                  </a:txBody>
-                  <a:tcPr marL="264449" marR="198336" marT="132224" marB="132224">
-                    <a:lnL w="12700" cmpd="sng">
-                      <a:noFill/>
-                      <a:prstDash val="solid"/>
-                    </a:lnL>
-                    <a:lnR w="12700" cmpd="sng">
-                      <a:noFill/>
-                      <a:prstDash val="solid"/>
-                    </a:lnR>
-                    <a:lnT w="9525" cap="flat" cmpd="sng" algn="ctr">
-                      <a:noFill/>
-                      <a:prstDash val="solid"/>
-                    </a:lnT>
-                    <a:lnB w="9525" cap="flat" cmpd="sng" algn="ctr">
-                      <a:solidFill>
-                        <a:srgbClr val="C7C6C1"/>
-                      </a:solidFill>
-                      <a:prstDash val="solid"/>
-                    </a:lnB>
-                    <a:noFill/>
-                  </a:tcPr>
-                </a:tc>
-                <a:extLst>
-                  <a:ext uri="{0D108BD9-81ED-4DB2-BD59-A6C34878D82A}">
-                    <a16:rowId xmlns:a16="http://schemas.microsoft.com/office/drawing/2014/main" val="1321121281"/>
-                  </a:ext>
-                </a:extLst>
-              </a:tr>
-              <a:tr h="598276">
-                <a:tc>
-                  <a:txBody>
-                    <a:bodyPr/>
-                    <a:lstStyle/>
-                    <a:p>
-                      <a:pPr marL="0" marR="0">
-                        <a:lnSpc>
-                          <a:spcPct val="115000"/>
-                        </a:lnSpc>
-                        <a:spcBef>
-                          <a:spcPts val="0"/>
-                        </a:spcBef>
-                        <a:spcAft>
-                          <a:spcPts val="0"/>
-                        </a:spcAft>
-                      </a:pPr>
-                      <a:r>
-                        <a:rPr lang="vi-VN" sz="1800">
-                          <a:solidFill>
-                            <a:schemeClr val="tx1">
-                              <a:lumMod val="75000"/>
-                              <a:lumOff val="25000"/>
-                            </a:schemeClr>
-                          </a:solidFill>
-                          <a:effectLst/>
-                          <a:latin typeface="+mj-lt"/>
-                        </a:rPr>
-                        <a:t>18424035</a:t>
-                      </a:r>
-                      <a:endParaRPr lang="en-US" sz="1800">
-                        <a:solidFill>
-                          <a:schemeClr val="tx1">
-                            <a:lumMod val="75000"/>
-                            <a:lumOff val="25000"/>
-                          </a:schemeClr>
-                        </a:solidFill>
-                        <a:effectLst/>
-                        <a:latin typeface="+mj-lt"/>
-                        <a:ea typeface="Arial" panose="020B0604020202020204" pitchFamily="34" charset="0"/>
-                      </a:endParaRPr>
-                    </a:p>
-                  </a:txBody>
-                  <a:tcPr marL="264449" marR="198336" marT="132224" marB="132224">
-                    <a:lnL w="12700" cmpd="sng">
-                      <a:noFill/>
-                      <a:prstDash val="solid"/>
-                    </a:lnL>
-                    <a:lnR w="12700" cmpd="sng">
-                      <a:noFill/>
-                      <a:prstDash val="solid"/>
-                    </a:lnR>
-                    <a:lnT w="9525" cap="flat" cmpd="sng" algn="ctr">
-                      <a:solidFill>
-                        <a:srgbClr val="C7C6C1"/>
-                      </a:solidFill>
-                      <a:prstDash val="solid"/>
-                    </a:lnT>
-                    <a:lnB w="9525" cap="flat" cmpd="sng" algn="ctr">
-                      <a:solidFill>
-                        <a:srgbClr val="C7C6C1"/>
-                      </a:solidFill>
-                      <a:prstDash val="solid"/>
-                    </a:lnB>
-                    <a:noFill/>
-                  </a:tcPr>
-                </a:tc>
-                <a:tc>
-                  <a:txBody>
-                    <a:bodyPr/>
-                    <a:lstStyle/>
-                    <a:p>
-                      <a:pPr marL="0" marR="0">
-                        <a:lnSpc>
-                          <a:spcPct val="115000"/>
-                        </a:lnSpc>
-                        <a:spcBef>
-                          <a:spcPts val="0"/>
-                        </a:spcBef>
-                        <a:spcAft>
-                          <a:spcPts val="0"/>
-                        </a:spcAft>
-                      </a:pPr>
-                      <a:r>
-                        <a:rPr lang="vi-VN" sz="1800">
-                          <a:solidFill>
-                            <a:schemeClr val="tx1">
-                              <a:lumMod val="75000"/>
-                              <a:lumOff val="25000"/>
-                            </a:schemeClr>
-                          </a:solidFill>
-                          <a:effectLst/>
-                          <a:latin typeface="+mj-lt"/>
-                        </a:rPr>
-                        <a:t>Bùi Đăng Khoa</a:t>
-                      </a:r>
-                      <a:endParaRPr lang="en-US" sz="1800">
-                        <a:solidFill>
-                          <a:schemeClr val="tx1">
-                            <a:lumMod val="75000"/>
-                            <a:lumOff val="25000"/>
-                          </a:schemeClr>
-                        </a:solidFill>
-                        <a:effectLst/>
-                        <a:latin typeface="+mj-lt"/>
-                        <a:ea typeface="Arial" panose="020B0604020202020204" pitchFamily="34" charset="0"/>
-                      </a:endParaRPr>
-                    </a:p>
-                  </a:txBody>
-                  <a:tcPr marL="264449" marR="198336" marT="132224" marB="132224">
-                    <a:lnL w="12700" cmpd="sng">
-                      <a:noFill/>
-                      <a:prstDash val="solid"/>
-                    </a:lnL>
-                    <a:lnR w="12700" cmpd="sng">
-                      <a:noFill/>
-                      <a:prstDash val="solid"/>
-                    </a:lnR>
-                    <a:lnT w="9525" cap="flat" cmpd="sng" algn="ctr">
-                      <a:solidFill>
-                        <a:srgbClr val="C7C6C1"/>
-                      </a:solidFill>
-                      <a:prstDash val="solid"/>
-                    </a:lnT>
-                    <a:lnB w="9525" cap="flat" cmpd="sng" algn="ctr">
-                      <a:solidFill>
-                        <a:srgbClr val="C7C6C1"/>
-                      </a:solidFill>
-                      <a:prstDash val="solid"/>
-                    </a:lnB>
-                    <a:noFill/>
-                  </a:tcPr>
-                </a:tc>
-                <a:extLst>
-                  <a:ext uri="{0D108BD9-81ED-4DB2-BD59-A6C34878D82A}">
-                    <a16:rowId xmlns:a16="http://schemas.microsoft.com/office/drawing/2014/main" val="205059839"/>
-                  </a:ext>
-                </a:extLst>
-              </a:tr>
-              <a:tr h="598276">
-                <a:tc>
-                  <a:txBody>
-                    <a:bodyPr/>
-                    <a:lstStyle/>
-                    <a:p>
-                      <a:pPr marL="0" marR="0">
-                        <a:lnSpc>
-                          <a:spcPct val="115000"/>
-                        </a:lnSpc>
-                        <a:spcBef>
-                          <a:spcPts val="0"/>
-                        </a:spcBef>
-                        <a:spcAft>
-                          <a:spcPts val="0"/>
-                        </a:spcAft>
-                      </a:pPr>
-                      <a:r>
-                        <a:rPr lang="vi-VN" sz="1800">
-                          <a:solidFill>
-                            <a:schemeClr val="tx1">
-                              <a:lumMod val="75000"/>
-                              <a:lumOff val="25000"/>
-                            </a:schemeClr>
-                          </a:solidFill>
-                          <a:effectLst/>
-                          <a:latin typeface="+mj-lt"/>
-                        </a:rPr>
-                        <a:t>18424036</a:t>
-                      </a:r>
-                      <a:endParaRPr lang="en-US" sz="1800">
-                        <a:solidFill>
-                          <a:schemeClr val="tx1">
-                            <a:lumMod val="75000"/>
-                            <a:lumOff val="25000"/>
-                          </a:schemeClr>
-                        </a:solidFill>
-                        <a:effectLst/>
-                        <a:latin typeface="+mj-lt"/>
-                        <a:ea typeface="Arial" panose="020B0604020202020204" pitchFamily="34" charset="0"/>
-                      </a:endParaRPr>
-                    </a:p>
-                  </a:txBody>
-                  <a:tcPr marL="264449" marR="198336" marT="132224" marB="132224">
-                    <a:lnL w="12700" cmpd="sng">
-                      <a:noFill/>
-                      <a:prstDash val="solid"/>
-                    </a:lnL>
-                    <a:lnR w="12700" cmpd="sng">
-                      <a:noFill/>
-                      <a:prstDash val="solid"/>
-                    </a:lnR>
-                    <a:lnT w="9525" cap="flat" cmpd="sng" algn="ctr">
-                      <a:solidFill>
-                        <a:srgbClr val="C7C6C1"/>
-                      </a:solidFill>
-                      <a:prstDash val="solid"/>
-                    </a:lnT>
-                    <a:lnB w="9525" cap="flat" cmpd="sng" algn="ctr">
-                      <a:solidFill>
-                        <a:srgbClr val="C7C6C1"/>
-                      </a:solidFill>
-                      <a:prstDash val="solid"/>
-                    </a:lnB>
-                    <a:noFill/>
-                  </a:tcPr>
-                </a:tc>
-                <a:tc>
-                  <a:txBody>
-                    <a:bodyPr/>
-                    <a:lstStyle/>
-                    <a:p>
-                      <a:pPr marL="0" marR="0">
-                        <a:lnSpc>
-                          <a:spcPct val="115000"/>
-                        </a:lnSpc>
-                        <a:spcBef>
-                          <a:spcPts val="0"/>
-                        </a:spcBef>
-                        <a:spcAft>
-                          <a:spcPts val="0"/>
-                        </a:spcAft>
-                      </a:pPr>
-                      <a:r>
-                        <a:rPr lang="vi-VN" sz="1800">
-                          <a:solidFill>
-                            <a:schemeClr val="tx1">
-                              <a:lumMod val="75000"/>
-                              <a:lumOff val="25000"/>
-                            </a:schemeClr>
-                          </a:solidFill>
-                          <a:effectLst/>
-                          <a:latin typeface="+mj-lt"/>
-                        </a:rPr>
-                        <a:t>Đỗ Đăng Khoa</a:t>
-                      </a:r>
-                      <a:endParaRPr lang="en-US" sz="1800">
-                        <a:solidFill>
-                          <a:schemeClr val="tx1">
-                            <a:lumMod val="75000"/>
-                            <a:lumOff val="25000"/>
-                          </a:schemeClr>
-                        </a:solidFill>
-                        <a:effectLst/>
-                        <a:latin typeface="+mj-lt"/>
-                        <a:ea typeface="Arial" panose="020B0604020202020204" pitchFamily="34" charset="0"/>
-                      </a:endParaRPr>
-                    </a:p>
-                  </a:txBody>
-                  <a:tcPr marL="264449" marR="198336" marT="132224" marB="132224">
-                    <a:lnL w="12700" cmpd="sng">
-                      <a:noFill/>
-                      <a:prstDash val="solid"/>
-                    </a:lnL>
-                    <a:lnR w="12700" cmpd="sng">
-                      <a:noFill/>
-                      <a:prstDash val="solid"/>
-                    </a:lnR>
-                    <a:lnT w="9525" cap="flat" cmpd="sng" algn="ctr">
-                      <a:solidFill>
-                        <a:srgbClr val="C7C6C1"/>
-                      </a:solidFill>
-                      <a:prstDash val="solid"/>
-                    </a:lnT>
-                    <a:lnB w="9525" cap="flat" cmpd="sng" algn="ctr">
-                      <a:solidFill>
-                        <a:srgbClr val="C7C6C1"/>
-                      </a:solidFill>
-                      <a:prstDash val="solid"/>
-                    </a:lnB>
-                    <a:noFill/>
-                  </a:tcPr>
-                </a:tc>
-                <a:extLst>
-                  <a:ext uri="{0D108BD9-81ED-4DB2-BD59-A6C34878D82A}">
-                    <a16:rowId xmlns:a16="http://schemas.microsoft.com/office/drawing/2014/main" val="105779935"/>
-                  </a:ext>
-                </a:extLst>
-              </a:tr>
-              <a:tr h="598276">
-                <a:tc>
-                  <a:txBody>
-                    <a:bodyPr/>
-                    <a:lstStyle/>
-                    <a:p>
-                      <a:pPr marL="0" marR="0">
-                        <a:lnSpc>
-                          <a:spcPct val="115000"/>
-                        </a:lnSpc>
-                        <a:spcBef>
-                          <a:spcPts val="0"/>
-                        </a:spcBef>
-                        <a:spcAft>
-                          <a:spcPts val="0"/>
-                        </a:spcAft>
-                      </a:pPr>
-                      <a:r>
-                        <a:rPr lang="vi-VN" sz="1800">
-                          <a:solidFill>
-                            <a:schemeClr val="tx1">
-                              <a:lumMod val="75000"/>
-                              <a:lumOff val="25000"/>
-                            </a:schemeClr>
-                          </a:solidFill>
-                          <a:effectLst/>
-                          <a:latin typeface="+mj-lt"/>
-                        </a:rPr>
-                        <a:t>18424038</a:t>
-                      </a:r>
-                      <a:endParaRPr lang="en-US" sz="1800">
-                        <a:solidFill>
-                          <a:schemeClr val="tx1">
-                            <a:lumMod val="75000"/>
-                            <a:lumOff val="25000"/>
-                          </a:schemeClr>
-                        </a:solidFill>
-                        <a:effectLst/>
-                        <a:latin typeface="+mj-lt"/>
-                        <a:ea typeface="Arial" panose="020B0604020202020204" pitchFamily="34" charset="0"/>
-                      </a:endParaRPr>
-                    </a:p>
-                  </a:txBody>
-                  <a:tcPr marL="264449" marR="198336" marT="132224" marB="132224">
-                    <a:lnL w="12700" cmpd="sng">
-                      <a:noFill/>
-                      <a:prstDash val="solid"/>
-                    </a:lnL>
-                    <a:lnR w="12700" cmpd="sng">
-                      <a:noFill/>
-                      <a:prstDash val="solid"/>
-                    </a:lnR>
-                    <a:lnT w="9525" cap="flat" cmpd="sng" algn="ctr">
-                      <a:solidFill>
-                        <a:srgbClr val="C7C6C1"/>
-                      </a:solidFill>
-                      <a:prstDash val="solid"/>
-                    </a:lnT>
-                    <a:lnB w="9525" cap="flat" cmpd="sng" algn="ctr">
-                      <a:solidFill>
-                        <a:srgbClr val="C7C6C1"/>
-                      </a:solidFill>
-                      <a:prstDash val="solid"/>
-                    </a:lnB>
-                    <a:noFill/>
-                  </a:tcPr>
-                </a:tc>
-                <a:tc>
-                  <a:txBody>
-                    <a:bodyPr/>
-                    <a:lstStyle/>
-                    <a:p>
-                      <a:pPr marL="0" marR="0">
-                        <a:lnSpc>
-                          <a:spcPct val="115000"/>
-                        </a:lnSpc>
-                        <a:spcBef>
-                          <a:spcPts val="0"/>
-                        </a:spcBef>
-                        <a:spcAft>
-                          <a:spcPts val="0"/>
-                        </a:spcAft>
-                      </a:pPr>
-                      <a:r>
-                        <a:rPr lang="vi-VN" sz="1800" dirty="0">
-                          <a:solidFill>
-                            <a:schemeClr val="tx1">
-                              <a:lumMod val="75000"/>
-                              <a:lumOff val="25000"/>
-                            </a:schemeClr>
-                          </a:solidFill>
-                          <a:effectLst/>
-                          <a:latin typeface="+mj-lt"/>
-                        </a:rPr>
-                        <a:t>Nguyễn Thế Lợi</a:t>
-                      </a:r>
-                      <a:endParaRPr lang="en-US" sz="1800" dirty="0">
-                        <a:solidFill>
-                          <a:schemeClr val="tx1">
-                            <a:lumMod val="75000"/>
-                            <a:lumOff val="25000"/>
-                          </a:schemeClr>
-                        </a:solidFill>
-                        <a:effectLst/>
-                        <a:latin typeface="+mj-lt"/>
-                        <a:ea typeface="Arial" panose="020B0604020202020204" pitchFamily="34" charset="0"/>
-                      </a:endParaRPr>
-                    </a:p>
-                  </a:txBody>
-                  <a:tcPr marL="264449" marR="198336" marT="132224" marB="132224">
-                    <a:lnL w="12700" cmpd="sng">
-                      <a:noFill/>
-                      <a:prstDash val="solid"/>
-                    </a:lnL>
-                    <a:lnR w="12700" cmpd="sng">
-                      <a:noFill/>
-                      <a:prstDash val="solid"/>
-                    </a:lnR>
-                    <a:lnT w="9525" cap="flat" cmpd="sng" algn="ctr">
-                      <a:solidFill>
-                        <a:srgbClr val="C7C6C1"/>
-                      </a:solidFill>
-                      <a:prstDash val="solid"/>
-                    </a:lnT>
-                    <a:lnB w="9525" cap="flat" cmpd="sng" algn="ctr">
-                      <a:solidFill>
-                        <a:srgbClr val="C7C6C1"/>
-                      </a:solidFill>
-                      <a:prstDash val="solid"/>
-                    </a:lnB>
-                    <a:noFill/>
-                  </a:tcPr>
-                </a:tc>
-                <a:extLst>
-                  <a:ext uri="{0D108BD9-81ED-4DB2-BD59-A6C34878D82A}">
-                    <a16:rowId xmlns:a16="http://schemas.microsoft.com/office/drawing/2014/main" val="352915664"/>
-                  </a:ext>
-                </a:extLst>
-              </a:tr>
-              <a:tr h="598276">
-                <a:tc>
-                  <a:txBody>
-                    <a:bodyPr/>
-                    <a:lstStyle/>
-                    <a:p>
-                      <a:pPr marL="0" marR="0">
-                        <a:lnSpc>
-                          <a:spcPct val="115000"/>
-                        </a:lnSpc>
-                        <a:spcBef>
-                          <a:spcPts val="0"/>
-                        </a:spcBef>
-                        <a:spcAft>
-                          <a:spcPts val="0"/>
-                        </a:spcAft>
-                      </a:pPr>
-                      <a:r>
-                        <a:rPr lang="vi-VN" sz="1800">
-                          <a:solidFill>
-                            <a:schemeClr val="tx1">
-                              <a:lumMod val="75000"/>
-                              <a:lumOff val="25000"/>
-                            </a:schemeClr>
-                          </a:solidFill>
-                          <a:effectLst/>
-                          <a:latin typeface="+mj-lt"/>
-                        </a:rPr>
-                        <a:t>18424039</a:t>
-                      </a:r>
-                      <a:endParaRPr lang="en-US" sz="1800">
-                        <a:solidFill>
-                          <a:schemeClr val="tx1">
-                            <a:lumMod val="75000"/>
-                            <a:lumOff val="25000"/>
-                          </a:schemeClr>
-                        </a:solidFill>
-                        <a:effectLst/>
-                        <a:latin typeface="+mj-lt"/>
-                        <a:ea typeface="Arial" panose="020B0604020202020204" pitchFamily="34" charset="0"/>
-                      </a:endParaRPr>
-                    </a:p>
-                  </a:txBody>
-                  <a:tcPr marL="264449" marR="198336" marT="132224" marB="132224">
-                    <a:lnL w="12700" cmpd="sng">
-                      <a:noFill/>
-                      <a:prstDash val="solid"/>
-                    </a:lnL>
-                    <a:lnR w="12700" cmpd="sng">
-                      <a:noFill/>
-                      <a:prstDash val="solid"/>
-                    </a:lnR>
-                    <a:lnT w="9525" cap="flat" cmpd="sng" algn="ctr">
-                      <a:solidFill>
-                        <a:srgbClr val="C7C6C1"/>
-                      </a:solidFill>
-                      <a:prstDash val="solid"/>
-                    </a:lnT>
-                    <a:lnB w="9525" cap="flat" cmpd="sng" algn="ctr">
-                      <a:solidFill>
-                        <a:srgbClr val="C7C6C1"/>
-                      </a:solidFill>
-                      <a:prstDash val="solid"/>
-                    </a:lnB>
-                    <a:noFill/>
-                  </a:tcPr>
-                </a:tc>
-                <a:tc>
-                  <a:txBody>
-                    <a:bodyPr/>
-                    <a:lstStyle/>
-                    <a:p>
-                      <a:pPr marL="0" marR="0">
-                        <a:lnSpc>
-                          <a:spcPct val="115000"/>
-                        </a:lnSpc>
-                        <a:spcBef>
-                          <a:spcPts val="0"/>
-                        </a:spcBef>
-                        <a:spcAft>
-                          <a:spcPts val="0"/>
-                        </a:spcAft>
-                      </a:pPr>
-                      <a:r>
-                        <a:rPr lang="vi-VN" sz="1800">
-                          <a:solidFill>
-                            <a:schemeClr val="tx1">
-                              <a:lumMod val="75000"/>
-                              <a:lumOff val="25000"/>
-                            </a:schemeClr>
-                          </a:solidFill>
-                          <a:effectLst/>
-                          <a:latin typeface="+mj-lt"/>
-                        </a:rPr>
-                        <a:t>Phạm Đình Luân</a:t>
-                      </a:r>
-                      <a:endParaRPr lang="en-US" sz="1800">
-                        <a:solidFill>
-                          <a:schemeClr val="tx1">
-                            <a:lumMod val="75000"/>
-                            <a:lumOff val="25000"/>
-                          </a:schemeClr>
-                        </a:solidFill>
-                        <a:effectLst/>
-                        <a:latin typeface="+mj-lt"/>
-                        <a:ea typeface="Arial" panose="020B0604020202020204" pitchFamily="34" charset="0"/>
-                      </a:endParaRPr>
-                    </a:p>
-                  </a:txBody>
-                  <a:tcPr marL="264449" marR="198336" marT="132224" marB="132224">
-                    <a:lnL w="12700" cmpd="sng">
-                      <a:noFill/>
-                      <a:prstDash val="solid"/>
-                    </a:lnL>
-                    <a:lnR w="12700" cmpd="sng">
-                      <a:noFill/>
-                      <a:prstDash val="solid"/>
-                    </a:lnR>
-                    <a:lnT w="9525" cap="flat" cmpd="sng" algn="ctr">
-                      <a:solidFill>
-                        <a:srgbClr val="C7C6C1"/>
-                      </a:solidFill>
-                      <a:prstDash val="solid"/>
-                    </a:lnT>
-                    <a:lnB w="9525" cap="flat" cmpd="sng" algn="ctr">
-                      <a:solidFill>
-                        <a:srgbClr val="C7C6C1"/>
-                      </a:solidFill>
-                      <a:prstDash val="solid"/>
-                    </a:lnB>
-                    <a:noFill/>
-                  </a:tcPr>
-                </a:tc>
-                <a:extLst>
-                  <a:ext uri="{0D108BD9-81ED-4DB2-BD59-A6C34878D82A}">
-                    <a16:rowId xmlns:a16="http://schemas.microsoft.com/office/drawing/2014/main" val="2104077002"/>
-                  </a:ext>
-                </a:extLst>
-              </a:tr>
-              <a:tr h="598276">
-                <a:tc>
-                  <a:txBody>
-                    <a:bodyPr/>
-                    <a:lstStyle/>
-                    <a:p>
-                      <a:pPr marL="0" marR="0">
-                        <a:lnSpc>
-                          <a:spcPct val="115000"/>
-                        </a:lnSpc>
-                        <a:spcBef>
-                          <a:spcPts val="0"/>
-                        </a:spcBef>
-                        <a:spcAft>
-                          <a:spcPts val="0"/>
-                        </a:spcAft>
-                      </a:pPr>
-                      <a:r>
-                        <a:rPr lang="vi-VN" sz="1800" dirty="0">
-                          <a:solidFill>
-                            <a:schemeClr val="tx1">
-                              <a:lumMod val="75000"/>
-                              <a:lumOff val="25000"/>
-                            </a:schemeClr>
-                          </a:solidFill>
-                          <a:effectLst/>
-                          <a:latin typeface="+mj-lt"/>
-                        </a:rPr>
-                        <a:t>18424040</a:t>
-                      </a:r>
-                      <a:endParaRPr lang="en-US" sz="1800" dirty="0">
-                        <a:solidFill>
-                          <a:schemeClr val="tx1">
-                            <a:lumMod val="75000"/>
-                            <a:lumOff val="25000"/>
-                          </a:schemeClr>
-                        </a:solidFill>
-                        <a:effectLst/>
-                        <a:latin typeface="+mj-lt"/>
-                        <a:ea typeface="Arial" panose="020B0604020202020204" pitchFamily="34" charset="0"/>
-                      </a:endParaRPr>
-                    </a:p>
-                  </a:txBody>
-                  <a:tcPr marL="264449" marR="198336" marT="132224" marB="132224">
-                    <a:lnL w="12700" cmpd="sng">
-                      <a:noFill/>
-                      <a:prstDash val="solid"/>
-                    </a:lnL>
-                    <a:lnR w="12700" cmpd="sng">
-                      <a:noFill/>
-                      <a:prstDash val="solid"/>
-                    </a:lnR>
-                    <a:lnT w="9525" cap="flat" cmpd="sng" algn="ctr">
-                      <a:solidFill>
-                        <a:srgbClr val="C7C6C1"/>
-                      </a:solidFill>
-                      <a:prstDash val="solid"/>
-                    </a:lnT>
-                    <a:lnB w="9525" cap="flat" cmpd="sng" algn="ctr">
-                      <a:solidFill>
-                        <a:srgbClr val="C7C6C1"/>
-                      </a:solidFill>
-                      <a:prstDash val="solid"/>
-                    </a:lnB>
-                    <a:noFill/>
-                  </a:tcPr>
-                </a:tc>
-                <a:tc>
-                  <a:txBody>
-                    <a:bodyPr/>
-                    <a:lstStyle/>
-                    <a:p>
-                      <a:pPr marL="0" marR="0">
-                        <a:lnSpc>
-                          <a:spcPct val="115000"/>
-                        </a:lnSpc>
-                        <a:spcBef>
-                          <a:spcPts val="0"/>
-                        </a:spcBef>
-                        <a:spcAft>
-                          <a:spcPts val="0"/>
-                        </a:spcAft>
-                      </a:pPr>
-                      <a:r>
-                        <a:rPr lang="vi-VN" sz="1800">
-                          <a:solidFill>
-                            <a:schemeClr val="tx1">
-                              <a:lumMod val="75000"/>
-                              <a:lumOff val="25000"/>
-                            </a:schemeClr>
-                          </a:solidFill>
-                          <a:effectLst/>
-                          <a:latin typeface="+mj-lt"/>
-                        </a:rPr>
-                        <a:t>Lê Hoàng Luật</a:t>
-                      </a:r>
-                      <a:endParaRPr lang="en-US" sz="1800">
-                        <a:solidFill>
-                          <a:schemeClr val="tx1">
-                            <a:lumMod val="75000"/>
-                            <a:lumOff val="25000"/>
-                          </a:schemeClr>
-                        </a:solidFill>
-                        <a:effectLst/>
-                        <a:latin typeface="+mj-lt"/>
-                        <a:ea typeface="Arial" panose="020B0604020202020204" pitchFamily="34" charset="0"/>
-                      </a:endParaRPr>
-                    </a:p>
-                  </a:txBody>
-                  <a:tcPr marL="264449" marR="198336" marT="132224" marB="132224">
-                    <a:lnL w="12700" cmpd="sng">
-                      <a:noFill/>
-                      <a:prstDash val="solid"/>
-                    </a:lnL>
-                    <a:lnR w="12700" cmpd="sng">
-                      <a:noFill/>
-                      <a:prstDash val="solid"/>
-                    </a:lnR>
-                    <a:lnT w="9525" cap="flat" cmpd="sng" algn="ctr">
-                      <a:solidFill>
-                        <a:srgbClr val="C7C6C1"/>
-                      </a:solidFill>
-                      <a:prstDash val="solid"/>
-                    </a:lnT>
-                    <a:lnB w="9525" cap="flat" cmpd="sng" algn="ctr">
-                      <a:solidFill>
-                        <a:srgbClr val="C7C6C1"/>
-                      </a:solidFill>
-                      <a:prstDash val="solid"/>
-                    </a:lnB>
-                    <a:noFill/>
-                  </a:tcPr>
-                </a:tc>
-                <a:extLst>
-                  <a:ext uri="{0D108BD9-81ED-4DB2-BD59-A6C34878D82A}">
-                    <a16:rowId xmlns:a16="http://schemas.microsoft.com/office/drawing/2014/main" val="232921392"/>
-                  </a:ext>
-                </a:extLst>
-              </a:tr>
-              <a:tr h="598276">
-                <a:tc>
-                  <a:txBody>
-                    <a:bodyPr/>
-                    <a:lstStyle/>
-                    <a:p>
-                      <a:pPr marL="0" marR="0">
-                        <a:lnSpc>
-                          <a:spcPct val="115000"/>
-                        </a:lnSpc>
-                        <a:spcBef>
-                          <a:spcPts val="0"/>
-                        </a:spcBef>
-                        <a:spcAft>
-                          <a:spcPts val="0"/>
-                        </a:spcAft>
-                      </a:pPr>
-                      <a:r>
-                        <a:rPr lang="vi-VN" sz="1800">
-                          <a:solidFill>
-                            <a:schemeClr val="tx1">
-                              <a:lumMod val="75000"/>
-                              <a:lumOff val="25000"/>
-                            </a:schemeClr>
-                          </a:solidFill>
-                          <a:effectLst/>
-                          <a:latin typeface="+mj-lt"/>
-                        </a:rPr>
-                        <a:t>18424042</a:t>
-                      </a:r>
-                      <a:endParaRPr lang="en-US" sz="1800">
-                        <a:solidFill>
-                          <a:schemeClr val="tx1">
-                            <a:lumMod val="75000"/>
-                            <a:lumOff val="25000"/>
-                          </a:schemeClr>
-                        </a:solidFill>
-                        <a:effectLst/>
-                        <a:latin typeface="+mj-lt"/>
-                        <a:ea typeface="Arial" panose="020B0604020202020204" pitchFamily="34" charset="0"/>
-                      </a:endParaRPr>
-                    </a:p>
-                  </a:txBody>
-                  <a:tcPr marL="264449" marR="198336" marT="132224" marB="132224">
-                    <a:lnL w="12700" cmpd="sng">
-                      <a:noFill/>
-                      <a:prstDash val="solid"/>
-                    </a:lnL>
-                    <a:lnR w="12700" cmpd="sng">
-                      <a:noFill/>
-                      <a:prstDash val="solid"/>
-                    </a:lnR>
-                    <a:lnT w="9525" cap="flat" cmpd="sng" algn="ctr">
-                      <a:solidFill>
-                        <a:srgbClr val="C7C6C1"/>
-                      </a:solidFill>
-                      <a:prstDash val="solid"/>
-                    </a:lnT>
-                    <a:lnB w="9525" cap="flat" cmpd="sng" algn="ctr">
-                      <a:solidFill>
-                        <a:srgbClr val="C7C6C1"/>
-                      </a:solidFill>
-                      <a:prstDash val="solid"/>
-                    </a:lnB>
-                    <a:noFill/>
-                  </a:tcPr>
-                </a:tc>
-                <a:tc>
-                  <a:txBody>
-                    <a:bodyPr/>
-                    <a:lstStyle/>
-                    <a:p>
-                      <a:pPr marL="0" marR="0">
-                        <a:lnSpc>
-                          <a:spcPct val="115000"/>
-                        </a:lnSpc>
-                        <a:spcBef>
-                          <a:spcPts val="0"/>
-                        </a:spcBef>
-                        <a:spcAft>
-                          <a:spcPts val="0"/>
-                        </a:spcAft>
-                      </a:pPr>
-                      <a:r>
-                        <a:rPr lang="vi-VN" sz="1800" dirty="0">
-                          <a:solidFill>
-                            <a:schemeClr val="tx1">
-                              <a:lumMod val="75000"/>
-                              <a:lumOff val="25000"/>
-                            </a:schemeClr>
-                          </a:solidFill>
-                          <a:effectLst/>
-                          <a:latin typeface="+mj-lt"/>
-                        </a:rPr>
-                        <a:t>Huỳnh Quang Minh</a:t>
-                      </a:r>
-                      <a:endParaRPr lang="en-US" sz="1800" dirty="0">
-                        <a:solidFill>
-                          <a:schemeClr val="tx1">
-                            <a:lumMod val="75000"/>
-                            <a:lumOff val="25000"/>
-                          </a:schemeClr>
-                        </a:solidFill>
-                        <a:effectLst/>
-                        <a:latin typeface="+mj-lt"/>
-                        <a:ea typeface="Arial" panose="020B0604020202020204" pitchFamily="34" charset="0"/>
-                      </a:endParaRPr>
-                    </a:p>
-                  </a:txBody>
-                  <a:tcPr marL="264449" marR="198336" marT="132224" marB="132224">
-                    <a:lnL w="12700" cmpd="sng">
-                      <a:noFill/>
-                      <a:prstDash val="solid"/>
-                    </a:lnL>
-                    <a:lnR w="12700" cmpd="sng">
-                      <a:noFill/>
-                      <a:prstDash val="solid"/>
-                    </a:lnR>
-                    <a:lnT w="9525" cap="flat" cmpd="sng" algn="ctr">
-                      <a:solidFill>
-                        <a:srgbClr val="C7C6C1"/>
-                      </a:solidFill>
-                      <a:prstDash val="solid"/>
-                    </a:lnT>
-                    <a:lnB w="9525" cap="flat" cmpd="sng" algn="ctr">
-                      <a:solidFill>
-                        <a:srgbClr val="C7C6C1"/>
-                      </a:solidFill>
-                      <a:prstDash val="solid"/>
-                    </a:lnB>
-                    <a:noFill/>
-                  </a:tcPr>
-                </a:tc>
-                <a:extLst>
-                  <a:ext uri="{0D108BD9-81ED-4DB2-BD59-A6C34878D82A}">
-                    <a16:rowId xmlns:a16="http://schemas.microsoft.com/office/drawing/2014/main" val="1747981570"/>
-                  </a:ext>
-                </a:extLst>
-              </a:tr>
-              <a:tr h="598276">
-                <a:tc>
-                  <a:txBody>
-                    <a:bodyPr/>
-                    <a:lstStyle/>
-                    <a:p>
-                      <a:pPr marL="0" marR="0">
-                        <a:lnSpc>
-                          <a:spcPct val="115000"/>
-                        </a:lnSpc>
-                        <a:spcBef>
-                          <a:spcPts val="0"/>
-                        </a:spcBef>
-                        <a:spcAft>
-                          <a:spcPts val="0"/>
-                        </a:spcAft>
-                      </a:pPr>
-                      <a:r>
-                        <a:rPr lang="vi-VN" sz="1800">
-                          <a:solidFill>
-                            <a:schemeClr val="tx1">
-                              <a:lumMod val="75000"/>
-                              <a:lumOff val="25000"/>
-                            </a:schemeClr>
-                          </a:solidFill>
-                          <a:effectLst/>
-                          <a:latin typeface="+mj-lt"/>
-                        </a:rPr>
-                        <a:t>18424043</a:t>
-                      </a:r>
-                      <a:endParaRPr lang="en-US" sz="1800">
-                        <a:solidFill>
-                          <a:schemeClr val="tx1">
-                            <a:lumMod val="75000"/>
-                            <a:lumOff val="25000"/>
-                          </a:schemeClr>
-                        </a:solidFill>
-                        <a:effectLst/>
-                        <a:latin typeface="+mj-lt"/>
-                        <a:ea typeface="Arial" panose="020B0604020202020204" pitchFamily="34" charset="0"/>
-                      </a:endParaRPr>
-                    </a:p>
-                  </a:txBody>
-                  <a:tcPr marL="264449" marR="198336" marT="132224" marB="132224">
-                    <a:lnL w="12700" cmpd="sng">
-                      <a:noFill/>
-                      <a:prstDash val="solid"/>
-                    </a:lnL>
-                    <a:lnR w="12700" cmpd="sng">
-                      <a:noFill/>
-                      <a:prstDash val="solid"/>
-                    </a:lnR>
-                    <a:lnT w="9525" cap="flat" cmpd="sng" algn="ctr">
-                      <a:solidFill>
-                        <a:srgbClr val="C7C6C1"/>
-                      </a:solidFill>
-                      <a:prstDash val="solid"/>
-                    </a:lnT>
-                    <a:lnB w="12700" cmpd="sng">
-                      <a:noFill/>
-                      <a:prstDash val="solid"/>
-                    </a:lnB>
-                    <a:noFill/>
-                  </a:tcPr>
-                </a:tc>
-                <a:tc>
-                  <a:txBody>
-                    <a:bodyPr/>
-                    <a:lstStyle/>
-                    <a:p>
-                      <a:pPr marL="0" marR="0">
-                        <a:lnSpc>
-                          <a:spcPct val="115000"/>
-                        </a:lnSpc>
-                        <a:spcBef>
-                          <a:spcPts val="0"/>
-                        </a:spcBef>
-                        <a:spcAft>
-                          <a:spcPts val="0"/>
-                        </a:spcAft>
-                      </a:pPr>
-                      <a:r>
-                        <a:rPr lang="vi-VN" sz="1800" dirty="0">
-                          <a:solidFill>
-                            <a:schemeClr val="tx1">
-                              <a:lumMod val="75000"/>
-                              <a:lumOff val="25000"/>
-                            </a:schemeClr>
-                          </a:solidFill>
-                          <a:effectLst/>
-                          <a:latin typeface="+mj-lt"/>
-                        </a:rPr>
-                        <a:t>Trần Hữu Nghĩa </a:t>
-                      </a:r>
-                      <a:endParaRPr lang="en-US" sz="1800" dirty="0">
-                        <a:solidFill>
-                          <a:schemeClr val="tx1">
-                            <a:lumMod val="75000"/>
-                            <a:lumOff val="25000"/>
-                          </a:schemeClr>
-                        </a:solidFill>
-                        <a:effectLst/>
-                        <a:latin typeface="+mj-lt"/>
-                        <a:ea typeface="Arial" panose="020B0604020202020204" pitchFamily="34" charset="0"/>
-                      </a:endParaRPr>
-                    </a:p>
-                  </a:txBody>
-                  <a:tcPr marL="264449" marR="198336" marT="132224" marB="132224">
-                    <a:lnL w="12700" cmpd="sng">
-                      <a:noFill/>
-                      <a:prstDash val="solid"/>
-                    </a:lnL>
-                    <a:lnR w="12700" cmpd="sng">
-                      <a:noFill/>
-                      <a:prstDash val="solid"/>
-                    </a:lnR>
-                    <a:lnT w="9525" cap="flat" cmpd="sng" algn="ctr">
-                      <a:solidFill>
-                        <a:srgbClr val="C7C6C1"/>
-                      </a:solidFill>
-                      <a:prstDash val="solid"/>
-                    </a:lnT>
-                    <a:lnB w="12700" cmpd="sng">
-                      <a:noFill/>
-                      <a:prstDash val="solid"/>
-                    </a:lnB>
-                    <a:noFill/>
-                  </a:tcPr>
-                </a:tc>
-                <a:extLst>
-                  <a:ext uri="{0D108BD9-81ED-4DB2-BD59-A6C34878D82A}">
-                    <a16:rowId xmlns:a16="http://schemas.microsoft.com/office/drawing/2014/main" val="2921717778"/>
-                  </a:ext>
-                </a:extLst>
-              </a:tr>
-            </a:tbl>
-          </a:graphicData>
-        </a:graphic>
-      </p:graphicFrame>
-    </p:spTree>
-    <p:extLst>
-      <p:ext uri="{BB962C8B-B14F-4D97-AF65-F5344CB8AC3E}">
-        <p14:creationId xmlns:p14="http://schemas.microsoft.com/office/powerpoint/2010/main" val="3838333191"/>
-      </p:ext>
-    </p:extLst>
-  </p:cSld>
-  <p:clrMapOvr>
-    <a:masterClrMapping/>
-  </p:clrMapOvr>
-  <mc:AlternateContent xmlns:mc="http://schemas.openxmlformats.org/markup-compatibility/2006" xmlns:p14="http://schemas.microsoft.com/office/powerpoint/2010/main">
-    <mc:Choice Requires="p14">
-      <p:transition spd="slow" p14:dur="1500">
-        <p:split orient="vert"/>
-      </p:transition>
-    </mc:Choice>
-    <mc:Fallback xmlns="">
-      <p:transition spd="slow">
-        <p:split orient="vert"/>
-      </p:transition>
-    </mc:Fallback>
-  </mc:AlternateContent>
-</p:sld>
-</file>
-
-<file path=ppt/slides/slide20.xml><?xml version="1.0" encoding="utf-8"?>
+<file path=ppt/slides/slide19.xml><?xml version="1.0" encoding="utf-8"?>
 <p:sld xmlns:a="http://schemas.openxmlformats.org/drawingml/2006/main" xmlns:r="http://schemas.openxmlformats.org/officeDocument/2006/relationships" xmlns:p="http://schemas.openxmlformats.org/presentationml/2006/main">
   <p:cSld>
     <p:bg>
@@ -28541,7 +26168,7 @@
                 <a16:creationId xmlns:a16="http://schemas.microsoft.com/office/drawing/2014/main" id="{A8E9C91B-7EAD-4562-AB0E-DFB9663AECE3}"/>
               </a:ext>
               <a:ext uri="{C183D7F6-B498-43B3-948B-1728B52AA6E4}">
-                <adec:decorative xmlns="" xmlns:adec="http://schemas.microsoft.com/office/drawing/2017/decorative" val="1"/>
+                <adec:decorative xmlns:adec="http://schemas.microsoft.com/office/drawing/2017/decorative" xmlns="" val="1"/>
               </a:ext>
             </a:extLst>
           </p:cNvPr>
@@ -28658,6 +26285,1457 @@
 </p:sld>
 </file>
 
+<file path=ppt/slides/slide2.xml><?xml version="1.0" encoding="utf-8"?>
+<p:sld xmlns:a="http://schemas.openxmlformats.org/drawingml/2006/main" xmlns:r="http://schemas.openxmlformats.org/officeDocument/2006/relationships" xmlns:p="http://schemas.openxmlformats.org/presentationml/2006/main">
+  <p:cSld>
+    <p:bg>
+      <p:bgPr>
+        <a:solidFill>
+          <a:schemeClr val="bg1"/>
+        </a:solidFill>
+        <a:effectLst/>
+      </p:bgPr>
+    </p:bg>
+    <p:spTree>
+      <p:nvGrpSpPr>
+        <p:cNvPr id="1" name=""/>
+        <p:cNvGrpSpPr/>
+        <p:nvPr/>
+      </p:nvGrpSpPr>
+      <p:grpSpPr>
+        <a:xfrm>
+          <a:off x="0" y="0"/>
+          <a:ext cx="0" cy="0"/>
+          <a:chOff x="0" y="0"/>
+          <a:chExt cx="0" cy="0"/>
+        </a:xfrm>
+      </p:grpSpPr>
+      <p:sp useBgFill="1">
+        <p:nvSpPr>
+          <p:cNvPr id="30" name="Rectangle 29">
+            <a:extLst>
+              <a:ext uri="{FF2B5EF4-FFF2-40B4-BE49-F238E27FC236}">
+                <a16:creationId xmlns:a16="http://schemas.microsoft.com/office/drawing/2014/main" id="{F64BBAA4-C62B-4146-B49F-FE4CC4655EE0}"/>
+              </a:ext>
+              <a:ext uri="{C183D7F6-B498-43B3-948B-1728B52AA6E4}">
+                <adec:decorative xmlns:adec="http://schemas.microsoft.com/office/drawing/2017/decorative" xmlns="" val="1"/>
+              </a:ext>
+            </a:extLst>
+          </p:cNvPr>
+          <p:cNvSpPr>
+            <a:spLocks noGrp="1" noRot="1" noChangeAspect="1" noMove="1" noResize="1" noEditPoints="1" noAdjustHandles="1" noChangeArrowheads="1" noChangeShapeType="1" noTextEdit="1"/>
+          </p:cNvSpPr>
+          <p:nvPr>
+            <p:extLst>
+              <p:ext uri="{386F3935-93C4-4BCD-93E2-E3B085C9AB24}">
+                <p16:designElem xmlns:p16="http://schemas.microsoft.com/office/powerpoint/2015/main" val="1"/>
+              </p:ext>
+            </p:extLst>
+          </p:nvPr>
+        </p:nvSpPr>
+        <p:spPr>
+          <a:xfrm>
+            <a:off x="0" y="0"/>
+            <a:ext cx="12192001" cy="6858000"/>
+          </a:xfrm>
+          <a:prstGeom prst="rect">
+            <a:avLst/>
+          </a:prstGeom>
+          <a:ln>
+            <a:noFill/>
+          </a:ln>
+        </p:spPr>
+        <p:style>
+          <a:lnRef idx="2">
+            <a:schemeClr val="accent1">
+              <a:shade val="50000"/>
+            </a:schemeClr>
+          </a:lnRef>
+          <a:fillRef idx="1">
+            <a:schemeClr val="accent1"/>
+          </a:fillRef>
+          <a:effectRef idx="0">
+            <a:schemeClr val="accent1"/>
+          </a:effectRef>
+          <a:fontRef idx="minor">
+            <a:schemeClr val="lt1"/>
+          </a:fontRef>
+        </p:style>
+        <p:txBody>
+          <a:bodyPr rtlCol="0" anchor="ctr"/>
+          <a:lstStyle/>
+          <a:p>
+            <a:pPr algn="ctr"/>
+            <a:endParaRPr lang="en-US">
+              <a:latin typeface="Times New Roman" panose="02020603050405020304" pitchFamily="18" charset="0"/>
+              <a:cs typeface="Times New Roman" panose="02020603050405020304" pitchFamily="18" charset="0"/>
+            </a:endParaRPr>
+          </a:p>
+        </p:txBody>
+      </p:sp>
+      <p:sp>
+        <p:nvSpPr>
+          <p:cNvPr id="2" name="Title 1">
+            <a:extLst>
+              <a:ext uri="{FF2B5EF4-FFF2-40B4-BE49-F238E27FC236}">
+                <a16:creationId xmlns:a16="http://schemas.microsoft.com/office/drawing/2014/main" id="{46E7E4FA-28CE-4C5C-888F-D8A7A417C0F7}"/>
+              </a:ext>
+            </a:extLst>
+          </p:cNvPr>
+          <p:cNvSpPr>
+            <a:spLocks noGrp="1"/>
+          </p:cNvSpPr>
+          <p:nvPr>
+            <p:ph type="title"/>
+          </p:nvPr>
+        </p:nvSpPr>
+        <p:spPr>
+          <a:xfrm>
+            <a:off x="878911" y="643468"/>
+            <a:ext cx="3177847" cy="1674180"/>
+          </a:xfrm>
+        </p:spPr>
+        <p:txBody>
+          <a:bodyPr>
+            <a:normAutofit/>
+          </a:bodyPr>
+          <a:lstStyle/>
+          <a:p>
+            <a:r>
+              <a:rPr lang="en-US" sz="4000" dirty="0">
+                <a:latin typeface="Times New Roman" panose="02020603050405020304" pitchFamily="18" charset="0"/>
+                <a:cs typeface="Times New Roman" panose="02020603050405020304" pitchFamily="18" charset="0"/>
+              </a:rPr>
+              <a:t>Thành viên nhóm </a:t>
+            </a:r>
+          </a:p>
+        </p:txBody>
+      </p:sp>
+      <p:cxnSp>
+        <p:nvCxnSpPr>
+          <p:cNvPr id="32" name="Straight Connector 31">
+            <a:extLst>
+              <a:ext uri="{FF2B5EF4-FFF2-40B4-BE49-F238E27FC236}">
+                <a16:creationId xmlns:a16="http://schemas.microsoft.com/office/drawing/2014/main" id="{EEB57AA8-F021-480C-A9E2-F89913313611}"/>
+              </a:ext>
+              <a:ext uri="{C183D7F6-B498-43B3-948B-1728B52AA6E4}">
+                <adec:decorative xmlns:adec="http://schemas.microsoft.com/office/drawing/2017/decorative" xmlns="" val="1"/>
+              </a:ext>
+            </a:extLst>
+          </p:cNvPr>
+          <p:cNvCxnSpPr>
+            <a:cxnSpLocks noGrp="1" noRot="1" noChangeAspect="1" noMove="1" noResize="1" noEditPoints="1" noAdjustHandles="1" noChangeArrowheads="1" noChangeShapeType="1"/>
+          </p:cNvCxnSpPr>
+          <p:nvPr>
+            <p:extLst>
+              <p:ext uri="{386F3935-93C4-4BCD-93E2-E3B085C9AB24}">
+                <p16:designElem xmlns:p16="http://schemas.microsoft.com/office/powerpoint/2015/main" val="1"/>
+              </p:ext>
+            </p:extLst>
+          </p:nvPr>
+        </p:nvCxnSpPr>
+        <p:spPr>
+          <a:xfrm>
+            <a:off x="962164" y="2478513"/>
+            <a:ext cx="2926080" cy="0"/>
+          </a:xfrm>
+          <a:prstGeom prst="line">
+            <a:avLst/>
+          </a:prstGeom>
+          <a:ln>
+            <a:solidFill>
+              <a:schemeClr val="tx1">
+                <a:lumMod val="75000"/>
+                <a:lumOff val="25000"/>
+              </a:schemeClr>
+            </a:solidFill>
+          </a:ln>
+        </p:spPr>
+        <p:style>
+          <a:lnRef idx="1">
+            <a:schemeClr val="accent1"/>
+          </a:lnRef>
+          <a:fillRef idx="0">
+            <a:schemeClr val="accent1"/>
+          </a:fillRef>
+          <a:effectRef idx="0">
+            <a:schemeClr val="accent1"/>
+          </a:effectRef>
+          <a:fontRef idx="minor">
+            <a:schemeClr val="tx1"/>
+          </a:fontRef>
+        </p:style>
+      </p:cxnSp>
+      <p:sp>
+        <p:nvSpPr>
+          <p:cNvPr id="27" name="Content Placeholder 26">
+            <a:extLst>
+              <a:ext uri="{FF2B5EF4-FFF2-40B4-BE49-F238E27FC236}">
+                <a16:creationId xmlns:a16="http://schemas.microsoft.com/office/drawing/2014/main" id="{9D0BC871-CF7D-4C63-9AA2-2FFC16CC5979}"/>
+              </a:ext>
+            </a:extLst>
+          </p:cNvPr>
+          <p:cNvSpPr>
+            <a:spLocks noGrp="1"/>
+          </p:cNvSpPr>
+          <p:nvPr>
+            <p:ph idx="1"/>
+          </p:nvPr>
+        </p:nvSpPr>
+        <p:spPr>
+          <a:xfrm>
+            <a:off x="858064" y="2639380"/>
+            <a:ext cx="3205049" cy="3229714"/>
+          </a:xfrm>
+        </p:spPr>
+        <p:txBody>
+          <a:bodyPr>
+            <a:normAutofit/>
+          </a:bodyPr>
+          <a:lstStyle/>
+          <a:p>
+            <a:endParaRPr lang="en-US">
+              <a:latin typeface="Times New Roman" panose="02020603050405020304" pitchFamily="18" charset="0"/>
+              <a:cs typeface="Times New Roman" panose="02020603050405020304" pitchFamily="18" charset="0"/>
+            </a:endParaRPr>
+          </a:p>
+        </p:txBody>
+      </p:sp>
+      <p:sp>
+        <p:nvSpPr>
+          <p:cNvPr id="34" name="Rectangle 33">
+            <a:extLst>
+              <a:ext uri="{FF2B5EF4-FFF2-40B4-BE49-F238E27FC236}">
+                <a16:creationId xmlns:a16="http://schemas.microsoft.com/office/drawing/2014/main" id="{75CF30C0-9394-4459-976E-2AA223FB125F}"/>
+              </a:ext>
+              <a:ext uri="{C183D7F6-B498-43B3-948B-1728B52AA6E4}">
+                <adec:decorative xmlns:adec="http://schemas.microsoft.com/office/drawing/2017/decorative" xmlns="" val="1"/>
+              </a:ext>
+            </a:extLst>
+          </p:cNvPr>
+          <p:cNvSpPr>
+            <a:spLocks noGrp="1" noRot="1" noChangeAspect="1" noMove="1" noResize="1" noEditPoints="1" noAdjustHandles="1" noChangeArrowheads="1" noChangeShapeType="1" noTextEdit="1"/>
+          </p:cNvSpPr>
+          <p:nvPr>
+            <p:extLst>
+              <p:ext uri="{386F3935-93C4-4BCD-93E2-E3B085C9AB24}">
+                <p16:designElem xmlns:p16="http://schemas.microsoft.com/office/powerpoint/2015/main" val="1"/>
+              </p:ext>
+            </p:extLst>
+          </p:nvPr>
+        </p:nvSpPr>
+        <p:spPr>
+          <a:xfrm>
+            <a:off x="3175" y="6400800"/>
+            <a:ext cx="12188825" cy="457200"/>
+          </a:xfrm>
+          <a:prstGeom prst="rect">
+            <a:avLst/>
+          </a:prstGeom>
+          <a:solidFill>
+            <a:srgbClr val="262626"/>
+          </a:solidFill>
+          <a:ln>
+            <a:noFill/>
+          </a:ln>
+        </p:spPr>
+        <p:style>
+          <a:lnRef idx="2">
+            <a:schemeClr val="accent1">
+              <a:shade val="50000"/>
+            </a:schemeClr>
+          </a:lnRef>
+          <a:fillRef idx="1">
+            <a:schemeClr val="accent1"/>
+          </a:fillRef>
+          <a:effectRef idx="0">
+            <a:schemeClr val="accent1"/>
+          </a:effectRef>
+          <a:fontRef idx="minor">
+            <a:schemeClr val="lt1"/>
+          </a:fontRef>
+        </p:style>
+      </p:sp>
+      <p:graphicFrame>
+        <p:nvGraphicFramePr>
+          <p:cNvPr id="25" name="Content Placeholder 12">
+            <a:extLst>
+              <a:ext uri="{FF2B5EF4-FFF2-40B4-BE49-F238E27FC236}">
+                <a16:creationId xmlns:a16="http://schemas.microsoft.com/office/drawing/2014/main" id="{3AC26A39-728E-4BEE-81FA-5DB08E8401EA}"/>
+              </a:ext>
+            </a:extLst>
+          </p:cNvPr>
+          <p:cNvGraphicFramePr>
+            <a:graphicFrameLocks/>
+          </p:cNvGraphicFramePr>
+          <p:nvPr>
+            <p:extLst>
+              <p:ext uri="{D42A27DB-BD31-4B8C-83A1-F6EECF244321}">
+                <p14:modId xmlns:p14="http://schemas.microsoft.com/office/powerpoint/2010/main" val="1089055451"/>
+              </p:ext>
+            </p:extLst>
+          </p:nvPr>
+        </p:nvGraphicFramePr>
+        <p:xfrm>
+          <a:off x="4653447" y="805561"/>
+          <a:ext cx="6892560" cy="4908056"/>
+        </p:xfrm>
+        <a:graphic>
+          <a:graphicData uri="http://schemas.openxmlformats.org/drawingml/2006/table">
+            <a:tbl>
+              <a:tblPr firstRow="1" bandRow="1">
+                <a:noFill/>
+                <a:tableStyleId>{5C22544A-7EE6-4342-B048-85BDC9FD1C3A}</a:tableStyleId>
+              </a:tblPr>
+              <a:tblGrid>
+                <a:gridCol w="2655381">
+                  <a:extLst>
+                    <a:ext uri="{9D8B030D-6E8A-4147-A177-3AD203B41FA5}">
+                      <a16:colId xmlns:a16="http://schemas.microsoft.com/office/drawing/2014/main" val="3549595256"/>
+                    </a:ext>
+                  </a:extLst>
+                </a:gridCol>
+                <a:gridCol w="4237179">
+                  <a:extLst>
+                    <a:ext uri="{9D8B030D-6E8A-4147-A177-3AD203B41FA5}">
+                      <a16:colId xmlns:a16="http://schemas.microsoft.com/office/drawing/2014/main" val="595665229"/>
+                    </a:ext>
+                  </a:extLst>
+                </a:gridCol>
+              </a:tblGrid>
+              <a:tr h="713505">
+                <a:tc>
+                  <a:txBody>
+                    <a:bodyPr/>
+                    <a:lstStyle/>
+                    <a:p>
+                      <a:pPr marL="0" marR="0">
+                        <a:lnSpc>
+                          <a:spcPct val="115000"/>
+                        </a:lnSpc>
+                        <a:spcBef>
+                          <a:spcPts val="0"/>
+                        </a:spcBef>
+                        <a:spcAft>
+                          <a:spcPts val="0"/>
+                        </a:spcAft>
+                      </a:pPr>
+                      <a:r>
+                        <a:rPr lang="vi-VN" sz="2600" b="1" dirty="0">
+                          <a:solidFill>
+                            <a:schemeClr val="tx1">
+                              <a:lumMod val="75000"/>
+                              <a:lumOff val="25000"/>
+                            </a:schemeClr>
+                          </a:solidFill>
+                          <a:effectLst/>
+                          <a:latin typeface="+mj-lt"/>
+                        </a:rPr>
+                        <a:t>MSSV</a:t>
+                      </a:r>
+                      <a:endParaRPr lang="en-US" sz="2600" b="1" dirty="0">
+                        <a:solidFill>
+                          <a:schemeClr val="tx1">
+                            <a:lumMod val="75000"/>
+                            <a:lumOff val="25000"/>
+                          </a:schemeClr>
+                        </a:solidFill>
+                        <a:effectLst/>
+                        <a:latin typeface="+mj-lt"/>
+                        <a:ea typeface="Arial" panose="020B0604020202020204" pitchFamily="34" charset="0"/>
+                      </a:endParaRPr>
+                    </a:p>
+                  </a:txBody>
+                  <a:tcPr marL="264449" marR="198336" marT="132224" marB="132224">
+                    <a:lnL w="12700" cmpd="sng">
+                      <a:noFill/>
+                      <a:prstDash val="solid"/>
+                    </a:lnL>
+                    <a:lnR w="12700" cmpd="sng">
+                      <a:noFill/>
+                      <a:prstDash val="solid"/>
+                    </a:lnR>
+                    <a:lnT w="9525" cap="flat" cmpd="sng" algn="ctr">
+                      <a:noFill/>
+                      <a:prstDash val="solid"/>
+                    </a:lnT>
+                    <a:lnB w="9525" cap="flat" cmpd="sng" algn="ctr">
+                      <a:solidFill>
+                        <a:srgbClr val="C7C6C1"/>
+                      </a:solidFill>
+                      <a:prstDash val="solid"/>
+                    </a:lnB>
+                    <a:noFill/>
+                  </a:tcPr>
+                </a:tc>
+                <a:tc>
+                  <a:txBody>
+                    <a:bodyPr/>
+                    <a:lstStyle/>
+                    <a:p>
+                      <a:pPr marL="0" marR="0">
+                        <a:lnSpc>
+                          <a:spcPct val="115000"/>
+                        </a:lnSpc>
+                        <a:spcBef>
+                          <a:spcPts val="0"/>
+                        </a:spcBef>
+                        <a:spcAft>
+                          <a:spcPts val="0"/>
+                        </a:spcAft>
+                      </a:pPr>
+                      <a:r>
+                        <a:rPr lang="vi-VN" sz="2600" b="1">
+                          <a:solidFill>
+                            <a:schemeClr val="tx1">
+                              <a:lumMod val="75000"/>
+                              <a:lumOff val="25000"/>
+                            </a:schemeClr>
+                          </a:solidFill>
+                          <a:effectLst/>
+                          <a:latin typeface="+mj-lt"/>
+                        </a:rPr>
+                        <a:t>Họ Tên</a:t>
+                      </a:r>
+                      <a:endParaRPr lang="en-US" sz="2600" b="1">
+                        <a:solidFill>
+                          <a:schemeClr val="tx1">
+                            <a:lumMod val="75000"/>
+                            <a:lumOff val="25000"/>
+                          </a:schemeClr>
+                        </a:solidFill>
+                        <a:effectLst/>
+                        <a:latin typeface="+mj-lt"/>
+                        <a:ea typeface="Arial" panose="020B0604020202020204" pitchFamily="34" charset="0"/>
+                      </a:endParaRPr>
+                    </a:p>
+                  </a:txBody>
+                  <a:tcPr marL="264449" marR="198336" marT="132224" marB="132224">
+                    <a:lnL w="12700" cmpd="sng">
+                      <a:noFill/>
+                      <a:prstDash val="solid"/>
+                    </a:lnL>
+                    <a:lnR w="12700" cmpd="sng">
+                      <a:noFill/>
+                      <a:prstDash val="solid"/>
+                    </a:lnR>
+                    <a:lnT w="9525" cap="flat" cmpd="sng" algn="ctr">
+                      <a:noFill/>
+                      <a:prstDash val="solid"/>
+                    </a:lnT>
+                    <a:lnB w="9525" cap="flat" cmpd="sng" algn="ctr">
+                      <a:solidFill>
+                        <a:srgbClr val="C7C6C1"/>
+                      </a:solidFill>
+                      <a:prstDash val="solid"/>
+                    </a:lnB>
+                    <a:noFill/>
+                  </a:tcPr>
+                </a:tc>
+                <a:extLst>
+                  <a:ext uri="{0D108BD9-81ED-4DB2-BD59-A6C34878D82A}">
+                    <a16:rowId xmlns:a16="http://schemas.microsoft.com/office/drawing/2014/main" val="1321121281"/>
+                  </a:ext>
+                </a:extLst>
+              </a:tr>
+              <a:tr h="598276">
+                <a:tc>
+                  <a:txBody>
+                    <a:bodyPr/>
+                    <a:lstStyle/>
+                    <a:p>
+                      <a:pPr marL="0" marR="0">
+                        <a:lnSpc>
+                          <a:spcPct val="115000"/>
+                        </a:lnSpc>
+                        <a:spcBef>
+                          <a:spcPts val="0"/>
+                        </a:spcBef>
+                        <a:spcAft>
+                          <a:spcPts val="0"/>
+                        </a:spcAft>
+                      </a:pPr>
+                      <a:r>
+                        <a:rPr lang="vi-VN" sz="1800">
+                          <a:solidFill>
+                            <a:schemeClr val="tx1">
+                              <a:lumMod val="75000"/>
+                              <a:lumOff val="25000"/>
+                            </a:schemeClr>
+                          </a:solidFill>
+                          <a:effectLst/>
+                          <a:latin typeface="+mj-lt"/>
+                        </a:rPr>
+                        <a:t>18424035</a:t>
+                      </a:r>
+                      <a:endParaRPr lang="en-US" sz="1800">
+                        <a:solidFill>
+                          <a:schemeClr val="tx1">
+                            <a:lumMod val="75000"/>
+                            <a:lumOff val="25000"/>
+                          </a:schemeClr>
+                        </a:solidFill>
+                        <a:effectLst/>
+                        <a:latin typeface="+mj-lt"/>
+                        <a:ea typeface="Arial" panose="020B0604020202020204" pitchFamily="34" charset="0"/>
+                      </a:endParaRPr>
+                    </a:p>
+                  </a:txBody>
+                  <a:tcPr marL="264449" marR="198336" marT="132224" marB="132224">
+                    <a:lnL w="12700" cmpd="sng">
+                      <a:noFill/>
+                      <a:prstDash val="solid"/>
+                    </a:lnL>
+                    <a:lnR w="12700" cmpd="sng">
+                      <a:noFill/>
+                      <a:prstDash val="solid"/>
+                    </a:lnR>
+                    <a:lnT w="9525" cap="flat" cmpd="sng" algn="ctr">
+                      <a:solidFill>
+                        <a:srgbClr val="C7C6C1"/>
+                      </a:solidFill>
+                      <a:prstDash val="solid"/>
+                    </a:lnT>
+                    <a:lnB w="9525" cap="flat" cmpd="sng" algn="ctr">
+                      <a:solidFill>
+                        <a:srgbClr val="C7C6C1"/>
+                      </a:solidFill>
+                      <a:prstDash val="solid"/>
+                    </a:lnB>
+                    <a:noFill/>
+                  </a:tcPr>
+                </a:tc>
+                <a:tc>
+                  <a:txBody>
+                    <a:bodyPr/>
+                    <a:lstStyle/>
+                    <a:p>
+                      <a:pPr marL="0" marR="0">
+                        <a:lnSpc>
+                          <a:spcPct val="115000"/>
+                        </a:lnSpc>
+                        <a:spcBef>
+                          <a:spcPts val="0"/>
+                        </a:spcBef>
+                        <a:spcAft>
+                          <a:spcPts val="0"/>
+                        </a:spcAft>
+                      </a:pPr>
+                      <a:r>
+                        <a:rPr lang="vi-VN" sz="1800">
+                          <a:solidFill>
+                            <a:schemeClr val="tx1">
+                              <a:lumMod val="75000"/>
+                              <a:lumOff val="25000"/>
+                            </a:schemeClr>
+                          </a:solidFill>
+                          <a:effectLst/>
+                          <a:latin typeface="+mj-lt"/>
+                        </a:rPr>
+                        <a:t>Bùi Đăng Khoa</a:t>
+                      </a:r>
+                      <a:endParaRPr lang="en-US" sz="1800">
+                        <a:solidFill>
+                          <a:schemeClr val="tx1">
+                            <a:lumMod val="75000"/>
+                            <a:lumOff val="25000"/>
+                          </a:schemeClr>
+                        </a:solidFill>
+                        <a:effectLst/>
+                        <a:latin typeface="+mj-lt"/>
+                        <a:ea typeface="Arial" panose="020B0604020202020204" pitchFamily="34" charset="0"/>
+                      </a:endParaRPr>
+                    </a:p>
+                  </a:txBody>
+                  <a:tcPr marL="264449" marR="198336" marT="132224" marB="132224">
+                    <a:lnL w="12700" cmpd="sng">
+                      <a:noFill/>
+                      <a:prstDash val="solid"/>
+                    </a:lnL>
+                    <a:lnR w="12700" cmpd="sng">
+                      <a:noFill/>
+                      <a:prstDash val="solid"/>
+                    </a:lnR>
+                    <a:lnT w="9525" cap="flat" cmpd="sng" algn="ctr">
+                      <a:solidFill>
+                        <a:srgbClr val="C7C6C1"/>
+                      </a:solidFill>
+                      <a:prstDash val="solid"/>
+                    </a:lnT>
+                    <a:lnB w="9525" cap="flat" cmpd="sng" algn="ctr">
+                      <a:solidFill>
+                        <a:srgbClr val="C7C6C1"/>
+                      </a:solidFill>
+                      <a:prstDash val="solid"/>
+                    </a:lnB>
+                    <a:noFill/>
+                  </a:tcPr>
+                </a:tc>
+                <a:extLst>
+                  <a:ext uri="{0D108BD9-81ED-4DB2-BD59-A6C34878D82A}">
+                    <a16:rowId xmlns:a16="http://schemas.microsoft.com/office/drawing/2014/main" val="205059839"/>
+                  </a:ext>
+                </a:extLst>
+              </a:tr>
+              <a:tr h="598276">
+                <a:tc>
+                  <a:txBody>
+                    <a:bodyPr/>
+                    <a:lstStyle/>
+                    <a:p>
+                      <a:pPr marL="0" marR="0">
+                        <a:lnSpc>
+                          <a:spcPct val="115000"/>
+                        </a:lnSpc>
+                        <a:spcBef>
+                          <a:spcPts val="0"/>
+                        </a:spcBef>
+                        <a:spcAft>
+                          <a:spcPts val="0"/>
+                        </a:spcAft>
+                      </a:pPr>
+                      <a:r>
+                        <a:rPr lang="vi-VN" sz="1800">
+                          <a:solidFill>
+                            <a:schemeClr val="tx1">
+                              <a:lumMod val="75000"/>
+                              <a:lumOff val="25000"/>
+                            </a:schemeClr>
+                          </a:solidFill>
+                          <a:effectLst/>
+                          <a:latin typeface="+mj-lt"/>
+                        </a:rPr>
+                        <a:t>18424036</a:t>
+                      </a:r>
+                      <a:endParaRPr lang="en-US" sz="1800">
+                        <a:solidFill>
+                          <a:schemeClr val="tx1">
+                            <a:lumMod val="75000"/>
+                            <a:lumOff val="25000"/>
+                          </a:schemeClr>
+                        </a:solidFill>
+                        <a:effectLst/>
+                        <a:latin typeface="+mj-lt"/>
+                        <a:ea typeface="Arial" panose="020B0604020202020204" pitchFamily="34" charset="0"/>
+                      </a:endParaRPr>
+                    </a:p>
+                  </a:txBody>
+                  <a:tcPr marL="264449" marR="198336" marT="132224" marB="132224">
+                    <a:lnL w="12700" cmpd="sng">
+                      <a:noFill/>
+                      <a:prstDash val="solid"/>
+                    </a:lnL>
+                    <a:lnR w="12700" cmpd="sng">
+                      <a:noFill/>
+                      <a:prstDash val="solid"/>
+                    </a:lnR>
+                    <a:lnT w="9525" cap="flat" cmpd="sng" algn="ctr">
+                      <a:solidFill>
+                        <a:srgbClr val="C7C6C1"/>
+                      </a:solidFill>
+                      <a:prstDash val="solid"/>
+                    </a:lnT>
+                    <a:lnB w="9525" cap="flat" cmpd="sng" algn="ctr">
+                      <a:solidFill>
+                        <a:srgbClr val="C7C6C1"/>
+                      </a:solidFill>
+                      <a:prstDash val="solid"/>
+                    </a:lnB>
+                    <a:noFill/>
+                  </a:tcPr>
+                </a:tc>
+                <a:tc>
+                  <a:txBody>
+                    <a:bodyPr/>
+                    <a:lstStyle/>
+                    <a:p>
+                      <a:pPr marL="0" marR="0">
+                        <a:lnSpc>
+                          <a:spcPct val="115000"/>
+                        </a:lnSpc>
+                        <a:spcBef>
+                          <a:spcPts val="0"/>
+                        </a:spcBef>
+                        <a:spcAft>
+                          <a:spcPts val="0"/>
+                        </a:spcAft>
+                      </a:pPr>
+                      <a:r>
+                        <a:rPr lang="vi-VN" sz="1800">
+                          <a:solidFill>
+                            <a:schemeClr val="tx1">
+                              <a:lumMod val="75000"/>
+                              <a:lumOff val="25000"/>
+                            </a:schemeClr>
+                          </a:solidFill>
+                          <a:effectLst/>
+                          <a:latin typeface="+mj-lt"/>
+                        </a:rPr>
+                        <a:t>Đỗ Đăng Khoa</a:t>
+                      </a:r>
+                      <a:endParaRPr lang="en-US" sz="1800">
+                        <a:solidFill>
+                          <a:schemeClr val="tx1">
+                            <a:lumMod val="75000"/>
+                            <a:lumOff val="25000"/>
+                          </a:schemeClr>
+                        </a:solidFill>
+                        <a:effectLst/>
+                        <a:latin typeface="+mj-lt"/>
+                        <a:ea typeface="Arial" panose="020B0604020202020204" pitchFamily="34" charset="0"/>
+                      </a:endParaRPr>
+                    </a:p>
+                  </a:txBody>
+                  <a:tcPr marL="264449" marR="198336" marT="132224" marB="132224">
+                    <a:lnL w="12700" cmpd="sng">
+                      <a:noFill/>
+                      <a:prstDash val="solid"/>
+                    </a:lnL>
+                    <a:lnR w="12700" cmpd="sng">
+                      <a:noFill/>
+                      <a:prstDash val="solid"/>
+                    </a:lnR>
+                    <a:lnT w="9525" cap="flat" cmpd="sng" algn="ctr">
+                      <a:solidFill>
+                        <a:srgbClr val="C7C6C1"/>
+                      </a:solidFill>
+                      <a:prstDash val="solid"/>
+                    </a:lnT>
+                    <a:lnB w="9525" cap="flat" cmpd="sng" algn="ctr">
+                      <a:solidFill>
+                        <a:srgbClr val="C7C6C1"/>
+                      </a:solidFill>
+                      <a:prstDash val="solid"/>
+                    </a:lnB>
+                    <a:noFill/>
+                  </a:tcPr>
+                </a:tc>
+                <a:extLst>
+                  <a:ext uri="{0D108BD9-81ED-4DB2-BD59-A6C34878D82A}">
+                    <a16:rowId xmlns:a16="http://schemas.microsoft.com/office/drawing/2014/main" val="105779935"/>
+                  </a:ext>
+                </a:extLst>
+              </a:tr>
+              <a:tr h="598276">
+                <a:tc>
+                  <a:txBody>
+                    <a:bodyPr/>
+                    <a:lstStyle/>
+                    <a:p>
+                      <a:pPr marL="0" marR="0">
+                        <a:lnSpc>
+                          <a:spcPct val="115000"/>
+                        </a:lnSpc>
+                        <a:spcBef>
+                          <a:spcPts val="0"/>
+                        </a:spcBef>
+                        <a:spcAft>
+                          <a:spcPts val="0"/>
+                        </a:spcAft>
+                      </a:pPr>
+                      <a:r>
+                        <a:rPr lang="vi-VN" sz="1800">
+                          <a:solidFill>
+                            <a:schemeClr val="tx1">
+                              <a:lumMod val="75000"/>
+                              <a:lumOff val="25000"/>
+                            </a:schemeClr>
+                          </a:solidFill>
+                          <a:effectLst/>
+                          <a:latin typeface="+mj-lt"/>
+                        </a:rPr>
+                        <a:t>18424038</a:t>
+                      </a:r>
+                      <a:endParaRPr lang="en-US" sz="1800">
+                        <a:solidFill>
+                          <a:schemeClr val="tx1">
+                            <a:lumMod val="75000"/>
+                            <a:lumOff val="25000"/>
+                          </a:schemeClr>
+                        </a:solidFill>
+                        <a:effectLst/>
+                        <a:latin typeface="+mj-lt"/>
+                        <a:ea typeface="Arial" panose="020B0604020202020204" pitchFamily="34" charset="0"/>
+                      </a:endParaRPr>
+                    </a:p>
+                  </a:txBody>
+                  <a:tcPr marL="264449" marR="198336" marT="132224" marB="132224">
+                    <a:lnL w="12700" cmpd="sng">
+                      <a:noFill/>
+                      <a:prstDash val="solid"/>
+                    </a:lnL>
+                    <a:lnR w="12700" cmpd="sng">
+                      <a:noFill/>
+                      <a:prstDash val="solid"/>
+                    </a:lnR>
+                    <a:lnT w="9525" cap="flat" cmpd="sng" algn="ctr">
+                      <a:solidFill>
+                        <a:srgbClr val="C7C6C1"/>
+                      </a:solidFill>
+                      <a:prstDash val="solid"/>
+                    </a:lnT>
+                    <a:lnB w="9525" cap="flat" cmpd="sng" algn="ctr">
+                      <a:solidFill>
+                        <a:srgbClr val="C7C6C1"/>
+                      </a:solidFill>
+                      <a:prstDash val="solid"/>
+                    </a:lnB>
+                    <a:noFill/>
+                  </a:tcPr>
+                </a:tc>
+                <a:tc>
+                  <a:txBody>
+                    <a:bodyPr/>
+                    <a:lstStyle/>
+                    <a:p>
+                      <a:pPr marL="0" marR="0">
+                        <a:lnSpc>
+                          <a:spcPct val="115000"/>
+                        </a:lnSpc>
+                        <a:spcBef>
+                          <a:spcPts val="0"/>
+                        </a:spcBef>
+                        <a:spcAft>
+                          <a:spcPts val="0"/>
+                        </a:spcAft>
+                      </a:pPr>
+                      <a:r>
+                        <a:rPr lang="vi-VN" sz="1800" dirty="0">
+                          <a:solidFill>
+                            <a:schemeClr val="tx1">
+                              <a:lumMod val="75000"/>
+                              <a:lumOff val="25000"/>
+                            </a:schemeClr>
+                          </a:solidFill>
+                          <a:effectLst/>
+                          <a:latin typeface="+mj-lt"/>
+                        </a:rPr>
+                        <a:t>Nguyễn Thế Lợi</a:t>
+                      </a:r>
+                      <a:endParaRPr lang="en-US" sz="1800" dirty="0">
+                        <a:solidFill>
+                          <a:schemeClr val="tx1">
+                            <a:lumMod val="75000"/>
+                            <a:lumOff val="25000"/>
+                          </a:schemeClr>
+                        </a:solidFill>
+                        <a:effectLst/>
+                        <a:latin typeface="+mj-lt"/>
+                        <a:ea typeface="Arial" panose="020B0604020202020204" pitchFamily="34" charset="0"/>
+                      </a:endParaRPr>
+                    </a:p>
+                  </a:txBody>
+                  <a:tcPr marL="264449" marR="198336" marT="132224" marB="132224">
+                    <a:lnL w="12700" cmpd="sng">
+                      <a:noFill/>
+                      <a:prstDash val="solid"/>
+                    </a:lnL>
+                    <a:lnR w="12700" cmpd="sng">
+                      <a:noFill/>
+                      <a:prstDash val="solid"/>
+                    </a:lnR>
+                    <a:lnT w="9525" cap="flat" cmpd="sng" algn="ctr">
+                      <a:solidFill>
+                        <a:srgbClr val="C7C6C1"/>
+                      </a:solidFill>
+                      <a:prstDash val="solid"/>
+                    </a:lnT>
+                    <a:lnB w="9525" cap="flat" cmpd="sng" algn="ctr">
+                      <a:solidFill>
+                        <a:srgbClr val="C7C6C1"/>
+                      </a:solidFill>
+                      <a:prstDash val="solid"/>
+                    </a:lnB>
+                    <a:noFill/>
+                  </a:tcPr>
+                </a:tc>
+                <a:extLst>
+                  <a:ext uri="{0D108BD9-81ED-4DB2-BD59-A6C34878D82A}">
+                    <a16:rowId xmlns:a16="http://schemas.microsoft.com/office/drawing/2014/main" val="352915664"/>
+                  </a:ext>
+                </a:extLst>
+              </a:tr>
+              <a:tr h="598276">
+                <a:tc>
+                  <a:txBody>
+                    <a:bodyPr/>
+                    <a:lstStyle/>
+                    <a:p>
+                      <a:pPr marL="0" marR="0">
+                        <a:lnSpc>
+                          <a:spcPct val="115000"/>
+                        </a:lnSpc>
+                        <a:spcBef>
+                          <a:spcPts val="0"/>
+                        </a:spcBef>
+                        <a:spcAft>
+                          <a:spcPts val="0"/>
+                        </a:spcAft>
+                      </a:pPr>
+                      <a:r>
+                        <a:rPr lang="vi-VN" sz="1800">
+                          <a:solidFill>
+                            <a:schemeClr val="tx1">
+                              <a:lumMod val="75000"/>
+                              <a:lumOff val="25000"/>
+                            </a:schemeClr>
+                          </a:solidFill>
+                          <a:effectLst/>
+                          <a:latin typeface="+mj-lt"/>
+                        </a:rPr>
+                        <a:t>18424039</a:t>
+                      </a:r>
+                      <a:endParaRPr lang="en-US" sz="1800">
+                        <a:solidFill>
+                          <a:schemeClr val="tx1">
+                            <a:lumMod val="75000"/>
+                            <a:lumOff val="25000"/>
+                          </a:schemeClr>
+                        </a:solidFill>
+                        <a:effectLst/>
+                        <a:latin typeface="+mj-lt"/>
+                        <a:ea typeface="Arial" panose="020B0604020202020204" pitchFamily="34" charset="0"/>
+                      </a:endParaRPr>
+                    </a:p>
+                  </a:txBody>
+                  <a:tcPr marL="264449" marR="198336" marT="132224" marB="132224">
+                    <a:lnL w="12700" cmpd="sng">
+                      <a:noFill/>
+                      <a:prstDash val="solid"/>
+                    </a:lnL>
+                    <a:lnR w="12700" cmpd="sng">
+                      <a:noFill/>
+                      <a:prstDash val="solid"/>
+                    </a:lnR>
+                    <a:lnT w="9525" cap="flat" cmpd="sng" algn="ctr">
+                      <a:solidFill>
+                        <a:srgbClr val="C7C6C1"/>
+                      </a:solidFill>
+                      <a:prstDash val="solid"/>
+                    </a:lnT>
+                    <a:lnB w="9525" cap="flat" cmpd="sng" algn="ctr">
+                      <a:solidFill>
+                        <a:srgbClr val="C7C6C1"/>
+                      </a:solidFill>
+                      <a:prstDash val="solid"/>
+                    </a:lnB>
+                    <a:noFill/>
+                  </a:tcPr>
+                </a:tc>
+                <a:tc>
+                  <a:txBody>
+                    <a:bodyPr/>
+                    <a:lstStyle/>
+                    <a:p>
+                      <a:pPr marL="0" marR="0">
+                        <a:lnSpc>
+                          <a:spcPct val="115000"/>
+                        </a:lnSpc>
+                        <a:spcBef>
+                          <a:spcPts val="0"/>
+                        </a:spcBef>
+                        <a:spcAft>
+                          <a:spcPts val="0"/>
+                        </a:spcAft>
+                      </a:pPr>
+                      <a:r>
+                        <a:rPr lang="vi-VN" sz="1800">
+                          <a:solidFill>
+                            <a:schemeClr val="tx1">
+                              <a:lumMod val="75000"/>
+                              <a:lumOff val="25000"/>
+                            </a:schemeClr>
+                          </a:solidFill>
+                          <a:effectLst/>
+                          <a:latin typeface="+mj-lt"/>
+                        </a:rPr>
+                        <a:t>Phạm Đình Luân</a:t>
+                      </a:r>
+                      <a:endParaRPr lang="en-US" sz="1800">
+                        <a:solidFill>
+                          <a:schemeClr val="tx1">
+                            <a:lumMod val="75000"/>
+                            <a:lumOff val="25000"/>
+                          </a:schemeClr>
+                        </a:solidFill>
+                        <a:effectLst/>
+                        <a:latin typeface="+mj-lt"/>
+                        <a:ea typeface="Arial" panose="020B0604020202020204" pitchFamily="34" charset="0"/>
+                      </a:endParaRPr>
+                    </a:p>
+                  </a:txBody>
+                  <a:tcPr marL="264449" marR="198336" marT="132224" marB="132224">
+                    <a:lnL w="12700" cmpd="sng">
+                      <a:noFill/>
+                      <a:prstDash val="solid"/>
+                    </a:lnL>
+                    <a:lnR w="12700" cmpd="sng">
+                      <a:noFill/>
+                      <a:prstDash val="solid"/>
+                    </a:lnR>
+                    <a:lnT w="9525" cap="flat" cmpd="sng" algn="ctr">
+                      <a:solidFill>
+                        <a:srgbClr val="C7C6C1"/>
+                      </a:solidFill>
+                      <a:prstDash val="solid"/>
+                    </a:lnT>
+                    <a:lnB w="9525" cap="flat" cmpd="sng" algn="ctr">
+                      <a:solidFill>
+                        <a:srgbClr val="C7C6C1"/>
+                      </a:solidFill>
+                      <a:prstDash val="solid"/>
+                    </a:lnB>
+                    <a:noFill/>
+                  </a:tcPr>
+                </a:tc>
+                <a:extLst>
+                  <a:ext uri="{0D108BD9-81ED-4DB2-BD59-A6C34878D82A}">
+                    <a16:rowId xmlns:a16="http://schemas.microsoft.com/office/drawing/2014/main" val="2104077002"/>
+                  </a:ext>
+                </a:extLst>
+              </a:tr>
+              <a:tr h="598276">
+                <a:tc>
+                  <a:txBody>
+                    <a:bodyPr/>
+                    <a:lstStyle/>
+                    <a:p>
+                      <a:pPr marL="0" marR="0">
+                        <a:lnSpc>
+                          <a:spcPct val="115000"/>
+                        </a:lnSpc>
+                        <a:spcBef>
+                          <a:spcPts val="0"/>
+                        </a:spcBef>
+                        <a:spcAft>
+                          <a:spcPts val="0"/>
+                        </a:spcAft>
+                      </a:pPr>
+                      <a:r>
+                        <a:rPr lang="vi-VN" sz="1800" dirty="0">
+                          <a:solidFill>
+                            <a:schemeClr val="tx1">
+                              <a:lumMod val="75000"/>
+                              <a:lumOff val="25000"/>
+                            </a:schemeClr>
+                          </a:solidFill>
+                          <a:effectLst/>
+                          <a:latin typeface="+mj-lt"/>
+                        </a:rPr>
+                        <a:t>18424040</a:t>
+                      </a:r>
+                      <a:endParaRPr lang="en-US" sz="1800" dirty="0">
+                        <a:solidFill>
+                          <a:schemeClr val="tx1">
+                            <a:lumMod val="75000"/>
+                            <a:lumOff val="25000"/>
+                          </a:schemeClr>
+                        </a:solidFill>
+                        <a:effectLst/>
+                        <a:latin typeface="+mj-lt"/>
+                        <a:ea typeface="Arial" panose="020B0604020202020204" pitchFamily="34" charset="0"/>
+                      </a:endParaRPr>
+                    </a:p>
+                  </a:txBody>
+                  <a:tcPr marL="264449" marR="198336" marT="132224" marB="132224">
+                    <a:lnL w="12700" cmpd="sng">
+                      <a:noFill/>
+                      <a:prstDash val="solid"/>
+                    </a:lnL>
+                    <a:lnR w="12700" cmpd="sng">
+                      <a:noFill/>
+                      <a:prstDash val="solid"/>
+                    </a:lnR>
+                    <a:lnT w="9525" cap="flat" cmpd="sng" algn="ctr">
+                      <a:solidFill>
+                        <a:srgbClr val="C7C6C1"/>
+                      </a:solidFill>
+                      <a:prstDash val="solid"/>
+                    </a:lnT>
+                    <a:lnB w="9525" cap="flat" cmpd="sng" algn="ctr">
+                      <a:solidFill>
+                        <a:srgbClr val="C7C6C1"/>
+                      </a:solidFill>
+                      <a:prstDash val="solid"/>
+                    </a:lnB>
+                    <a:noFill/>
+                  </a:tcPr>
+                </a:tc>
+                <a:tc>
+                  <a:txBody>
+                    <a:bodyPr/>
+                    <a:lstStyle/>
+                    <a:p>
+                      <a:pPr marL="0" marR="0">
+                        <a:lnSpc>
+                          <a:spcPct val="115000"/>
+                        </a:lnSpc>
+                        <a:spcBef>
+                          <a:spcPts val="0"/>
+                        </a:spcBef>
+                        <a:spcAft>
+                          <a:spcPts val="0"/>
+                        </a:spcAft>
+                      </a:pPr>
+                      <a:r>
+                        <a:rPr lang="vi-VN" sz="1800">
+                          <a:solidFill>
+                            <a:schemeClr val="tx1">
+                              <a:lumMod val="75000"/>
+                              <a:lumOff val="25000"/>
+                            </a:schemeClr>
+                          </a:solidFill>
+                          <a:effectLst/>
+                          <a:latin typeface="+mj-lt"/>
+                        </a:rPr>
+                        <a:t>Lê Hoàng Luật</a:t>
+                      </a:r>
+                      <a:endParaRPr lang="en-US" sz="1800">
+                        <a:solidFill>
+                          <a:schemeClr val="tx1">
+                            <a:lumMod val="75000"/>
+                            <a:lumOff val="25000"/>
+                          </a:schemeClr>
+                        </a:solidFill>
+                        <a:effectLst/>
+                        <a:latin typeface="+mj-lt"/>
+                        <a:ea typeface="Arial" panose="020B0604020202020204" pitchFamily="34" charset="0"/>
+                      </a:endParaRPr>
+                    </a:p>
+                  </a:txBody>
+                  <a:tcPr marL="264449" marR="198336" marT="132224" marB="132224">
+                    <a:lnL w="12700" cmpd="sng">
+                      <a:noFill/>
+                      <a:prstDash val="solid"/>
+                    </a:lnL>
+                    <a:lnR w="12700" cmpd="sng">
+                      <a:noFill/>
+                      <a:prstDash val="solid"/>
+                    </a:lnR>
+                    <a:lnT w="9525" cap="flat" cmpd="sng" algn="ctr">
+                      <a:solidFill>
+                        <a:srgbClr val="C7C6C1"/>
+                      </a:solidFill>
+                      <a:prstDash val="solid"/>
+                    </a:lnT>
+                    <a:lnB w="9525" cap="flat" cmpd="sng" algn="ctr">
+                      <a:solidFill>
+                        <a:srgbClr val="C7C6C1"/>
+                      </a:solidFill>
+                      <a:prstDash val="solid"/>
+                    </a:lnB>
+                    <a:noFill/>
+                  </a:tcPr>
+                </a:tc>
+                <a:extLst>
+                  <a:ext uri="{0D108BD9-81ED-4DB2-BD59-A6C34878D82A}">
+                    <a16:rowId xmlns:a16="http://schemas.microsoft.com/office/drawing/2014/main" val="232921392"/>
+                  </a:ext>
+                </a:extLst>
+              </a:tr>
+              <a:tr h="598276">
+                <a:tc>
+                  <a:txBody>
+                    <a:bodyPr/>
+                    <a:lstStyle/>
+                    <a:p>
+                      <a:pPr marL="0" marR="0">
+                        <a:lnSpc>
+                          <a:spcPct val="115000"/>
+                        </a:lnSpc>
+                        <a:spcBef>
+                          <a:spcPts val="0"/>
+                        </a:spcBef>
+                        <a:spcAft>
+                          <a:spcPts val="0"/>
+                        </a:spcAft>
+                      </a:pPr>
+                      <a:r>
+                        <a:rPr lang="vi-VN" sz="1800">
+                          <a:solidFill>
+                            <a:schemeClr val="tx1">
+                              <a:lumMod val="75000"/>
+                              <a:lumOff val="25000"/>
+                            </a:schemeClr>
+                          </a:solidFill>
+                          <a:effectLst/>
+                          <a:latin typeface="+mj-lt"/>
+                        </a:rPr>
+                        <a:t>18424042</a:t>
+                      </a:r>
+                      <a:endParaRPr lang="en-US" sz="1800">
+                        <a:solidFill>
+                          <a:schemeClr val="tx1">
+                            <a:lumMod val="75000"/>
+                            <a:lumOff val="25000"/>
+                          </a:schemeClr>
+                        </a:solidFill>
+                        <a:effectLst/>
+                        <a:latin typeface="+mj-lt"/>
+                        <a:ea typeface="Arial" panose="020B0604020202020204" pitchFamily="34" charset="0"/>
+                      </a:endParaRPr>
+                    </a:p>
+                  </a:txBody>
+                  <a:tcPr marL="264449" marR="198336" marT="132224" marB="132224">
+                    <a:lnL w="12700" cmpd="sng">
+                      <a:noFill/>
+                      <a:prstDash val="solid"/>
+                    </a:lnL>
+                    <a:lnR w="12700" cmpd="sng">
+                      <a:noFill/>
+                      <a:prstDash val="solid"/>
+                    </a:lnR>
+                    <a:lnT w="9525" cap="flat" cmpd="sng" algn="ctr">
+                      <a:solidFill>
+                        <a:srgbClr val="C7C6C1"/>
+                      </a:solidFill>
+                      <a:prstDash val="solid"/>
+                    </a:lnT>
+                    <a:lnB w="9525" cap="flat" cmpd="sng" algn="ctr">
+                      <a:solidFill>
+                        <a:srgbClr val="C7C6C1"/>
+                      </a:solidFill>
+                      <a:prstDash val="solid"/>
+                    </a:lnB>
+                    <a:noFill/>
+                  </a:tcPr>
+                </a:tc>
+                <a:tc>
+                  <a:txBody>
+                    <a:bodyPr/>
+                    <a:lstStyle/>
+                    <a:p>
+                      <a:pPr marL="0" marR="0">
+                        <a:lnSpc>
+                          <a:spcPct val="115000"/>
+                        </a:lnSpc>
+                        <a:spcBef>
+                          <a:spcPts val="0"/>
+                        </a:spcBef>
+                        <a:spcAft>
+                          <a:spcPts val="0"/>
+                        </a:spcAft>
+                      </a:pPr>
+                      <a:r>
+                        <a:rPr lang="vi-VN" sz="1800" dirty="0">
+                          <a:solidFill>
+                            <a:schemeClr val="tx1">
+                              <a:lumMod val="75000"/>
+                              <a:lumOff val="25000"/>
+                            </a:schemeClr>
+                          </a:solidFill>
+                          <a:effectLst/>
+                          <a:latin typeface="+mj-lt"/>
+                        </a:rPr>
+                        <a:t>Huỳnh Quang Minh</a:t>
+                      </a:r>
+                      <a:endParaRPr lang="en-US" sz="1800" dirty="0">
+                        <a:solidFill>
+                          <a:schemeClr val="tx1">
+                            <a:lumMod val="75000"/>
+                            <a:lumOff val="25000"/>
+                          </a:schemeClr>
+                        </a:solidFill>
+                        <a:effectLst/>
+                        <a:latin typeface="+mj-lt"/>
+                        <a:ea typeface="Arial" panose="020B0604020202020204" pitchFamily="34" charset="0"/>
+                      </a:endParaRPr>
+                    </a:p>
+                  </a:txBody>
+                  <a:tcPr marL="264449" marR="198336" marT="132224" marB="132224">
+                    <a:lnL w="12700" cmpd="sng">
+                      <a:noFill/>
+                      <a:prstDash val="solid"/>
+                    </a:lnL>
+                    <a:lnR w="12700" cmpd="sng">
+                      <a:noFill/>
+                      <a:prstDash val="solid"/>
+                    </a:lnR>
+                    <a:lnT w="9525" cap="flat" cmpd="sng" algn="ctr">
+                      <a:solidFill>
+                        <a:srgbClr val="C7C6C1"/>
+                      </a:solidFill>
+                      <a:prstDash val="solid"/>
+                    </a:lnT>
+                    <a:lnB w="9525" cap="flat" cmpd="sng" algn="ctr">
+                      <a:solidFill>
+                        <a:srgbClr val="C7C6C1"/>
+                      </a:solidFill>
+                      <a:prstDash val="solid"/>
+                    </a:lnB>
+                    <a:noFill/>
+                  </a:tcPr>
+                </a:tc>
+                <a:extLst>
+                  <a:ext uri="{0D108BD9-81ED-4DB2-BD59-A6C34878D82A}">
+                    <a16:rowId xmlns:a16="http://schemas.microsoft.com/office/drawing/2014/main" val="1747981570"/>
+                  </a:ext>
+                </a:extLst>
+              </a:tr>
+              <a:tr h="598276">
+                <a:tc>
+                  <a:txBody>
+                    <a:bodyPr/>
+                    <a:lstStyle/>
+                    <a:p>
+                      <a:pPr marL="0" marR="0">
+                        <a:lnSpc>
+                          <a:spcPct val="115000"/>
+                        </a:lnSpc>
+                        <a:spcBef>
+                          <a:spcPts val="0"/>
+                        </a:spcBef>
+                        <a:spcAft>
+                          <a:spcPts val="0"/>
+                        </a:spcAft>
+                      </a:pPr>
+                      <a:r>
+                        <a:rPr lang="vi-VN" sz="1800">
+                          <a:solidFill>
+                            <a:schemeClr val="tx1">
+                              <a:lumMod val="75000"/>
+                              <a:lumOff val="25000"/>
+                            </a:schemeClr>
+                          </a:solidFill>
+                          <a:effectLst/>
+                          <a:latin typeface="+mj-lt"/>
+                        </a:rPr>
+                        <a:t>18424043</a:t>
+                      </a:r>
+                      <a:endParaRPr lang="en-US" sz="1800">
+                        <a:solidFill>
+                          <a:schemeClr val="tx1">
+                            <a:lumMod val="75000"/>
+                            <a:lumOff val="25000"/>
+                          </a:schemeClr>
+                        </a:solidFill>
+                        <a:effectLst/>
+                        <a:latin typeface="+mj-lt"/>
+                        <a:ea typeface="Arial" panose="020B0604020202020204" pitchFamily="34" charset="0"/>
+                      </a:endParaRPr>
+                    </a:p>
+                  </a:txBody>
+                  <a:tcPr marL="264449" marR="198336" marT="132224" marB="132224">
+                    <a:lnL w="12700" cmpd="sng">
+                      <a:noFill/>
+                      <a:prstDash val="solid"/>
+                    </a:lnL>
+                    <a:lnR w="12700" cmpd="sng">
+                      <a:noFill/>
+                      <a:prstDash val="solid"/>
+                    </a:lnR>
+                    <a:lnT w="9525" cap="flat" cmpd="sng" algn="ctr">
+                      <a:solidFill>
+                        <a:srgbClr val="C7C6C1"/>
+                      </a:solidFill>
+                      <a:prstDash val="solid"/>
+                    </a:lnT>
+                    <a:lnB w="12700" cmpd="sng">
+                      <a:noFill/>
+                      <a:prstDash val="solid"/>
+                    </a:lnB>
+                    <a:noFill/>
+                  </a:tcPr>
+                </a:tc>
+                <a:tc>
+                  <a:txBody>
+                    <a:bodyPr/>
+                    <a:lstStyle/>
+                    <a:p>
+                      <a:pPr marL="0" marR="0">
+                        <a:lnSpc>
+                          <a:spcPct val="115000"/>
+                        </a:lnSpc>
+                        <a:spcBef>
+                          <a:spcPts val="0"/>
+                        </a:spcBef>
+                        <a:spcAft>
+                          <a:spcPts val="0"/>
+                        </a:spcAft>
+                      </a:pPr>
+                      <a:r>
+                        <a:rPr lang="vi-VN" sz="1800" dirty="0">
+                          <a:solidFill>
+                            <a:schemeClr val="tx1">
+                              <a:lumMod val="75000"/>
+                              <a:lumOff val="25000"/>
+                            </a:schemeClr>
+                          </a:solidFill>
+                          <a:effectLst/>
+                          <a:latin typeface="+mj-lt"/>
+                        </a:rPr>
+                        <a:t>Trần Hữu Nghĩa </a:t>
+                      </a:r>
+                      <a:endParaRPr lang="en-US" sz="1800" dirty="0">
+                        <a:solidFill>
+                          <a:schemeClr val="tx1">
+                            <a:lumMod val="75000"/>
+                            <a:lumOff val="25000"/>
+                          </a:schemeClr>
+                        </a:solidFill>
+                        <a:effectLst/>
+                        <a:latin typeface="+mj-lt"/>
+                        <a:ea typeface="Arial" panose="020B0604020202020204" pitchFamily="34" charset="0"/>
+                      </a:endParaRPr>
+                    </a:p>
+                  </a:txBody>
+                  <a:tcPr marL="264449" marR="198336" marT="132224" marB="132224">
+                    <a:lnL w="12700" cmpd="sng">
+                      <a:noFill/>
+                      <a:prstDash val="solid"/>
+                    </a:lnL>
+                    <a:lnR w="12700" cmpd="sng">
+                      <a:noFill/>
+                      <a:prstDash val="solid"/>
+                    </a:lnR>
+                    <a:lnT w="9525" cap="flat" cmpd="sng" algn="ctr">
+                      <a:solidFill>
+                        <a:srgbClr val="C7C6C1"/>
+                      </a:solidFill>
+                      <a:prstDash val="solid"/>
+                    </a:lnT>
+                    <a:lnB w="12700" cmpd="sng">
+                      <a:noFill/>
+                      <a:prstDash val="solid"/>
+                    </a:lnB>
+                    <a:noFill/>
+                  </a:tcPr>
+                </a:tc>
+                <a:extLst>
+                  <a:ext uri="{0D108BD9-81ED-4DB2-BD59-A6C34878D82A}">
+                    <a16:rowId xmlns:a16="http://schemas.microsoft.com/office/drawing/2014/main" val="2921717778"/>
+                  </a:ext>
+                </a:extLst>
+              </a:tr>
+            </a:tbl>
+          </a:graphicData>
+        </a:graphic>
+      </p:graphicFrame>
+    </p:spTree>
+    <p:extLst>
+      <p:ext uri="{BB962C8B-B14F-4D97-AF65-F5344CB8AC3E}">
+        <p14:creationId xmlns:p14="http://schemas.microsoft.com/office/powerpoint/2010/main" val="3838333191"/>
+      </p:ext>
+    </p:extLst>
+  </p:cSld>
+  <p:clrMapOvr>
+    <a:masterClrMapping/>
+  </p:clrMapOvr>
+  <mc:AlternateContent xmlns:mc="http://schemas.openxmlformats.org/markup-compatibility/2006" xmlns:p14="http://schemas.microsoft.com/office/powerpoint/2010/main">
+    <mc:Choice Requires="p14">
+      <p:transition spd="slow" p14:dur="1500">
+        <p:split orient="vert"/>
+      </p:transition>
+    </mc:Choice>
+    <mc:Fallback xmlns="">
+      <p:transition spd="slow">
+        <p:split orient="vert"/>
+      </p:transition>
+    </mc:Fallback>
+  </mc:AlternateContent>
+</p:sld>
+</file>
+
 <file path=ppt/slides/slide3.xml><?xml version="1.0" encoding="utf-8"?>
 <p:sld xmlns:a="http://schemas.openxmlformats.org/drawingml/2006/main" xmlns:r="http://schemas.openxmlformats.org/officeDocument/2006/relationships" xmlns:p="http://schemas.openxmlformats.org/presentationml/2006/main">
   <p:cSld>
@@ -28806,24 +27884,78 @@
                 <a:cs typeface="Times New Roman" panose="02020603050405020304" pitchFamily="18" charset="0"/>
                 <a:hlinkClick r:id="rId4"/>
               </a:rPr>
+              <a:t>https://</a:t>
+            </a:r>
+            <a:r>
+              <a:rPr lang="en-US" sz="2000" dirty="0" smtClean="0">
+                <a:latin typeface="Times New Roman" panose="02020603050405020304" pitchFamily="18" charset="0"/>
+                <a:cs typeface="Times New Roman" panose="02020603050405020304" pitchFamily="18" charset="0"/>
+                <a:hlinkClick r:id="rId4"/>
+              </a:rPr>
+              <a:t>www.smartsheet.com/free-work-breakdown-structure-templates</a:t>
+            </a:r>
+            <a:endParaRPr lang="en-US" sz="2000" dirty="0" smtClean="0">
+              <a:latin typeface="Times New Roman" panose="02020603050405020304" pitchFamily="18" charset="0"/>
+              <a:cs typeface="Times New Roman" panose="02020603050405020304" pitchFamily="18" charset="0"/>
+            </a:endParaRPr>
+          </a:p>
+          <a:p>
+            <a:pPr lvl="1">
+              <a:buFont typeface="Wingdings" panose="05000000000000000000" pitchFamily="2" charset="2"/>
+              <a:buChar char="§"/>
+            </a:pPr>
+            <a:r>
+              <a:rPr lang="en-US" dirty="0">
+                <a:latin typeface="Times New Roman" panose="02020603050405020304" pitchFamily="18" charset="0"/>
+                <a:cs typeface="Times New Roman" panose="02020603050405020304" pitchFamily="18" charset="0"/>
+                <a:hlinkClick r:id="rId5"/>
+              </a:rPr>
+              <a:t>https://</a:t>
+            </a:r>
+            <a:r>
+              <a:rPr lang="en-US" dirty="0" smtClean="0">
+                <a:latin typeface="Times New Roman" panose="02020603050405020304" pitchFamily="18" charset="0"/>
+                <a:cs typeface="Times New Roman" panose="02020603050405020304" pitchFamily="18" charset="0"/>
+                <a:hlinkClick r:id="rId5"/>
+              </a:rPr>
+              <a:t>viblo.asia/p/ky-thuat-uoc-luong-co-ban-trong-agile-XL6lAyjrlek</a:t>
+            </a:r>
+            <a:endParaRPr lang="en-US" dirty="0" smtClean="0">
+              <a:latin typeface="Times New Roman" panose="02020603050405020304" pitchFamily="18" charset="0"/>
+              <a:cs typeface="Times New Roman" panose="02020603050405020304" pitchFamily="18" charset="0"/>
+            </a:endParaRPr>
+          </a:p>
+          <a:p>
+            <a:pPr lvl="1">
+              <a:buFont typeface="Wingdings" panose="05000000000000000000" pitchFamily="2" charset="2"/>
+              <a:buChar char="§"/>
+            </a:pPr>
+            <a:r>
+              <a:rPr lang="en-US" dirty="0" smtClean="0">
+                <a:latin typeface="Times New Roman" panose="02020603050405020304" pitchFamily="18" charset="0"/>
+                <a:cs typeface="Times New Roman" panose="02020603050405020304" pitchFamily="18" charset="0"/>
+                <a:hlinkClick r:id="rId6"/>
+              </a:rPr>
               <a:t>https</a:t>
             </a:r>
             <a:r>
-              <a:rPr lang="en-US" sz="2000">
-                <a:latin typeface="Times New Roman" panose="02020603050405020304" pitchFamily="18" charset="0"/>
-                <a:cs typeface="Times New Roman" panose="02020603050405020304" pitchFamily="18" charset="0"/>
-                <a:hlinkClick r:id="rId4"/>
-              </a:rPr>
-              <a:t>://</a:t>
-            </a:r>
-            <a:r>
-              <a:rPr lang="en-US" sz="2000" smtClean="0">
-                <a:latin typeface="Times New Roman" panose="02020603050405020304" pitchFamily="18" charset="0"/>
-                <a:cs typeface="Times New Roman" panose="02020603050405020304" pitchFamily="18" charset="0"/>
-                <a:hlinkClick r:id="rId4"/>
-              </a:rPr>
-              <a:t>www.smartsheet.com/free-work-breakdown-structure-templates</a:t>
-            </a:r>
+              <a:rPr lang="en-US" dirty="0">
+                <a:latin typeface="Times New Roman" panose="02020603050405020304" pitchFamily="18" charset="0"/>
+                <a:cs typeface="Times New Roman" panose="02020603050405020304" pitchFamily="18" charset="0"/>
+                <a:hlinkClick r:id="rId6"/>
+              </a:rPr>
+              <a:t>://hanoiscrum.net/hnscrum/blogs1/120-user-story-point-velocity-va-lp-k-hoch-phat-hanh</a:t>
+            </a:r>
+            <a:endParaRPr lang="en-US" dirty="0">
+              <a:latin typeface="Times New Roman" panose="02020603050405020304" pitchFamily="18" charset="0"/>
+              <a:cs typeface="Times New Roman" panose="02020603050405020304" pitchFamily="18" charset="0"/>
+            </a:endParaRPr>
+          </a:p>
+          <a:p>
+            <a:pPr lvl="1">
+              <a:buFont typeface="Wingdings" panose="05000000000000000000" pitchFamily="2" charset="2"/>
+              <a:buChar char="§"/>
+            </a:pPr>
             <a:endParaRPr lang="en-US" sz="2000" dirty="0" smtClean="0">
               <a:latin typeface="Times New Roman" panose="02020603050405020304" pitchFamily="18" charset="0"/>
               <a:cs typeface="Times New Roman" panose="02020603050405020304" pitchFamily="18" charset="0"/>
@@ -30423,473 +29555,6 @@
           <p:cNvPr id="2" name="Title 1">
             <a:extLst>
               <a:ext uri="{FF2B5EF4-FFF2-40B4-BE49-F238E27FC236}">
-                <a16:creationId xmlns:a16="http://schemas.microsoft.com/office/drawing/2014/main" id="{F8398EB2-2CD7-4A32-9A0C-2B72BFD01233}"/>
-              </a:ext>
-            </a:extLst>
-          </p:cNvPr>
-          <p:cNvSpPr>
-            <a:spLocks noGrp="1"/>
-          </p:cNvSpPr>
-          <p:nvPr>
-            <p:ph type="title"/>
-          </p:nvPr>
-        </p:nvSpPr>
-        <p:spPr/>
-        <p:txBody>
-          <a:bodyPr>
-            <a:normAutofit/>
-          </a:bodyPr>
-          <a:lstStyle/>
-          <a:p>
-            <a:r>
-              <a:rPr lang="en-US" sz="4000" dirty="0" err="1">
-                <a:latin typeface="Times New Roman" panose="02020603050405020304" pitchFamily="18" charset="0"/>
-                <a:cs typeface="Times New Roman" panose="02020603050405020304" pitchFamily="18" charset="0"/>
-              </a:rPr>
-              <a:t>Danh</a:t>
-            </a:r>
-            <a:r>
-              <a:rPr lang="en-US" sz="4000" dirty="0">
-                <a:latin typeface="Times New Roman" panose="02020603050405020304" pitchFamily="18" charset="0"/>
-                <a:cs typeface="Times New Roman" panose="02020603050405020304" pitchFamily="18" charset="0"/>
-              </a:rPr>
-              <a:t> </a:t>
-            </a:r>
-            <a:r>
-              <a:rPr lang="en-US" sz="4000" dirty="0" err="1">
-                <a:latin typeface="Times New Roman" panose="02020603050405020304" pitchFamily="18" charset="0"/>
-                <a:cs typeface="Times New Roman" panose="02020603050405020304" pitchFamily="18" charset="0"/>
-              </a:rPr>
-              <a:t>mục</a:t>
-            </a:r>
-            <a:r>
-              <a:rPr lang="en-US" sz="4000" dirty="0">
-                <a:latin typeface="Times New Roman" panose="02020603050405020304" pitchFamily="18" charset="0"/>
-                <a:cs typeface="Times New Roman" panose="02020603050405020304" pitchFamily="18" charset="0"/>
-              </a:rPr>
-              <a:t> </a:t>
-            </a:r>
-            <a:r>
-              <a:rPr lang="en-US" sz="4000" dirty="0" err="1">
-                <a:latin typeface="Times New Roman" panose="02020603050405020304" pitchFamily="18" charset="0"/>
-                <a:cs typeface="Times New Roman" panose="02020603050405020304" pitchFamily="18" charset="0"/>
-              </a:rPr>
-              <a:t>các</a:t>
-            </a:r>
-            <a:r>
-              <a:rPr lang="en-US" sz="4000" dirty="0">
-                <a:latin typeface="Times New Roman" panose="02020603050405020304" pitchFamily="18" charset="0"/>
-                <a:cs typeface="Times New Roman" panose="02020603050405020304" pitchFamily="18" charset="0"/>
-              </a:rPr>
-              <a:t> </a:t>
-            </a:r>
-            <a:r>
-              <a:rPr lang="en-US" sz="4000" dirty="0" err="1">
-                <a:latin typeface="Times New Roman" panose="02020603050405020304" pitchFamily="18" charset="0"/>
-                <a:cs typeface="Times New Roman" panose="02020603050405020304" pitchFamily="18" charset="0"/>
-              </a:rPr>
-              <a:t>Tài</a:t>
-            </a:r>
-            <a:r>
-              <a:rPr lang="en-US" sz="4000" dirty="0">
-                <a:latin typeface="Times New Roman" panose="02020603050405020304" pitchFamily="18" charset="0"/>
-                <a:cs typeface="Times New Roman" panose="02020603050405020304" pitchFamily="18" charset="0"/>
-              </a:rPr>
-              <a:t> </a:t>
-            </a:r>
-            <a:r>
-              <a:rPr lang="en-US" sz="4000" dirty="0" err="1">
-                <a:latin typeface="Times New Roman" panose="02020603050405020304" pitchFamily="18" charset="0"/>
-                <a:cs typeface="Times New Roman" panose="02020603050405020304" pitchFamily="18" charset="0"/>
-              </a:rPr>
-              <a:t>liệu</a:t>
-            </a:r>
-            <a:r>
-              <a:rPr lang="en-US" sz="4000" dirty="0">
-                <a:latin typeface="Times New Roman" panose="02020603050405020304" pitchFamily="18" charset="0"/>
-                <a:cs typeface="Times New Roman" panose="02020603050405020304" pitchFamily="18" charset="0"/>
-              </a:rPr>
-              <a:t> </a:t>
-            </a:r>
-            <a:r>
-              <a:rPr lang="en-US" sz="4000" dirty="0" err="1">
-                <a:latin typeface="Times New Roman" panose="02020603050405020304" pitchFamily="18" charset="0"/>
-                <a:cs typeface="Times New Roman" panose="02020603050405020304" pitchFamily="18" charset="0"/>
-              </a:rPr>
-              <a:t>tham</a:t>
-            </a:r>
-            <a:r>
-              <a:rPr lang="en-US" sz="4000" dirty="0">
-                <a:latin typeface="Times New Roman" panose="02020603050405020304" pitchFamily="18" charset="0"/>
-                <a:cs typeface="Times New Roman" panose="02020603050405020304" pitchFamily="18" charset="0"/>
-              </a:rPr>
-              <a:t> </a:t>
-            </a:r>
-            <a:r>
-              <a:rPr lang="en-US" sz="4000" dirty="0" err="1">
-                <a:latin typeface="Times New Roman" panose="02020603050405020304" pitchFamily="18" charset="0"/>
-                <a:cs typeface="Times New Roman" panose="02020603050405020304" pitchFamily="18" charset="0"/>
-              </a:rPr>
-              <a:t>khảo</a:t>
-            </a:r>
-            <a:endParaRPr lang="en-US" sz="4000" dirty="0">
-              <a:latin typeface="Times New Roman" panose="02020603050405020304" pitchFamily="18" charset="0"/>
-              <a:cs typeface="Times New Roman" panose="02020603050405020304" pitchFamily="18" charset="0"/>
-            </a:endParaRPr>
-          </a:p>
-        </p:txBody>
-      </p:sp>
-      <p:sp>
-        <p:nvSpPr>
-          <p:cNvPr id="3" name="Content Placeholder 2">
-            <a:extLst>
-              <a:ext uri="{FF2B5EF4-FFF2-40B4-BE49-F238E27FC236}">
-                <a16:creationId xmlns:a16="http://schemas.microsoft.com/office/drawing/2014/main" id="{E9AEBA77-1274-4BE4-8B07-013B8F605578}"/>
-              </a:ext>
-            </a:extLst>
-          </p:cNvPr>
-          <p:cNvSpPr>
-            <a:spLocks noGrp="1"/>
-          </p:cNvSpPr>
-          <p:nvPr>
-            <p:ph idx="1"/>
-          </p:nvPr>
-        </p:nvSpPr>
-        <p:spPr/>
-        <p:txBody>
-          <a:bodyPr/>
-          <a:lstStyle/>
-          <a:p>
-            <a:r>
-              <a:rPr lang="en-US" dirty="0">
-                <a:latin typeface="Times New Roman" panose="02020603050405020304" pitchFamily="18" charset="0"/>
-                <a:cs typeface="Times New Roman" panose="02020603050405020304" pitchFamily="18" charset="0"/>
-                <a:hlinkClick r:id="rId2"/>
-              </a:rPr>
-              <a:t>https://</a:t>
-            </a:r>
-            <a:r>
-              <a:rPr lang="en-US" dirty="0" err="1">
-                <a:latin typeface="Times New Roman" panose="02020603050405020304" pitchFamily="18" charset="0"/>
-                <a:cs typeface="Times New Roman" panose="02020603050405020304" pitchFamily="18" charset="0"/>
-                <a:hlinkClick r:id="rId2"/>
-              </a:rPr>
-              <a:t>viblo.asia</a:t>
-            </a:r>
-            <a:r>
-              <a:rPr lang="en-US" dirty="0">
-                <a:latin typeface="Times New Roman" panose="02020603050405020304" pitchFamily="18" charset="0"/>
-                <a:cs typeface="Times New Roman" panose="02020603050405020304" pitchFamily="18" charset="0"/>
-                <a:hlinkClick r:id="rId2"/>
-              </a:rPr>
-              <a:t>/p/</a:t>
-            </a:r>
-            <a:r>
-              <a:rPr lang="en-US" dirty="0" err="1">
-                <a:latin typeface="Times New Roman" panose="02020603050405020304" pitchFamily="18" charset="0"/>
-                <a:cs typeface="Times New Roman" panose="02020603050405020304" pitchFamily="18" charset="0"/>
-                <a:hlinkClick r:id="rId2"/>
-              </a:rPr>
-              <a:t>ky</a:t>
-            </a:r>
-            <a:r>
-              <a:rPr lang="en-US" dirty="0">
-                <a:latin typeface="Times New Roman" panose="02020603050405020304" pitchFamily="18" charset="0"/>
-                <a:cs typeface="Times New Roman" panose="02020603050405020304" pitchFamily="18" charset="0"/>
-                <a:hlinkClick r:id="rId2"/>
-              </a:rPr>
-              <a:t>-</a:t>
-            </a:r>
-            <a:r>
-              <a:rPr lang="en-US" dirty="0" err="1">
-                <a:latin typeface="Times New Roman" panose="02020603050405020304" pitchFamily="18" charset="0"/>
-                <a:cs typeface="Times New Roman" panose="02020603050405020304" pitchFamily="18" charset="0"/>
-                <a:hlinkClick r:id="rId2"/>
-              </a:rPr>
-              <a:t>thuat</a:t>
-            </a:r>
-            <a:r>
-              <a:rPr lang="en-US" dirty="0">
-                <a:latin typeface="Times New Roman" panose="02020603050405020304" pitchFamily="18" charset="0"/>
-                <a:cs typeface="Times New Roman" panose="02020603050405020304" pitchFamily="18" charset="0"/>
-                <a:hlinkClick r:id="rId2"/>
-              </a:rPr>
-              <a:t>-</a:t>
-            </a:r>
-            <a:r>
-              <a:rPr lang="en-US" dirty="0" err="1">
-                <a:latin typeface="Times New Roman" panose="02020603050405020304" pitchFamily="18" charset="0"/>
-                <a:cs typeface="Times New Roman" panose="02020603050405020304" pitchFamily="18" charset="0"/>
-                <a:hlinkClick r:id="rId2"/>
-              </a:rPr>
-              <a:t>uoc</a:t>
-            </a:r>
-            <a:r>
-              <a:rPr lang="en-US" dirty="0">
-                <a:latin typeface="Times New Roman" panose="02020603050405020304" pitchFamily="18" charset="0"/>
-                <a:cs typeface="Times New Roman" panose="02020603050405020304" pitchFamily="18" charset="0"/>
-                <a:hlinkClick r:id="rId2"/>
-              </a:rPr>
-              <a:t>-</a:t>
-            </a:r>
-            <a:r>
-              <a:rPr lang="en-US" dirty="0" err="1">
-                <a:latin typeface="Times New Roman" panose="02020603050405020304" pitchFamily="18" charset="0"/>
-                <a:cs typeface="Times New Roman" panose="02020603050405020304" pitchFamily="18" charset="0"/>
-                <a:hlinkClick r:id="rId2"/>
-              </a:rPr>
-              <a:t>luong</a:t>
-            </a:r>
-            <a:r>
-              <a:rPr lang="en-US" dirty="0">
-                <a:latin typeface="Times New Roman" panose="02020603050405020304" pitchFamily="18" charset="0"/>
-                <a:cs typeface="Times New Roman" panose="02020603050405020304" pitchFamily="18" charset="0"/>
-                <a:hlinkClick r:id="rId2"/>
-              </a:rPr>
-              <a:t>-co-ban-</a:t>
-            </a:r>
-            <a:r>
-              <a:rPr lang="en-US" dirty="0" err="1">
-                <a:latin typeface="Times New Roman" panose="02020603050405020304" pitchFamily="18" charset="0"/>
-                <a:cs typeface="Times New Roman" panose="02020603050405020304" pitchFamily="18" charset="0"/>
-                <a:hlinkClick r:id="rId2"/>
-              </a:rPr>
-              <a:t>trong</a:t>
-            </a:r>
-            <a:r>
-              <a:rPr lang="en-US" dirty="0">
-                <a:latin typeface="Times New Roman" panose="02020603050405020304" pitchFamily="18" charset="0"/>
-                <a:cs typeface="Times New Roman" panose="02020603050405020304" pitchFamily="18" charset="0"/>
-                <a:hlinkClick r:id="rId2"/>
-              </a:rPr>
-              <a:t>-agile-</a:t>
-            </a:r>
-            <a:r>
-              <a:rPr lang="en-US" dirty="0" err="1">
-                <a:latin typeface="Times New Roman" panose="02020603050405020304" pitchFamily="18" charset="0"/>
-                <a:cs typeface="Times New Roman" panose="02020603050405020304" pitchFamily="18" charset="0"/>
-                <a:hlinkClick r:id="rId2"/>
-              </a:rPr>
-              <a:t>XL6lAyjrlek</a:t>
-            </a:r>
-            <a:endParaRPr lang="en-US" dirty="0">
-              <a:latin typeface="Times New Roman" panose="02020603050405020304" pitchFamily="18" charset="0"/>
-              <a:cs typeface="Times New Roman" panose="02020603050405020304" pitchFamily="18" charset="0"/>
-            </a:endParaRPr>
-          </a:p>
-          <a:p>
-            <a:r>
-              <a:rPr lang="en-US" dirty="0">
-                <a:latin typeface="Times New Roman" panose="02020603050405020304" pitchFamily="18" charset="0"/>
-                <a:cs typeface="Times New Roman" panose="02020603050405020304" pitchFamily="18" charset="0"/>
-                <a:hlinkClick r:id="rId3"/>
-              </a:rPr>
-              <a:t>https://</a:t>
-            </a:r>
-            <a:r>
-              <a:rPr lang="en-US" dirty="0" err="1">
-                <a:latin typeface="Times New Roman" panose="02020603050405020304" pitchFamily="18" charset="0"/>
-                <a:cs typeface="Times New Roman" panose="02020603050405020304" pitchFamily="18" charset="0"/>
-                <a:hlinkClick r:id="rId3"/>
-              </a:rPr>
-              <a:t>hocvienagile.com</a:t>
-            </a:r>
-            <a:r>
-              <a:rPr lang="en-US" dirty="0">
-                <a:latin typeface="Times New Roman" panose="02020603050405020304" pitchFamily="18" charset="0"/>
-                <a:cs typeface="Times New Roman" panose="02020603050405020304" pitchFamily="18" charset="0"/>
-                <a:hlinkClick r:id="rId3"/>
-              </a:rPr>
-              <a:t>/</a:t>
-            </a:r>
-            <a:r>
-              <a:rPr lang="en-US" dirty="0" err="1">
-                <a:latin typeface="Times New Roman" panose="02020603050405020304" pitchFamily="18" charset="0"/>
-                <a:cs typeface="Times New Roman" panose="02020603050405020304" pitchFamily="18" charset="0"/>
-                <a:hlinkClick r:id="rId3"/>
-              </a:rPr>
-              <a:t>agipedia</a:t>
-            </a:r>
-            <a:r>
-              <a:rPr lang="en-US" dirty="0">
-                <a:latin typeface="Times New Roman" panose="02020603050405020304" pitchFamily="18" charset="0"/>
-                <a:cs typeface="Times New Roman" panose="02020603050405020304" pitchFamily="18" charset="0"/>
-                <a:hlinkClick r:id="rId3"/>
-              </a:rPr>
-              <a:t>/user-story/</a:t>
-            </a:r>
-            <a:endParaRPr lang="en-US" dirty="0">
-              <a:latin typeface="Times New Roman" panose="02020603050405020304" pitchFamily="18" charset="0"/>
-              <a:cs typeface="Times New Roman" panose="02020603050405020304" pitchFamily="18" charset="0"/>
-            </a:endParaRPr>
-          </a:p>
-          <a:p>
-            <a:r>
-              <a:rPr lang="en-US" dirty="0">
-                <a:latin typeface="Times New Roman" panose="02020603050405020304" pitchFamily="18" charset="0"/>
-                <a:cs typeface="Times New Roman" panose="02020603050405020304" pitchFamily="18" charset="0"/>
-                <a:hlinkClick r:id="rId4"/>
-              </a:rPr>
-              <a:t>https://</a:t>
-            </a:r>
-            <a:r>
-              <a:rPr lang="en-US" dirty="0" err="1">
-                <a:latin typeface="Times New Roman" panose="02020603050405020304" pitchFamily="18" charset="0"/>
-                <a:cs typeface="Times New Roman" panose="02020603050405020304" pitchFamily="18" charset="0"/>
-                <a:hlinkClick r:id="rId4"/>
-              </a:rPr>
-              <a:t>hanoiscrum.net</a:t>
-            </a:r>
-            <a:r>
-              <a:rPr lang="en-US" dirty="0">
-                <a:latin typeface="Times New Roman" panose="02020603050405020304" pitchFamily="18" charset="0"/>
-                <a:cs typeface="Times New Roman" panose="02020603050405020304" pitchFamily="18" charset="0"/>
-                <a:hlinkClick r:id="rId4"/>
-              </a:rPr>
-              <a:t>/</a:t>
-            </a:r>
-            <a:r>
-              <a:rPr lang="en-US" dirty="0" err="1">
-                <a:latin typeface="Times New Roman" panose="02020603050405020304" pitchFamily="18" charset="0"/>
-                <a:cs typeface="Times New Roman" panose="02020603050405020304" pitchFamily="18" charset="0"/>
-                <a:hlinkClick r:id="rId4"/>
-              </a:rPr>
-              <a:t>hnscrum</a:t>
-            </a:r>
-            <a:r>
-              <a:rPr lang="en-US" dirty="0">
-                <a:latin typeface="Times New Roman" panose="02020603050405020304" pitchFamily="18" charset="0"/>
-                <a:cs typeface="Times New Roman" panose="02020603050405020304" pitchFamily="18" charset="0"/>
-                <a:hlinkClick r:id="rId4"/>
-              </a:rPr>
-              <a:t>/</a:t>
-            </a:r>
-            <a:r>
-              <a:rPr lang="en-US" dirty="0" err="1">
-                <a:latin typeface="Times New Roman" panose="02020603050405020304" pitchFamily="18" charset="0"/>
-                <a:cs typeface="Times New Roman" panose="02020603050405020304" pitchFamily="18" charset="0"/>
-                <a:hlinkClick r:id="rId4"/>
-              </a:rPr>
-              <a:t>blogs1</a:t>
-            </a:r>
-            <a:r>
-              <a:rPr lang="en-US" dirty="0">
-                <a:latin typeface="Times New Roman" panose="02020603050405020304" pitchFamily="18" charset="0"/>
-                <a:cs typeface="Times New Roman" panose="02020603050405020304" pitchFamily="18" charset="0"/>
-                <a:hlinkClick r:id="rId4"/>
-              </a:rPr>
-              <a:t>/120-user-story-point-velocity-</a:t>
-            </a:r>
-            <a:r>
-              <a:rPr lang="en-US" dirty="0" err="1">
-                <a:latin typeface="Times New Roman" panose="02020603050405020304" pitchFamily="18" charset="0"/>
-                <a:cs typeface="Times New Roman" panose="02020603050405020304" pitchFamily="18" charset="0"/>
-                <a:hlinkClick r:id="rId4"/>
-              </a:rPr>
-              <a:t>va</a:t>
-            </a:r>
-            <a:r>
-              <a:rPr lang="en-US" dirty="0">
-                <a:latin typeface="Times New Roman" panose="02020603050405020304" pitchFamily="18" charset="0"/>
-                <a:cs typeface="Times New Roman" panose="02020603050405020304" pitchFamily="18" charset="0"/>
-                <a:hlinkClick r:id="rId4"/>
-              </a:rPr>
-              <a:t>-</a:t>
-            </a:r>
-            <a:r>
-              <a:rPr lang="en-US" dirty="0" err="1">
-                <a:latin typeface="Times New Roman" panose="02020603050405020304" pitchFamily="18" charset="0"/>
-                <a:cs typeface="Times New Roman" panose="02020603050405020304" pitchFamily="18" charset="0"/>
-                <a:hlinkClick r:id="rId4"/>
-              </a:rPr>
-              <a:t>lp</a:t>
-            </a:r>
-            <a:r>
-              <a:rPr lang="en-US" dirty="0">
-                <a:latin typeface="Times New Roman" panose="02020603050405020304" pitchFamily="18" charset="0"/>
-                <a:cs typeface="Times New Roman" panose="02020603050405020304" pitchFamily="18" charset="0"/>
-                <a:hlinkClick r:id="rId4"/>
-              </a:rPr>
-              <a:t>-k-</a:t>
-            </a:r>
-            <a:r>
-              <a:rPr lang="en-US" dirty="0" err="1">
-                <a:latin typeface="Times New Roman" panose="02020603050405020304" pitchFamily="18" charset="0"/>
-                <a:cs typeface="Times New Roman" panose="02020603050405020304" pitchFamily="18" charset="0"/>
-                <a:hlinkClick r:id="rId4"/>
-              </a:rPr>
-              <a:t>hoch</a:t>
-            </a:r>
-            <a:r>
-              <a:rPr lang="en-US" dirty="0">
-                <a:latin typeface="Times New Roman" panose="02020603050405020304" pitchFamily="18" charset="0"/>
-                <a:cs typeface="Times New Roman" panose="02020603050405020304" pitchFamily="18" charset="0"/>
-                <a:hlinkClick r:id="rId4"/>
-              </a:rPr>
-              <a:t>-phat-</a:t>
-            </a:r>
-            <a:r>
-              <a:rPr lang="en-US" dirty="0" err="1">
-                <a:latin typeface="Times New Roman" panose="02020603050405020304" pitchFamily="18" charset="0"/>
-                <a:cs typeface="Times New Roman" panose="02020603050405020304" pitchFamily="18" charset="0"/>
-                <a:hlinkClick r:id="rId4"/>
-              </a:rPr>
-              <a:t>hanh</a:t>
-            </a:r>
-            <a:endParaRPr lang="en-US" dirty="0">
-              <a:latin typeface="Times New Roman" panose="02020603050405020304" pitchFamily="18" charset="0"/>
-              <a:cs typeface="Times New Roman" panose="02020603050405020304" pitchFamily="18" charset="0"/>
-            </a:endParaRPr>
-          </a:p>
-        </p:txBody>
-      </p:sp>
-    </p:spTree>
-    <p:extLst>
-      <p:ext uri="{BB962C8B-B14F-4D97-AF65-F5344CB8AC3E}">
-        <p14:creationId xmlns:p14="http://schemas.microsoft.com/office/powerpoint/2010/main" val="4190668079"/>
-      </p:ext>
-    </p:extLst>
-  </p:cSld>
-  <p:clrMapOvr>
-    <a:masterClrMapping/>
-  </p:clrMapOvr>
-  <mc:AlternateContent xmlns:mc="http://schemas.openxmlformats.org/markup-compatibility/2006" xmlns:p14="http://schemas.microsoft.com/office/powerpoint/2010/main">
-    <mc:Choice Requires="p14">
-      <p:transition spd="slow" p14:dur="1500">
-        <p:split orient="vert"/>
-      </p:transition>
-    </mc:Choice>
-    <mc:Fallback xmlns="">
-      <p:transition spd="slow">
-        <p:split orient="vert"/>
-      </p:transition>
-    </mc:Fallback>
-  </mc:AlternateContent>
-</p:sld>
-</file>
-
-<file path=ppt/slides/slide7.xml><?xml version="1.0" encoding="utf-8"?>
-<p:sld xmlns:a="http://schemas.openxmlformats.org/drawingml/2006/main" xmlns:r="http://schemas.openxmlformats.org/officeDocument/2006/relationships" xmlns:p="http://schemas.openxmlformats.org/presentationml/2006/main">
-  <p:cSld>
-    <p:spTree>
-      <p:nvGrpSpPr>
-        <p:cNvPr id="1" name=""/>
-        <p:cNvGrpSpPr/>
-        <p:nvPr/>
-      </p:nvGrpSpPr>
-      <p:grpSpPr>
-        <a:xfrm>
-          <a:off x="0" y="0"/>
-          <a:ext cx="0" cy="0"/>
-          <a:chOff x="0" y="0"/>
-          <a:chExt cx="0" cy="0"/>
-        </a:xfrm>
-      </p:grpSpPr>
-      <p:sp>
-        <p:nvSpPr>
-          <p:cNvPr id="2" name="Title 1">
-            <a:extLst>
-              <a:ext uri="{FF2B5EF4-FFF2-40B4-BE49-F238E27FC236}">
                 <a16:creationId xmlns:a16="http://schemas.microsoft.com/office/drawing/2014/main" id="{4DEE0525-B526-4433-BF77-ACCF19D53CAF}"/>
               </a:ext>
             </a:extLst>
@@ -31734,7 +30399,7 @@
 </p:sld>
 </file>
 
-<file path=ppt/slides/slide8.xml><?xml version="1.0" encoding="utf-8"?>
+<file path=ppt/slides/slide7.xml><?xml version="1.0" encoding="utf-8"?>
 <p:sld xmlns:a="http://schemas.openxmlformats.org/drawingml/2006/main" xmlns:r="http://schemas.openxmlformats.org/officeDocument/2006/relationships" xmlns:p="http://schemas.openxmlformats.org/presentationml/2006/main">
   <p:cSld>
     <p:spTree>
@@ -32446,7 +31111,7 @@
 </p:sld>
 </file>
 
-<file path=ppt/slides/slide9.xml><?xml version="1.0" encoding="utf-8"?>
+<file path=ppt/slides/slide8.xml><?xml version="1.0" encoding="utf-8"?>
 <p:sld xmlns:a="http://schemas.openxmlformats.org/drawingml/2006/main" xmlns:r="http://schemas.openxmlformats.org/officeDocument/2006/relationships" xmlns:p="http://schemas.openxmlformats.org/presentationml/2006/main">
   <p:cSld>
     <p:spTree>
@@ -34103,6 +32768,927 @@
     <p:extLst>
       <p:ext uri="{BB962C8B-B14F-4D97-AF65-F5344CB8AC3E}">
         <p14:creationId xmlns:p14="http://schemas.microsoft.com/office/powerpoint/2010/main" val="2796112306"/>
+      </p:ext>
+    </p:extLst>
+  </p:cSld>
+  <p:clrMapOvr>
+    <a:masterClrMapping/>
+  </p:clrMapOvr>
+  <mc:AlternateContent xmlns:mc="http://schemas.openxmlformats.org/markup-compatibility/2006" xmlns:p14="http://schemas.microsoft.com/office/powerpoint/2010/main">
+    <mc:Choice Requires="p14">
+      <p:transition spd="slow" p14:dur="1500">
+        <p:split orient="vert"/>
+      </p:transition>
+    </mc:Choice>
+    <mc:Fallback xmlns="">
+      <p:transition spd="slow">
+        <p:split orient="vert"/>
+      </p:transition>
+    </mc:Fallback>
+  </mc:AlternateContent>
+</p:sld>
+</file>
+
+<file path=ppt/slides/slide9.xml><?xml version="1.0" encoding="utf-8"?>
+<p:sld xmlns:a="http://schemas.openxmlformats.org/drawingml/2006/main" xmlns:r="http://schemas.openxmlformats.org/officeDocument/2006/relationships" xmlns:p="http://schemas.openxmlformats.org/presentationml/2006/main">
+  <p:cSld>
+    <p:spTree>
+      <p:nvGrpSpPr>
+        <p:cNvPr id="1" name=""/>
+        <p:cNvGrpSpPr/>
+        <p:nvPr/>
+      </p:nvGrpSpPr>
+      <p:grpSpPr>
+        <a:xfrm>
+          <a:off x="0" y="0"/>
+          <a:ext cx="0" cy="0"/>
+          <a:chOff x="0" y="0"/>
+          <a:chExt cx="0" cy="0"/>
+        </a:xfrm>
+      </p:grpSpPr>
+      <p:sp>
+        <p:nvSpPr>
+          <p:cNvPr id="2" name="Title 1">
+            <a:extLst>
+              <a:ext uri="{FF2B5EF4-FFF2-40B4-BE49-F238E27FC236}">
+                <a16:creationId xmlns:a16="http://schemas.microsoft.com/office/drawing/2014/main" id="{41309231-CE66-488B-B378-B576D1B81276}"/>
+              </a:ext>
+            </a:extLst>
+          </p:cNvPr>
+          <p:cNvSpPr>
+            <a:spLocks noGrp="1"/>
+          </p:cNvSpPr>
+          <p:nvPr>
+            <p:ph type="title"/>
+          </p:nvPr>
+        </p:nvSpPr>
+        <p:spPr>
+          <a:xfrm>
+            <a:off x="1097280" y="457200"/>
+            <a:ext cx="10058400" cy="2088776"/>
+          </a:xfrm>
+        </p:spPr>
+        <p:txBody>
+          <a:bodyPr>
+            <a:noAutofit/>
+          </a:bodyPr>
+          <a:lstStyle/>
+          <a:p>
+            <a:r>
+              <a:rPr lang="en-US" sz="4000" dirty="0">
+                <a:latin typeface="Times New Roman" panose="02020603050405020304" pitchFamily="18" charset="0"/>
+                <a:cs typeface="Times New Roman" panose="02020603050405020304" pitchFamily="18" charset="0"/>
+              </a:rPr>
+              <a:t>4. Theo </a:t>
+            </a:r>
+            <a:r>
+              <a:rPr lang="en-US" sz="4000" dirty="0" err="1">
+                <a:latin typeface="Times New Roman" panose="02020603050405020304" pitchFamily="18" charset="0"/>
+                <a:cs typeface="Times New Roman" panose="02020603050405020304" pitchFamily="18" charset="0"/>
+              </a:rPr>
+              <a:t>tính</a:t>
+            </a:r>
+            <a:r>
+              <a:rPr lang="en-US" sz="4000" dirty="0">
+                <a:latin typeface="Times New Roman" panose="02020603050405020304" pitchFamily="18" charset="0"/>
+                <a:cs typeface="Times New Roman" panose="02020603050405020304" pitchFamily="18" charset="0"/>
+              </a:rPr>
+              <a:t> </a:t>
+            </a:r>
+            <a:r>
+              <a:rPr lang="en-US" sz="4000" dirty="0" err="1">
+                <a:latin typeface="Times New Roman" panose="02020603050405020304" pitchFamily="18" charset="0"/>
+                <a:cs typeface="Times New Roman" panose="02020603050405020304" pitchFamily="18" charset="0"/>
+              </a:rPr>
+              <a:t>toán</a:t>
+            </a:r>
+            <a:r>
+              <a:rPr lang="en-US" sz="4000" dirty="0">
+                <a:latin typeface="Times New Roman" panose="02020603050405020304" pitchFamily="18" charset="0"/>
+                <a:cs typeface="Times New Roman" panose="02020603050405020304" pitchFamily="18" charset="0"/>
+              </a:rPr>
+              <a:t> </a:t>
+            </a:r>
+            <a:r>
+              <a:rPr lang="en-US" sz="4000" dirty="0" err="1">
+                <a:latin typeface="Times New Roman" panose="02020603050405020304" pitchFamily="18" charset="0"/>
+                <a:cs typeface="Times New Roman" panose="02020603050405020304" pitchFamily="18" charset="0"/>
+              </a:rPr>
+              <a:t>thực</a:t>
+            </a:r>
+            <a:r>
+              <a:rPr lang="en-US" sz="4000" dirty="0">
+                <a:latin typeface="Times New Roman" panose="02020603050405020304" pitchFamily="18" charset="0"/>
+                <a:cs typeface="Times New Roman" panose="02020603050405020304" pitchFamily="18" charset="0"/>
+              </a:rPr>
+              <a:t> </a:t>
+            </a:r>
+            <a:r>
+              <a:rPr lang="en-US" sz="4000" dirty="0" err="1">
+                <a:latin typeface="Times New Roman" panose="02020603050405020304" pitchFamily="18" charset="0"/>
+                <a:cs typeface="Times New Roman" panose="02020603050405020304" pitchFamily="18" charset="0"/>
+              </a:rPr>
+              <a:t>tế</a:t>
+            </a:r>
+            <a:r>
+              <a:rPr lang="en-US" sz="4000" dirty="0">
+                <a:latin typeface="Times New Roman" panose="02020603050405020304" pitchFamily="18" charset="0"/>
+                <a:cs typeface="Times New Roman" panose="02020603050405020304" pitchFamily="18" charset="0"/>
+              </a:rPr>
+              <a:t>, </a:t>
+            </a:r>
+            <a:r>
+              <a:rPr lang="en-US" sz="4000" dirty="0" err="1">
+                <a:latin typeface="Times New Roman" panose="02020603050405020304" pitchFamily="18" charset="0"/>
+                <a:cs typeface="Times New Roman" panose="02020603050405020304" pitchFamily="18" charset="0"/>
+              </a:rPr>
+              <a:t>nhóm</a:t>
+            </a:r>
+            <a:r>
+              <a:rPr lang="en-US" sz="4000" dirty="0">
+                <a:latin typeface="Times New Roman" panose="02020603050405020304" pitchFamily="18" charset="0"/>
+                <a:cs typeface="Times New Roman" panose="02020603050405020304" pitchFamily="18" charset="0"/>
+              </a:rPr>
+              <a:t> </a:t>
+            </a:r>
+            <a:r>
+              <a:rPr lang="en-US" sz="4000" dirty="0" err="1">
+                <a:latin typeface="Times New Roman" panose="02020603050405020304" pitchFamily="18" charset="0"/>
+                <a:cs typeface="Times New Roman" panose="02020603050405020304" pitchFamily="18" charset="0"/>
+              </a:rPr>
+              <a:t>cần</a:t>
+            </a:r>
+            <a:r>
+              <a:rPr lang="en-US" sz="4000" dirty="0">
+                <a:latin typeface="Times New Roman" panose="02020603050405020304" pitchFamily="18" charset="0"/>
+                <a:cs typeface="Times New Roman" panose="02020603050405020304" pitchFamily="18" charset="0"/>
+              </a:rPr>
+              <a:t> bao </a:t>
+            </a:r>
+            <a:r>
+              <a:rPr lang="en-US" sz="4000" dirty="0" err="1">
+                <a:latin typeface="Times New Roman" panose="02020603050405020304" pitchFamily="18" charset="0"/>
+                <a:cs typeface="Times New Roman" panose="02020603050405020304" pitchFamily="18" charset="0"/>
+              </a:rPr>
+              <a:t>nhiêu</a:t>
+            </a:r>
+            <a:r>
+              <a:rPr lang="en-US" sz="4000" dirty="0">
+                <a:latin typeface="Times New Roman" panose="02020603050405020304" pitchFamily="18" charset="0"/>
+                <a:cs typeface="Times New Roman" panose="02020603050405020304" pitchFamily="18" charset="0"/>
+              </a:rPr>
+              <a:t> </a:t>
+            </a:r>
+            <a:r>
+              <a:rPr lang="en-US" sz="4000" dirty="0" err="1">
+                <a:latin typeface="Times New Roman" panose="02020603050405020304" pitchFamily="18" charset="0"/>
+                <a:cs typeface="Times New Roman" panose="02020603050405020304" pitchFamily="18" charset="0"/>
+              </a:rPr>
+              <a:t>thời</a:t>
+            </a:r>
+            <a:r>
+              <a:rPr lang="en-US" sz="4000" dirty="0">
+                <a:latin typeface="Times New Roman" panose="02020603050405020304" pitchFamily="18" charset="0"/>
+                <a:cs typeface="Times New Roman" panose="02020603050405020304" pitchFamily="18" charset="0"/>
+              </a:rPr>
+              <a:t> </a:t>
+            </a:r>
+            <a:r>
+              <a:rPr lang="en-US" sz="4000" dirty="0" err="1">
+                <a:latin typeface="Times New Roman" panose="02020603050405020304" pitchFamily="18" charset="0"/>
+                <a:cs typeface="Times New Roman" panose="02020603050405020304" pitchFamily="18" charset="0"/>
+              </a:rPr>
+              <a:t>gian</a:t>
+            </a:r>
+            <a:r>
+              <a:rPr lang="en-US" sz="4000" dirty="0">
+                <a:latin typeface="Times New Roman" panose="02020603050405020304" pitchFamily="18" charset="0"/>
+                <a:cs typeface="Times New Roman" panose="02020603050405020304" pitchFamily="18" charset="0"/>
+              </a:rPr>
+              <a:t>, bao </a:t>
+            </a:r>
+            <a:r>
+              <a:rPr lang="en-US" sz="4000" dirty="0" err="1">
+                <a:latin typeface="Times New Roman" panose="02020603050405020304" pitchFamily="18" charset="0"/>
+                <a:cs typeface="Times New Roman" panose="02020603050405020304" pitchFamily="18" charset="0"/>
+              </a:rPr>
+              <a:t>nhiêu</a:t>
+            </a:r>
+            <a:r>
+              <a:rPr lang="en-US" sz="4000" dirty="0">
+                <a:latin typeface="Times New Roman" panose="02020603050405020304" pitchFamily="18" charset="0"/>
+                <a:cs typeface="Times New Roman" panose="02020603050405020304" pitchFamily="18" charset="0"/>
+              </a:rPr>
+              <a:t> </a:t>
+            </a:r>
+            <a:r>
+              <a:rPr lang="en-US" sz="4000" dirty="0" err="1">
+                <a:latin typeface="Times New Roman" panose="02020603050405020304" pitchFamily="18" charset="0"/>
+                <a:cs typeface="Times New Roman" panose="02020603050405020304" pitchFamily="18" charset="0"/>
+              </a:rPr>
+              <a:t>nhân</a:t>
+            </a:r>
+            <a:r>
+              <a:rPr lang="en-US" sz="4000" dirty="0">
+                <a:latin typeface="Times New Roman" panose="02020603050405020304" pitchFamily="18" charset="0"/>
+                <a:cs typeface="Times New Roman" panose="02020603050405020304" pitchFamily="18" charset="0"/>
+              </a:rPr>
+              <a:t> </a:t>
+            </a:r>
+            <a:r>
+              <a:rPr lang="en-US" sz="4000" dirty="0" err="1">
+                <a:latin typeface="Times New Roman" panose="02020603050405020304" pitchFamily="18" charset="0"/>
+                <a:cs typeface="Times New Roman" panose="02020603050405020304" pitchFamily="18" charset="0"/>
+              </a:rPr>
+              <a:t>lực</a:t>
+            </a:r>
+            <a:r>
+              <a:rPr lang="en-US" sz="4000" dirty="0">
+                <a:latin typeface="Times New Roman" panose="02020603050405020304" pitchFamily="18" charset="0"/>
+                <a:cs typeface="Times New Roman" panose="02020603050405020304" pitchFamily="18" charset="0"/>
+              </a:rPr>
+              <a:t>, bao </a:t>
+            </a:r>
+            <a:r>
+              <a:rPr lang="en-US" sz="4000" dirty="0" err="1">
+                <a:latin typeface="Times New Roman" panose="02020603050405020304" pitchFamily="18" charset="0"/>
+                <a:cs typeface="Times New Roman" panose="02020603050405020304" pitchFamily="18" charset="0"/>
+              </a:rPr>
+              <a:t>nhiêu</a:t>
+            </a:r>
+            <a:r>
+              <a:rPr lang="en-US" sz="4000" dirty="0">
+                <a:latin typeface="Times New Roman" panose="02020603050405020304" pitchFamily="18" charset="0"/>
+                <a:cs typeface="Times New Roman" panose="02020603050405020304" pitchFamily="18" charset="0"/>
+              </a:rPr>
+              <a:t> chi </a:t>
+            </a:r>
+            <a:r>
+              <a:rPr lang="en-US" sz="4000" dirty="0" err="1">
+                <a:latin typeface="Times New Roman" panose="02020603050405020304" pitchFamily="18" charset="0"/>
+                <a:cs typeface="Times New Roman" panose="02020603050405020304" pitchFamily="18" charset="0"/>
+              </a:rPr>
+              <a:t>phí</a:t>
+            </a:r>
+            <a:r>
+              <a:rPr lang="en-US" sz="4000" dirty="0">
+                <a:latin typeface="Times New Roman" panose="02020603050405020304" pitchFamily="18" charset="0"/>
+                <a:cs typeface="Times New Roman" panose="02020603050405020304" pitchFamily="18" charset="0"/>
+              </a:rPr>
+              <a:t> </a:t>
+            </a:r>
+            <a:r>
+              <a:rPr lang="en-US" sz="4000" dirty="0" err="1">
+                <a:latin typeface="Times New Roman" panose="02020603050405020304" pitchFamily="18" charset="0"/>
+                <a:cs typeface="Times New Roman" panose="02020603050405020304" pitchFamily="18" charset="0"/>
+              </a:rPr>
+              <a:t>để</a:t>
+            </a:r>
+            <a:r>
+              <a:rPr lang="en-US" sz="4000" dirty="0">
+                <a:latin typeface="Times New Roman" panose="02020603050405020304" pitchFamily="18" charset="0"/>
+                <a:cs typeface="Times New Roman" panose="02020603050405020304" pitchFamily="18" charset="0"/>
+              </a:rPr>
+              <a:t> </a:t>
+            </a:r>
+            <a:r>
+              <a:rPr lang="en-US" sz="4000" dirty="0" err="1">
+                <a:latin typeface="Times New Roman" panose="02020603050405020304" pitchFamily="18" charset="0"/>
+                <a:cs typeface="Times New Roman" panose="02020603050405020304" pitchFamily="18" charset="0"/>
+              </a:rPr>
+              <a:t>hoàn</a:t>
+            </a:r>
+            <a:r>
+              <a:rPr lang="en-US" sz="4000" dirty="0">
+                <a:latin typeface="Times New Roman" panose="02020603050405020304" pitchFamily="18" charset="0"/>
+                <a:cs typeface="Times New Roman" panose="02020603050405020304" pitchFamily="18" charset="0"/>
+              </a:rPr>
+              <a:t> </a:t>
+            </a:r>
+            <a:r>
+              <a:rPr lang="en-US" sz="4000" dirty="0" err="1">
+                <a:latin typeface="Times New Roman" panose="02020603050405020304" pitchFamily="18" charset="0"/>
+                <a:cs typeface="Times New Roman" panose="02020603050405020304" pitchFamily="18" charset="0"/>
+              </a:rPr>
+              <a:t>thành</a:t>
+            </a:r>
+            <a:r>
+              <a:rPr lang="en-US" sz="4000" dirty="0">
+                <a:latin typeface="Times New Roman" panose="02020603050405020304" pitchFamily="18" charset="0"/>
+                <a:cs typeface="Times New Roman" panose="02020603050405020304" pitchFamily="18" charset="0"/>
+              </a:rPr>
+              <a:t> </a:t>
+            </a:r>
+            <a:r>
+              <a:rPr lang="en-US" sz="4000" dirty="0" err="1">
+                <a:latin typeface="Times New Roman" panose="02020603050405020304" pitchFamily="18" charset="0"/>
+                <a:cs typeface="Times New Roman" panose="02020603050405020304" pitchFamily="18" charset="0"/>
+              </a:rPr>
+              <a:t>đồ</a:t>
+            </a:r>
+            <a:r>
+              <a:rPr lang="en-US" sz="4000" dirty="0">
+                <a:latin typeface="Times New Roman" panose="02020603050405020304" pitchFamily="18" charset="0"/>
+                <a:cs typeface="Times New Roman" panose="02020603050405020304" pitchFamily="18" charset="0"/>
+              </a:rPr>
+              <a:t> </a:t>
+            </a:r>
+            <a:r>
+              <a:rPr lang="en-US" sz="4000" dirty="0" err="1">
+                <a:latin typeface="Times New Roman" panose="02020603050405020304" pitchFamily="18" charset="0"/>
+                <a:cs typeface="Times New Roman" panose="02020603050405020304" pitchFamily="18" charset="0"/>
+              </a:rPr>
+              <a:t>án</a:t>
+            </a:r>
+            <a:r>
+              <a:rPr lang="en-US" sz="4000" dirty="0">
+                <a:latin typeface="Times New Roman" panose="02020603050405020304" pitchFamily="18" charset="0"/>
+                <a:cs typeface="Times New Roman" panose="02020603050405020304" pitchFamily="18" charset="0"/>
+              </a:rPr>
+              <a:t>? </a:t>
+            </a:r>
+            <a:br>
+              <a:rPr lang="en-US" sz="4000" dirty="0">
+                <a:latin typeface="Times New Roman" panose="02020603050405020304" pitchFamily="18" charset="0"/>
+                <a:cs typeface="Times New Roman" panose="02020603050405020304" pitchFamily="18" charset="0"/>
+              </a:rPr>
+            </a:br>
+            <a:endParaRPr lang="en-US" sz="4000" dirty="0">
+              <a:latin typeface="Times New Roman" panose="02020603050405020304" pitchFamily="18" charset="0"/>
+              <a:cs typeface="Times New Roman" panose="02020603050405020304" pitchFamily="18" charset="0"/>
+            </a:endParaRPr>
+          </a:p>
+        </p:txBody>
+      </p:sp>
+      <p:sp>
+        <p:nvSpPr>
+          <p:cNvPr id="3" name="Content Placeholder 2">
+            <a:extLst>
+              <a:ext uri="{FF2B5EF4-FFF2-40B4-BE49-F238E27FC236}">
+                <a16:creationId xmlns:a16="http://schemas.microsoft.com/office/drawing/2014/main" id="{0CB864A7-FF4B-4E98-82E8-3EE7188C963E}"/>
+              </a:ext>
+            </a:extLst>
+          </p:cNvPr>
+          <p:cNvSpPr>
+            <a:spLocks noGrp="1"/>
+          </p:cNvSpPr>
+          <p:nvPr>
+            <p:ph idx="1"/>
+          </p:nvPr>
+        </p:nvSpPr>
+        <p:spPr>
+          <a:xfrm>
+            <a:off x="1097280" y="1986281"/>
+            <a:ext cx="10058400" cy="4292599"/>
+          </a:xfrm>
+        </p:spPr>
+        <p:txBody>
+          <a:bodyPr>
+            <a:noAutofit/>
+          </a:bodyPr>
+          <a:lstStyle/>
+          <a:p>
+            <a:pPr marL="0" indent="0">
+              <a:buNone/>
+            </a:pPr>
+            <a:r>
+              <a:rPr lang="en-US" sz="1800" dirty="0" err="1">
+                <a:latin typeface="Times New Roman" panose="02020603050405020304" pitchFamily="18" charset="0"/>
+                <a:cs typeface="Times New Roman" panose="02020603050405020304" pitchFamily="18" charset="0"/>
+              </a:rPr>
+              <a:t>Thời</a:t>
+            </a:r>
+            <a:r>
+              <a:rPr lang="en-US" sz="1800" dirty="0">
+                <a:latin typeface="Times New Roman" panose="02020603050405020304" pitchFamily="18" charset="0"/>
+                <a:cs typeface="Times New Roman" panose="02020603050405020304" pitchFamily="18" charset="0"/>
+              </a:rPr>
+              <a:t> </a:t>
+            </a:r>
+            <a:r>
+              <a:rPr lang="en-US" sz="1800" dirty="0" err="1">
+                <a:latin typeface="Times New Roman" panose="02020603050405020304" pitchFamily="18" charset="0"/>
+                <a:cs typeface="Times New Roman" panose="02020603050405020304" pitchFamily="18" charset="0"/>
+              </a:rPr>
+              <a:t>gian</a:t>
+            </a:r>
+            <a:r>
+              <a:rPr lang="en-US" sz="1800" dirty="0">
+                <a:latin typeface="Times New Roman" panose="02020603050405020304" pitchFamily="18" charset="0"/>
+                <a:cs typeface="Times New Roman" panose="02020603050405020304" pitchFamily="18" charset="0"/>
+              </a:rPr>
+              <a:t>: </a:t>
+            </a:r>
+            <a:r>
+              <a:rPr lang="en-US" sz="1800" dirty="0" err="1">
+                <a:latin typeface="Times New Roman" panose="02020603050405020304" pitchFamily="18" charset="0"/>
+                <a:cs typeface="Times New Roman" panose="02020603050405020304" pitchFamily="18" charset="0"/>
+              </a:rPr>
+              <a:t>cần</a:t>
+            </a:r>
+            <a:r>
+              <a:rPr lang="en-US" sz="1800" dirty="0">
+                <a:latin typeface="Times New Roman" panose="02020603050405020304" pitchFamily="18" charset="0"/>
+                <a:cs typeface="Times New Roman" panose="02020603050405020304" pitchFamily="18" charset="0"/>
+              </a:rPr>
+              <a:t> 2 </a:t>
+            </a:r>
+            <a:r>
+              <a:rPr lang="en-US" sz="1800" dirty="0" err="1">
+                <a:latin typeface="Times New Roman" panose="02020603050405020304" pitchFamily="18" charset="0"/>
+                <a:cs typeface="Times New Roman" panose="02020603050405020304" pitchFamily="18" charset="0"/>
+              </a:rPr>
+              <a:t>tháng</a:t>
+            </a:r>
+            <a:endParaRPr lang="en-US" sz="1800" dirty="0">
+              <a:latin typeface="Times New Roman" panose="02020603050405020304" pitchFamily="18" charset="0"/>
+              <a:cs typeface="Times New Roman" panose="02020603050405020304" pitchFamily="18" charset="0"/>
+            </a:endParaRPr>
+          </a:p>
+          <a:p>
+            <a:pPr marL="0" indent="0">
+              <a:buNone/>
+            </a:pPr>
+            <a:r>
+              <a:rPr lang="en-US" sz="1800" dirty="0" err="1">
+                <a:latin typeface="Times New Roman" panose="02020603050405020304" pitchFamily="18" charset="0"/>
+                <a:cs typeface="Times New Roman" panose="02020603050405020304" pitchFamily="18" charset="0"/>
+              </a:rPr>
+              <a:t>Nhân</a:t>
+            </a:r>
+            <a:r>
+              <a:rPr lang="en-US" sz="1800" dirty="0">
+                <a:latin typeface="Times New Roman" panose="02020603050405020304" pitchFamily="18" charset="0"/>
+                <a:cs typeface="Times New Roman" panose="02020603050405020304" pitchFamily="18" charset="0"/>
+              </a:rPr>
+              <a:t> </a:t>
+            </a:r>
+            <a:r>
+              <a:rPr lang="en-US" sz="1800" dirty="0" err="1">
+                <a:latin typeface="Times New Roman" panose="02020603050405020304" pitchFamily="18" charset="0"/>
+                <a:cs typeface="Times New Roman" panose="02020603050405020304" pitchFamily="18" charset="0"/>
+              </a:rPr>
+              <a:t>lực</a:t>
+            </a:r>
+            <a:r>
+              <a:rPr lang="en-US" sz="1800" dirty="0">
+                <a:latin typeface="Times New Roman" panose="02020603050405020304" pitchFamily="18" charset="0"/>
+                <a:cs typeface="Times New Roman" panose="02020603050405020304" pitchFamily="18" charset="0"/>
+              </a:rPr>
+              <a:t>: 7 ng</a:t>
+            </a:r>
+            <a:r>
+              <a:rPr lang="vi-VN" sz="1800" dirty="0">
+                <a:latin typeface="Times New Roman" panose="02020603050405020304" pitchFamily="18" charset="0"/>
+                <a:cs typeface="Times New Roman" panose="02020603050405020304" pitchFamily="18" charset="0"/>
+              </a:rPr>
+              <a:t>ư</a:t>
+            </a:r>
+            <a:r>
+              <a:rPr lang="en-US" sz="1800" dirty="0" err="1">
+                <a:latin typeface="Times New Roman" panose="02020603050405020304" pitchFamily="18" charset="0"/>
+                <a:cs typeface="Times New Roman" panose="02020603050405020304" pitchFamily="18" charset="0"/>
+              </a:rPr>
+              <a:t>ời</a:t>
+            </a:r>
+            <a:endParaRPr lang="en-US" sz="1800" dirty="0">
+              <a:latin typeface="Times New Roman" panose="02020603050405020304" pitchFamily="18" charset="0"/>
+              <a:cs typeface="Times New Roman" panose="02020603050405020304" pitchFamily="18" charset="0"/>
+            </a:endParaRPr>
+          </a:p>
+          <a:p>
+            <a:pPr marL="0" indent="0">
+              <a:buNone/>
+            </a:pPr>
+            <a:r>
+              <a:rPr lang="en-US" sz="1800" dirty="0">
+                <a:latin typeface="Times New Roman" panose="02020603050405020304" pitchFamily="18" charset="0"/>
+                <a:cs typeface="Times New Roman" panose="02020603050405020304" pitchFamily="18" charset="0"/>
+              </a:rPr>
+              <a:t>Chi </a:t>
+            </a:r>
+            <a:r>
+              <a:rPr lang="en-US" sz="1800" dirty="0" err="1">
+                <a:latin typeface="Times New Roman" panose="02020603050405020304" pitchFamily="18" charset="0"/>
+                <a:cs typeface="Times New Roman" panose="02020603050405020304" pitchFamily="18" charset="0"/>
+              </a:rPr>
+              <a:t>phí</a:t>
+            </a:r>
+            <a:endParaRPr lang="en-US" sz="1800" dirty="0">
+              <a:latin typeface="Times New Roman" panose="02020603050405020304" pitchFamily="18" charset="0"/>
+              <a:cs typeface="Times New Roman" panose="02020603050405020304" pitchFamily="18" charset="0"/>
+            </a:endParaRPr>
+          </a:p>
+          <a:p>
+            <a:pPr>
+              <a:buFont typeface="Wingdings" panose="05000000000000000000" pitchFamily="2" charset="2"/>
+              <a:buChar char="Ø"/>
+            </a:pPr>
+            <a:r>
+              <a:rPr lang="en-US" sz="1800" dirty="0">
+                <a:latin typeface="Times New Roman" panose="02020603050405020304" pitchFamily="18" charset="0"/>
+                <a:cs typeface="Times New Roman" panose="02020603050405020304" pitchFamily="18" charset="0"/>
+              </a:rPr>
+              <a:t>Chi </a:t>
+            </a:r>
+            <a:r>
+              <a:rPr lang="en-US" sz="1800" dirty="0" err="1">
+                <a:latin typeface="Times New Roman" panose="02020603050405020304" pitchFamily="18" charset="0"/>
+                <a:cs typeface="Times New Roman" panose="02020603050405020304" pitchFamily="18" charset="0"/>
+              </a:rPr>
+              <a:t>phí</a:t>
+            </a:r>
+            <a:r>
+              <a:rPr lang="en-US" sz="1800" dirty="0">
+                <a:latin typeface="Times New Roman" panose="02020603050405020304" pitchFamily="18" charset="0"/>
+                <a:cs typeface="Times New Roman" panose="02020603050405020304" pitchFamily="18" charset="0"/>
+              </a:rPr>
+              <a:t> </a:t>
+            </a:r>
+            <a:r>
+              <a:rPr lang="en-US" sz="1800" dirty="0" err="1">
+                <a:latin typeface="Times New Roman" panose="02020603050405020304" pitchFamily="18" charset="0"/>
+                <a:cs typeface="Times New Roman" panose="02020603050405020304" pitchFamily="18" charset="0"/>
+              </a:rPr>
+              <a:t>cho</a:t>
+            </a:r>
+            <a:r>
+              <a:rPr lang="en-US" sz="1800" dirty="0">
+                <a:latin typeface="Times New Roman" panose="02020603050405020304" pitchFamily="18" charset="0"/>
+                <a:cs typeface="Times New Roman" panose="02020603050405020304" pitchFamily="18" charset="0"/>
+              </a:rPr>
+              <a:t> </a:t>
+            </a:r>
+            <a:r>
+              <a:rPr lang="en-US" sz="1800" dirty="0" err="1">
+                <a:latin typeface="Times New Roman" panose="02020603050405020304" pitchFamily="18" charset="0"/>
+                <a:cs typeface="Times New Roman" panose="02020603050405020304" pitchFamily="18" charset="0"/>
+              </a:rPr>
+              <a:t>thành</a:t>
+            </a:r>
+            <a:r>
+              <a:rPr lang="en-US" sz="1800" dirty="0">
+                <a:latin typeface="Times New Roman" panose="02020603050405020304" pitchFamily="18" charset="0"/>
+                <a:cs typeface="Times New Roman" panose="02020603050405020304" pitchFamily="18" charset="0"/>
+              </a:rPr>
+              <a:t> </a:t>
+            </a:r>
+            <a:r>
+              <a:rPr lang="en-US" sz="1800" dirty="0" err="1">
+                <a:latin typeface="Times New Roman" panose="02020603050405020304" pitchFamily="18" charset="0"/>
+                <a:cs typeface="Times New Roman" panose="02020603050405020304" pitchFamily="18" charset="0"/>
+              </a:rPr>
+              <a:t>viên</a:t>
+            </a:r>
+            <a:r>
+              <a:rPr lang="en-US" sz="1800" dirty="0">
+                <a:latin typeface="Times New Roman" panose="02020603050405020304" pitchFamily="18" charset="0"/>
+                <a:cs typeface="Times New Roman" panose="02020603050405020304" pitchFamily="18" charset="0"/>
+              </a:rPr>
+              <a:t>: 11.250.000 VNĐ/2 tháng/7ng</a:t>
+            </a:r>
+            <a:r>
+              <a:rPr lang="vi-VN" sz="1800" dirty="0">
+                <a:latin typeface="Times New Roman" panose="02020603050405020304" pitchFamily="18" charset="0"/>
+                <a:cs typeface="Times New Roman" panose="02020603050405020304" pitchFamily="18" charset="0"/>
+              </a:rPr>
+              <a:t>ư</a:t>
+            </a:r>
+            <a:r>
+              <a:rPr lang="en-US" sz="1800" dirty="0">
+                <a:latin typeface="Times New Roman" panose="02020603050405020304" pitchFamily="18" charset="0"/>
+                <a:cs typeface="Times New Roman" panose="02020603050405020304" pitchFamily="18" charset="0"/>
+              </a:rPr>
+              <a:t>ời</a:t>
+            </a:r>
+          </a:p>
+          <a:p>
+            <a:pPr>
+              <a:buFont typeface="Wingdings" panose="05000000000000000000" pitchFamily="2" charset="2"/>
+              <a:buChar char="Ø"/>
+            </a:pPr>
+            <a:r>
+              <a:rPr lang="en-US" sz="1800" dirty="0">
+                <a:latin typeface="Times New Roman" panose="02020603050405020304" pitchFamily="18" charset="0"/>
+                <a:cs typeface="Times New Roman" panose="02020603050405020304" pitchFamily="18" charset="0"/>
+              </a:rPr>
+              <a:t>In tài liệu: 120.000 VNĐ</a:t>
+            </a:r>
+          </a:p>
+          <a:p>
+            <a:pPr>
+              <a:buFont typeface="Wingdings" panose="05000000000000000000" pitchFamily="2" charset="2"/>
+              <a:buChar char="Ø"/>
+            </a:pPr>
+            <a:r>
+              <a:rPr lang="en-US" sz="1800" dirty="0" err="1">
+                <a:latin typeface="Times New Roman" panose="02020603050405020304" pitchFamily="18" charset="0"/>
+                <a:cs typeface="Times New Roman" panose="02020603050405020304" pitchFamily="18" charset="0"/>
+              </a:rPr>
+              <a:t>Mua</a:t>
+            </a:r>
+            <a:r>
+              <a:rPr lang="en-US" sz="1800" dirty="0">
+                <a:latin typeface="Times New Roman" panose="02020603050405020304" pitchFamily="18" charset="0"/>
+                <a:cs typeface="Times New Roman" panose="02020603050405020304" pitchFamily="18" charset="0"/>
+              </a:rPr>
+              <a:t> </a:t>
+            </a:r>
+            <a:r>
+              <a:rPr lang="en-US" sz="1800" dirty="0" err="1">
+                <a:latin typeface="Times New Roman" panose="02020603050405020304" pitchFamily="18" charset="0"/>
+                <a:cs typeface="Times New Roman" panose="02020603050405020304" pitchFamily="18" charset="0"/>
+              </a:rPr>
+              <a:t>tên</a:t>
+            </a:r>
+            <a:r>
+              <a:rPr lang="en-US" sz="1800" dirty="0">
+                <a:latin typeface="Times New Roman" panose="02020603050405020304" pitchFamily="18" charset="0"/>
+                <a:cs typeface="Times New Roman" panose="02020603050405020304" pitchFamily="18" charset="0"/>
+              </a:rPr>
+              <a:t> </a:t>
+            </a:r>
+            <a:r>
+              <a:rPr lang="en-US" sz="1800" dirty="0" err="1">
+                <a:latin typeface="Times New Roman" panose="02020603050405020304" pitchFamily="18" charset="0"/>
+                <a:cs typeface="Times New Roman" panose="02020603050405020304" pitchFamily="18" charset="0"/>
+              </a:rPr>
+              <a:t>miền</a:t>
+            </a:r>
+            <a:r>
+              <a:rPr lang="en-US" sz="1800" dirty="0">
+                <a:latin typeface="Times New Roman" panose="02020603050405020304" pitchFamily="18" charset="0"/>
+                <a:cs typeface="Times New Roman" panose="02020603050405020304" pitchFamily="18" charset="0"/>
+              </a:rPr>
+              <a:t> </a:t>
+            </a:r>
+            <a:r>
+              <a:rPr lang="en-US" sz="1800" dirty="0" err="1">
+                <a:latin typeface="Times New Roman" panose="02020603050405020304" pitchFamily="18" charset="0"/>
+                <a:cs typeface="Times New Roman" panose="02020603050405020304" pitchFamily="18" charset="0"/>
+              </a:rPr>
+              <a:t>và</a:t>
+            </a:r>
+            <a:r>
+              <a:rPr lang="en-US" sz="1800" dirty="0">
+                <a:latin typeface="Times New Roman" panose="02020603050405020304" pitchFamily="18" charset="0"/>
+                <a:cs typeface="Times New Roman" panose="02020603050405020304" pitchFamily="18" charset="0"/>
+              </a:rPr>
+              <a:t> </a:t>
+            </a:r>
+            <a:r>
+              <a:rPr lang="en-US" sz="1800" dirty="0" err="1">
+                <a:latin typeface="Times New Roman" panose="02020603050405020304" pitchFamily="18" charset="0"/>
+                <a:cs typeface="Times New Roman" panose="02020603050405020304" pitchFamily="18" charset="0"/>
+              </a:rPr>
+              <a:t>duy</a:t>
+            </a:r>
+            <a:r>
+              <a:rPr lang="en-US" sz="1800" dirty="0">
+                <a:latin typeface="Times New Roman" panose="02020603050405020304" pitchFamily="18" charset="0"/>
+                <a:cs typeface="Times New Roman" panose="02020603050405020304" pitchFamily="18" charset="0"/>
+              </a:rPr>
+              <a:t> </a:t>
+            </a:r>
+            <a:r>
+              <a:rPr lang="en-US" sz="1800" dirty="0" err="1">
+                <a:latin typeface="Times New Roman" panose="02020603050405020304" pitchFamily="18" charset="0"/>
+                <a:cs typeface="Times New Roman" panose="02020603050405020304" pitchFamily="18" charset="0"/>
+              </a:rPr>
+              <a:t>trì</a:t>
+            </a:r>
+            <a:r>
+              <a:rPr lang="en-US" sz="1800" dirty="0">
+                <a:latin typeface="Times New Roman" panose="02020603050405020304" pitchFamily="18" charset="0"/>
+                <a:cs typeface="Times New Roman" panose="02020603050405020304" pitchFamily="18" charset="0"/>
+              </a:rPr>
+              <a:t> </a:t>
+            </a:r>
+            <a:r>
+              <a:rPr lang="en-US" sz="1800" dirty="0" err="1">
+                <a:latin typeface="Times New Roman" panose="02020603050405020304" pitchFamily="18" charset="0"/>
+                <a:cs typeface="Times New Roman" panose="02020603050405020304" pitchFamily="18" charset="0"/>
+              </a:rPr>
+              <a:t>tên</a:t>
+            </a:r>
+            <a:r>
+              <a:rPr lang="en-US" sz="1800" dirty="0">
+                <a:latin typeface="Times New Roman" panose="02020603050405020304" pitchFamily="18" charset="0"/>
+                <a:cs typeface="Times New Roman" panose="02020603050405020304" pitchFamily="18" charset="0"/>
+              </a:rPr>
+              <a:t> </a:t>
+            </a:r>
+            <a:r>
+              <a:rPr lang="en-US" sz="1800" dirty="0" err="1">
+                <a:latin typeface="Times New Roman" panose="02020603050405020304" pitchFamily="18" charset="0"/>
+                <a:cs typeface="Times New Roman" panose="02020603050405020304" pitchFamily="18" charset="0"/>
+              </a:rPr>
+              <a:t>miền</a:t>
+            </a:r>
+            <a:r>
+              <a:rPr lang="en-US" sz="1800" dirty="0">
+                <a:latin typeface="Times New Roman" panose="02020603050405020304" pitchFamily="18" charset="0"/>
+                <a:cs typeface="Times New Roman" panose="02020603050405020304" pitchFamily="18" charset="0"/>
+              </a:rPr>
+              <a:t>: 380.000 </a:t>
+            </a:r>
+            <a:r>
+              <a:rPr lang="en-US" sz="1800" dirty="0" err="1">
+                <a:latin typeface="Times New Roman" panose="02020603050405020304" pitchFamily="18" charset="0"/>
+                <a:cs typeface="Times New Roman" panose="02020603050405020304" pitchFamily="18" charset="0"/>
+              </a:rPr>
+              <a:t>VNĐ</a:t>
+            </a:r>
+            <a:r>
+              <a:rPr lang="en-US" sz="1800" dirty="0">
+                <a:latin typeface="Times New Roman" panose="02020603050405020304" pitchFamily="18" charset="0"/>
+                <a:cs typeface="Times New Roman" panose="02020603050405020304" pitchFamily="18" charset="0"/>
+              </a:rPr>
+              <a:t>/</a:t>
+            </a:r>
+            <a:r>
+              <a:rPr lang="en-US" sz="1800" dirty="0" err="1">
+                <a:latin typeface="Times New Roman" panose="02020603050405020304" pitchFamily="18" charset="0"/>
+                <a:cs typeface="Times New Roman" panose="02020603050405020304" pitchFamily="18" charset="0"/>
+              </a:rPr>
+              <a:t>năm</a:t>
+            </a:r>
+            <a:r>
+              <a:rPr lang="en-US" sz="1800" dirty="0">
+                <a:latin typeface="Times New Roman" panose="02020603050405020304" pitchFamily="18" charset="0"/>
+                <a:cs typeface="Times New Roman" panose="02020603050405020304" pitchFamily="18" charset="0"/>
+              </a:rPr>
+              <a:t>.</a:t>
+            </a:r>
+          </a:p>
+          <a:p>
+            <a:pPr>
+              <a:buFont typeface="Wingdings" panose="05000000000000000000" pitchFamily="2" charset="2"/>
+              <a:buChar char="Ø"/>
+            </a:pPr>
+            <a:r>
+              <a:rPr lang="en-US" sz="1800" dirty="0">
+                <a:latin typeface="Times New Roman" panose="02020603050405020304" pitchFamily="18" charset="0"/>
+                <a:cs typeface="Times New Roman" panose="02020603050405020304" pitchFamily="18" charset="0"/>
+              </a:rPr>
+              <a:t>Chi </a:t>
+            </a:r>
+            <a:r>
+              <a:rPr lang="en-US" sz="1800" dirty="0" err="1">
+                <a:latin typeface="Times New Roman" panose="02020603050405020304" pitchFamily="18" charset="0"/>
+                <a:cs typeface="Times New Roman" panose="02020603050405020304" pitchFamily="18" charset="0"/>
+              </a:rPr>
+              <a:t>phí</a:t>
+            </a:r>
+            <a:r>
+              <a:rPr lang="en-US" sz="1800" dirty="0">
+                <a:latin typeface="Times New Roman" panose="02020603050405020304" pitchFamily="18" charset="0"/>
+                <a:cs typeface="Times New Roman" panose="02020603050405020304" pitchFamily="18" charset="0"/>
+              </a:rPr>
+              <a:t> Host: ~300.000 </a:t>
+            </a:r>
+            <a:r>
+              <a:rPr lang="en-US" sz="1800" dirty="0" err="1">
+                <a:latin typeface="Times New Roman" panose="02020603050405020304" pitchFamily="18" charset="0"/>
+                <a:cs typeface="Times New Roman" panose="02020603050405020304" pitchFamily="18" charset="0"/>
+              </a:rPr>
+              <a:t>VNĐ</a:t>
+            </a:r>
+            <a:r>
+              <a:rPr lang="en-US" sz="1800" dirty="0">
+                <a:latin typeface="Times New Roman" panose="02020603050405020304" pitchFamily="18" charset="0"/>
+                <a:cs typeface="Times New Roman" panose="02020603050405020304" pitchFamily="18" charset="0"/>
+              </a:rPr>
+              <a:t>/</a:t>
+            </a:r>
+            <a:r>
+              <a:rPr lang="en-US" sz="1800" dirty="0" err="1">
+                <a:latin typeface="Times New Roman" panose="02020603050405020304" pitchFamily="18" charset="0"/>
+                <a:cs typeface="Times New Roman" panose="02020603050405020304" pitchFamily="18" charset="0"/>
+              </a:rPr>
+              <a:t>tháng</a:t>
+            </a:r>
+            <a:r>
+              <a:rPr lang="en-US" sz="1800" dirty="0">
+                <a:latin typeface="Times New Roman" panose="02020603050405020304" pitchFamily="18" charset="0"/>
+                <a:cs typeface="Times New Roman" panose="02020603050405020304" pitchFamily="18" charset="0"/>
+              </a:rPr>
+              <a:t>, </a:t>
+            </a:r>
+            <a:r>
+              <a:rPr lang="en-US" sz="1800" dirty="0" err="1">
+                <a:latin typeface="Times New Roman" panose="02020603050405020304" pitchFamily="18" charset="0"/>
+                <a:cs typeface="Times New Roman" panose="02020603050405020304" pitchFamily="18" charset="0"/>
+              </a:rPr>
+              <a:t>tùy</a:t>
+            </a:r>
+            <a:r>
+              <a:rPr lang="en-US" sz="1800" dirty="0">
+                <a:latin typeface="Times New Roman" panose="02020603050405020304" pitchFamily="18" charset="0"/>
+                <a:cs typeface="Times New Roman" panose="02020603050405020304" pitchFamily="18" charset="0"/>
+              </a:rPr>
+              <a:t> </a:t>
+            </a:r>
+            <a:r>
+              <a:rPr lang="en-US" sz="1800" dirty="0" err="1">
+                <a:latin typeface="Times New Roman" panose="02020603050405020304" pitchFamily="18" charset="0"/>
+                <a:cs typeface="Times New Roman" panose="02020603050405020304" pitchFamily="18" charset="0"/>
+              </a:rPr>
+              <a:t>vào</a:t>
+            </a:r>
+            <a:r>
+              <a:rPr lang="en-US" sz="1800" dirty="0">
+                <a:latin typeface="Times New Roman" panose="02020603050405020304" pitchFamily="18" charset="0"/>
+                <a:cs typeface="Times New Roman" panose="02020603050405020304" pitchFamily="18" charset="0"/>
+              </a:rPr>
+              <a:t> </a:t>
+            </a:r>
+            <a:r>
+              <a:rPr lang="en-US" sz="1800" dirty="0" err="1">
+                <a:latin typeface="Times New Roman" panose="02020603050405020304" pitchFamily="18" charset="0"/>
+                <a:cs typeface="Times New Roman" panose="02020603050405020304" pitchFamily="18" charset="0"/>
+              </a:rPr>
+              <a:t>lượng</a:t>
+            </a:r>
+            <a:r>
+              <a:rPr lang="en-US" sz="1800" dirty="0">
+                <a:latin typeface="Times New Roman" panose="02020603050405020304" pitchFamily="18" charset="0"/>
+                <a:cs typeface="Times New Roman" panose="02020603050405020304" pitchFamily="18" charset="0"/>
+              </a:rPr>
+              <a:t> user </a:t>
+            </a:r>
+            <a:r>
+              <a:rPr lang="en-US" sz="1800" dirty="0" err="1">
+                <a:latin typeface="Times New Roman" panose="02020603050405020304" pitchFamily="18" charset="0"/>
+                <a:cs typeface="Times New Roman" panose="02020603050405020304" pitchFamily="18" charset="0"/>
+              </a:rPr>
+              <a:t>sử</a:t>
+            </a:r>
+            <a:r>
+              <a:rPr lang="en-US" sz="1800" dirty="0">
+                <a:latin typeface="Times New Roman" panose="02020603050405020304" pitchFamily="18" charset="0"/>
+                <a:cs typeface="Times New Roman" panose="02020603050405020304" pitchFamily="18" charset="0"/>
+              </a:rPr>
+              <a:t> </a:t>
+            </a:r>
+            <a:r>
+              <a:rPr lang="en-US" sz="1800" dirty="0" err="1">
+                <a:latin typeface="Times New Roman" panose="02020603050405020304" pitchFamily="18" charset="0"/>
+                <a:cs typeface="Times New Roman" panose="02020603050405020304" pitchFamily="18" charset="0"/>
+              </a:rPr>
+              <a:t>dụng</a:t>
+            </a:r>
+            <a:r>
+              <a:rPr lang="en-US" sz="1800" dirty="0">
+                <a:latin typeface="Times New Roman" panose="02020603050405020304" pitchFamily="18" charset="0"/>
+                <a:cs typeface="Times New Roman" panose="02020603050405020304" pitchFamily="18" charset="0"/>
+              </a:rPr>
+              <a:t>.</a:t>
+            </a:r>
+          </a:p>
+          <a:p>
+            <a:pPr>
+              <a:buFont typeface="Wingdings" panose="05000000000000000000" pitchFamily="2" charset="2"/>
+              <a:buChar char="Ø"/>
+            </a:pPr>
+            <a:r>
+              <a:rPr lang="en-US" sz="1800" dirty="0">
+                <a:latin typeface="Times New Roman" panose="02020603050405020304" pitchFamily="18" charset="0"/>
+                <a:cs typeface="Times New Roman" panose="02020603050405020304" pitchFamily="18" charset="0"/>
+              </a:rPr>
+              <a:t>Marketing: ~1.000.000 </a:t>
+            </a:r>
+            <a:r>
+              <a:rPr lang="en-US" sz="1800" dirty="0" err="1">
+                <a:latin typeface="Times New Roman" panose="02020603050405020304" pitchFamily="18" charset="0"/>
+                <a:cs typeface="Times New Roman" panose="02020603050405020304" pitchFamily="18" charset="0"/>
+              </a:rPr>
+              <a:t>VNĐ</a:t>
+            </a:r>
+            <a:endParaRPr lang="en-US" sz="1800" dirty="0">
+              <a:latin typeface="Times New Roman" panose="02020603050405020304" pitchFamily="18" charset="0"/>
+              <a:cs typeface="Times New Roman" panose="02020603050405020304" pitchFamily="18" charset="0"/>
+            </a:endParaRPr>
+          </a:p>
+          <a:p>
+            <a:pPr>
+              <a:buFont typeface="Wingdings" panose="05000000000000000000" pitchFamily="2" charset="2"/>
+              <a:buChar char="Ø"/>
+            </a:pPr>
+            <a:r>
+              <a:rPr lang="en-US" sz="1800" dirty="0">
+                <a:latin typeface="Times New Roman" panose="02020603050405020304" pitchFamily="18" charset="0"/>
+                <a:cs typeface="Times New Roman" panose="02020603050405020304" pitchFamily="18" charset="0"/>
+              </a:rPr>
+              <a:t>Tổng cộng: ~13tr</a:t>
+            </a:r>
+          </a:p>
+        </p:txBody>
+      </p:sp>
+    </p:spTree>
+    <p:extLst>
+      <p:ext uri="{BB962C8B-B14F-4D97-AF65-F5344CB8AC3E}">
+        <p14:creationId xmlns:p14="http://schemas.microsoft.com/office/powerpoint/2010/main" val="3837087006"/>
       </p:ext>
     </p:extLst>
   </p:cSld>

--- a/Documents/Tuan3/Nhom_3_Tuan_3.pptx
+++ b/Documents/Tuan3/Nhom_3_Tuan_3.pptx
@@ -374,7 +374,7 @@
           <a:p>
             <a:fld id="{9184DA70-C731-4C70-880D-CCD4705E623C}" type="datetime1">
               <a:rPr lang="en-US" smtClean="0"/>
-              <a:t>11/26/2019</a:t>
+              <a:t>11/30/2019</a:t>
             </a:fld>
             <a:endParaRPr lang="en-US" dirty="0"/>
           </a:p>
@@ -562,7 +562,7 @@
           <a:p>
             <a:fld id="{B612A279-0833-481D-8C56-F67FD0AC6C50}" type="datetime1">
               <a:rPr lang="en-US" smtClean="0"/>
-              <a:t>11/26/2019</a:t>
+              <a:t>11/30/2019</a:t>
             </a:fld>
             <a:endParaRPr lang="en-US" dirty="0"/>
           </a:p>
@@ -804,7 +804,7 @@
           <a:p>
             <a:fld id="{6587DA83-5663-4C9C-B9AA-0B40A3DAFF81}" type="datetime1">
               <a:rPr lang="en-US" smtClean="0"/>
-              <a:t>11/26/2019</a:t>
+              <a:t>11/30/2019</a:t>
             </a:fld>
             <a:endParaRPr lang="en-US" dirty="0"/>
           </a:p>
@@ -992,7 +992,7 @@
           <a:p>
             <a:fld id="{4BE1D723-8F53-4F53-90B0-1982A396982E}" type="datetime1">
               <a:rPr lang="en-US" smtClean="0"/>
-              <a:t>11/26/2019</a:t>
+              <a:t>11/30/2019</a:t>
             </a:fld>
             <a:endParaRPr lang="en-US" dirty="0"/>
           </a:p>
@@ -1365,7 +1365,7 @@
           <a:p>
             <a:fld id="{97669AF7-7BEB-44E4-9852-375E34362B5B}" type="datetime1">
               <a:rPr lang="en-US" smtClean="0"/>
-              <a:t>11/26/2019</a:t>
+              <a:t>11/30/2019</a:t>
             </a:fld>
             <a:endParaRPr lang="en-US" dirty="0"/>
           </a:p>
@@ -1620,7 +1620,7 @@
           <a:p>
             <a:fld id="{BAAAC38D-0552-4C82-B593-E6124DFADBE2}" type="datetime1">
               <a:rPr lang="en-US" smtClean="0"/>
-              <a:t>11/26/2019</a:t>
+              <a:t>11/30/2019</a:t>
             </a:fld>
             <a:endParaRPr lang="en-US" dirty="0"/>
           </a:p>
@@ -2017,7 +2017,7 @@
           <a:p>
             <a:fld id="{D9DF0F1C-5577-4ACB-BB62-DF8F3C494C7E}" type="datetime1">
               <a:rPr lang="en-US" smtClean="0"/>
-              <a:t>11/26/2019</a:t>
+              <a:t>11/30/2019</a:t>
             </a:fld>
             <a:endParaRPr lang="en-US" dirty="0"/>
           </a:p>
@@ -2153,7 +2153,7 @@
           <a:p>
             <a:fld id="{1775B394-D9F9-4F0C-B15D-605F45CB9E9F}" type="datetime1">
               <a:rPr lang="en-US" smtClean="0"/>
-              <a:t>11/26/2019</a:t>
+              <a:t>11/30/2019</a:t>
             </a:fld>
             <a:endParaRPr lang="en-US" dirty="0"/>
           </a:p>
@@ -2310,7 +2310,7 @@
           <a:p>
             <a:fld id="{39667345-2558-425A-8533-9BFDBCE15005}" type="datetime1">
               <a:rPr lang="en-US" smtClean="0"/>
-              <a:t>11/26/2019</a:t>
+              <a:t>11/30/2019</a:t>
             </a:fld>
             <a:endParaRPr lang="en-US" dirty="0"/>
           </a:p>
@@ -2639,7 +2639,7 @@
           <a:p>
             <a:fld id="{92BEA474-078D-4E9B-9B14-09A87B19DC46}" type="datetime1">
               <a:rPr lang="en-US" smtClean="0"/>
-              <a:t>11/26/2019</a:t>
+              <a:t>11/30/2019</a:t>
             </a:fld>
             <a:endParaRPr lang="en-US" dirty="0"/>
           </a:p>
@@ -2989,7 +2989,7 @@
           <a:p>
             <a:fld id="{4907D986-8816-4272-A432-0437A28A9828}" type="datetime1">
               <a:rPr lang="en-US" smtClean="0"/>
-              <a:t>11/26/2019</a:t>
+              <a:t>11/30/2019</a:t>
             </a:fld>
             <a:endParaRPr lang="en-US" dirty="0"/>
           </a:p>
@@ -3250,7 +3250,7 @@
           <a:p>
             <a:fld id="{62D6E202-B606-4609-B914-27C9371A1F6D}" type="datetime1">
               <a:rPr lang="en-US" smtClean="0"/>
-              <a:t>11/26/2019</a:t>
+              <a:t>11/30/2019</a:t>
             </a:fld>
             <a:endParaRPr lang="en-US" dirty="0"/>
           </a:p>
@@ -3789,7 +3789,7 @@
                 <a16:creationId xmlns:a16="http://schemas.microsoft.com/office/drawing/2014/main" id="{A9286AD2-18A9-4868-A4E3-7A2097A20810}"/>
               </a:ext>
               <a:ext uri="{C183D7F6-B498-43B3-948B-1728B52AA6E4}">
-                <adec:decorative xmlns:adec="http://schemas.microsoft.com/office/drawing/2017/decorative" xmlns="" val="1"/>
+                <adec:decorative xmlns="" xmlns:adec="http://schemas.microsoft.com/office/drawing/2017/decorative" val="1"/>
               </a:ext>
             </a:extLst>
           </p:cNvPr>
@@ -4164,7 +4164,7 @@
                 <a16:creationId xmlns:a16="http://schemas.microsoft.com/office/drawing/2014/main" id="{E7A7CD63-7EC3-44F3-95D0-595C4019FF24}"/>
               </a:ext>
               <a:ext uri="{C183D7F6-B498-43B3-948B-1728B52AA6E4}">
-                <adec:decorative xmlns:adec="http://schemas.microsoft.com/office/drawing/2017/decorative" xmlns="" val="1"/>
+                <adec:decorative xmlns="" xmlns:adec="http://schemas.microsoft.com/office/drawing/2017/decorative" val="1"/>
               </a:ext>
             </a:extLst>
           </p:cNvPr>
@@ -26168,7 +26168,7 @@
                 <a16:creationId xmlns:a16="http://schemas.microsoft.com/office/drawing/2014/main" id="{A8E9C91B-7EAD-4562-AB0E-DFB9663AECE3}"/>
               </a:ext>
               <a:ext uri="{C183D7F6-B498-43B3-948B-1728B52AA6E4}">
-                <adec:decorative xmlns:adec="http://schemas.microsoft.com/office/drawing/2017/decorative" xmlns="" val="1"/>
+                <adec:decorative xmlns="" xmlns:adec="http://schemas.microsoft.com/office/drawing/2017/decorative" val="1"/>
               </a:ext>
             </a:extLst>
           </p:cNvPr>
@@ -26318,7 +26318,7 @@
                 <a16:creationId xmlns:a16="http://schemas.microsoft.com/office/drawing/2014/main" id="{F64BBAA4-C62B-4146-B49F-FE4CC4655EE0}"/>
               </a:ext>
               <a:ext uri="{C183D7F6-B498-43B3-948B-1728B52AA6E4}">
-                <adec:decorative xmlns:adec="http://schemas.microsoft.com/office/drawing/2017/decorative" xmlns="" val="1"/>
+                <adec:decorative xmlns="" xmlns:adec="http://schemas.microsoft.com/office/drawing/2017/decorative" val="1"/>
               </a:ext>
             </a:extLst>
           </p:cNvPr>
@@ -26419,7 +26419,7 @@
                 <a16:creationId xmlns:a16="http://schemas.microsoft.com/office/drawing/2014/main" id="{EEB57AA8-F021-480C-A9E2-F89913313611}"/>
               </a:ext>
               <a:ext uri="{C183D7F6-B498-43B3-948B-1728B52AA6E4}">
-                <adec:decorative xmlns:adec="http://schemas.microsoft.com/office/drawing/2017/decorative" xmlns="" val="1"/>
+                <adec:decorative xmlns="" xmlns:adec="http://schemas.microsoft.com/office/drawing/2017/decorative" val="1"/>
               </a:ext>
             </a:extLst>
           </p:cNvPr>
@@ -26509,7 +26509,7 @@
                 <a16:creationId xmlns:a16="http://schemas.microsoft.com/office/drawing/2014/main" id="{75CF30C0-9394-4459-976E-2AA223FB125F}"/>
               </a:ext>
               <a:ext uri="{C183D7F6-B498-43B3-948B-1728B52AA6E4}">
-                <adec:decorative xmlns:adec="http://schemas.microsoft.com/office/drawing/2017/decorative" xmlns="" val="1"/>
+                <adec:decorative xmlns="" xmlns:adec="http://schemas.microsoft.com/office/drawing/2017/decorative" val="1"/>
               </a:ext>
             </a:extLst>
           </p:cNvPr>
@@ -26571,14 +26571,14 @@
           <p:nvPr>
             <p:extLst>
               <p:ext uri="{D42A27DB-BD31-4B8C-83A1-F6EECF244321}">
-                <p14:modId xmlns:p14="http://schemas.microsoft.com/office/powerpoint/2010/main" val="1089055451"/>
+                <p14:modId xmlns:p14="http://schemas.microsoft.com/office/powerpoint/2010/main" val="826133753"/>
               </p:ext>
             </p:extLst>
           </p:nvPr>
         </p:nvGraphicFramePr>
         <p:xfrm>
           <a:off x="4653447" y="805561"/>
-          <a:ext cx="6892560" cy="4908056"/>
+          <a:ext cx="6892560" cy="4309780"/>
         </p:xfrm>
         <a:graphic>
           <a:graphicData uri="http://schemas.openxmlformats.org/drawingml/2006/table">
@@ -26895,7 +26895,7 @@
                         </a:spcAft>
                       </a:pPr>
                       <a:r>
-                        <a:rPr lang="vi-VN" sz="1800">
+                        <a:rPr lang="vi-VN" sz="1800" dirty="0">
                           <a:solidFill>
                             <a:schemeClr val="tx1">
                               <a:lumMod val="75000"/>
@@ -26905,9 +26905,9 @@
                           <a:effectLst/>
                           <a:latin typeface="+mj-lt"/>
                         </a:rPr>
-                        <a:t>18424036</a:t>
-                      </a:r>
-                      <a:endParaRPr lang="en-US" sz="1800">
+                        <a:t>18424038</a:t>
+                      </a:r>
+                      <a:endParaRPr lang="en-US" sz="1800" dirty="0">
                         <a:solidFill>
                           <a:schemeClr val="tx1">
                             <a:lumMod val="75000"/>
@@ -26934,6 +26934,9 @@
                         <a:srgbClr val="C7C6C1"/>
                       </a:solidFill>
                       <a:prstDash val="solid"/>
+                      <a:round/>
+                      <a:headEnd type="none" w="med" len="med"/>
+                      <a:tailEnd type="none" w="med" len="med"/>
                     </a:lnT>
                     <a:lnB w="9525" cap="flat" cmpd="sng" algn="ctr">
                       <a:solidFill>
@@ -26961,7 +26964,7 @@
                         </a:spcAft>
                       </a:pPr>
                       <a:r>
-                        <a:rPr lang="vi-VN" sz="1800">
+                        <a:rPr lang="vi-VN" sz="1800" dirty="0">
                           <a:solidFill>
                             <a:schemeClr val="tx1">
                               <a:lumMod val="75000"/>
@@ -26971,9 +26974,9 @@
                           <a:effectLst/>
                           <a:latin typeface="+mj-lt"/>
                         </a:rPr>
-                        <a:t>Đỗ Đăng Khoa</a:t>
-                      </a:r>
-                      <a:endParaRPr lang="en-US" sz="1800">
+                        <a:t>Nguyễn Thế Lợi</a:t>
+                      </a:r>
+                      <a:endParaRPr lang="en-US" sz="1800" dirty="0">
                         <a:solidFill>
                           <a:schemeClr val="tx1">
                             <a:lumMod val="75000"/>
@@ -27000,145 +27003,9 @@
                         <a:srgbClr val="C7C6C1"/>
                       </a:solidFill>
                       <a:prstDash val="solid"/>
-                    </a:lnT>
-                    <a:lnB w="9525" cap="flat" cmpd="sng" algn="ctr">
-                      <a:solidFill>
-                        <a:srgbClr val="C7C6C1"/>
-                      </a:solidFill>
-                      <a:prstDash val="solid"/>
-                    </a:lnB>
-                    <a:noFill/>
-                  </a:tcPr>
-                </a:tc>
-                <a:extLst>
-                  <a:ext uri="{0D108BD9-81ED-4DB2-BD59-A6C34878D82A}">
-                    <a16:rowId xmlns:a16="http://schemas.microsoft.com/office/drawing/2014/main" val="105779935"/>
-                  </a:ext>
-                </a:extLst>
-              </a:tr>
-              <a:tr h="598276">
-                <a:tc>
-                  <a:txBody>
-                    <a:bodyPr/>
-                    <a:lstStyle/>
-                    <a:p>
-                      <a:pPr marL="0" marR="0">
-                        <a:lnSpc>
-                          <a:spcPct val="115000"/>
-                        </a:lnSpc>
-                        <a:spcBef>
-                          <a:spcPts val="0"/>
-                        </a:spcBef>
-                        <a:spcAft>
-                          <a:spcPts val="0"/>
-                        </a:spcAft>
-                      </a:pPr>
-                      <a:r>
-                        <a:rPr lang="vi-VN" sz="1800">
-                          <a:solidFill>
-                            <a:schemeClr val="tx1">
-                              <a:lumMod val="75000"/>
-                              <a:lumOff val="25000"/>
-                            </a:schemeClr>
-                          </a:solidFill>
-                          <a:effectLst/>
-                          <a:latin typeface="+mj-lt"/>
-                        </a:rPr>
-                        <a:t>18424038</a:t>
-                      </a:r>
-                      <a:endParaRPr lang="en-US" sz="1800">
-                        <a:solidFill>
-                          <a:schemeClr val="tx1">
-                            <a:lumMod val="75000"/>
-                            <a:lumOff val="25000"/>
-                          </a:schemeClr>
-                        </a:solidFill>
-                        <a:effectLst/>
-                        <a:latin typeface="+mj-lt"/>
-                        <a:ea typeface="Arial" panose="020B0604020202020204" pitchFamily="34" charset="0"/>
-                      </a:endParaRPr>
-                    </a:p>
-                  </a:txBody>
-                  <a:tcPr marL="264449" marR="198336" marT="132224" marB="132224">
-                    <a:lnL w="12700" cmpd="sng">
-                      <a:noFill/>
-                      <a:prstDash val="solid"/>
-                    </a:lnL>
-                    <a:lnR w="12700" cmpd="sng">
-                      <a:noFill/>
-                      <a:prstDash val="solid"/>
-                    </a:lnR>
-                    <a:lnT w="9525" cap="flat" cmpd="sng" algn="ctr">
-                      <a:solidFill>
-                        <a:srgbClr val="C7C6C1"/>
-                      </a:solidFill>
-                      <a:prstDash val="solid"/>
-                    </a:lnT>
-                    <a:lnB w="9525" cap="flat" cmpd="sng" algn="ctr">
-                      <a:solidFill>
-                        <a:srgbClr val="C7C6C1"/>
-                      </a:solidFill>
-                      <a:prstDash val="solid"/>
-                    </a:lnB>
-                    <a:noFill/>
-                  </a:tcPr>
-                </a:tc>
-                <a:tc>
-                  <a:txBody>
-                    <a:bodyPr/>
-                    <a:lstStyle/>
-                    <a:p>
-                      <a:pPr marL="0" marR="0">
-                        <a:lnSpc>
-                          <a:spcPct val="115000"/>
-                        </a:lnSpc>
-                        <a:spcBef>
-                          <a:spcPts val="0"/>
-                        </a:spcBef>
-                        <a:spcAft>
-                          <a:spcPts val="0"/>
-                        </a:spcAft>
-                      </a:pPr>
-                      <a:r>
-                        <a:rPr lang="vi-VN" sz="1800" dirty="0">
-                          <a:solidFill>
-                            <a:schemeClr val="tx1">
-                              <a:lumMod val="75000"/>
-                              <a:lumOff val="25000"/>
-                            </a:schemeClr>
-                          </a:solidFill>
-                          <a:effectLst/>
-                          <a:latin typeface="+mj-lt"/>
-                        </a:rPr>
-                        <a:t>Nguyễn Thế Lợi</a:t>
-                      </a:r>
-                      <a:endParaRPr lang="en-US" sz="1800" dirty="0">
-                        <a:solidFill>
-                          <a:schemeClr val="tx1">
-                            <a:lumMod val="75000"/>
-                            <a:lumOff val="25000"/>
-                          </a:schemeClr>
-                        </a:solidFill>
-                        <a:effectLst/>
-                        <a:latin typeface="+mj-lt"/>
-                        <a:ea typeface="Arial" panose="020B0604020202020204" pitchFamily="34" charset="0"/>
-                      </a:endParaRPr>
-                    </a:p>
-                  </a:txBody>
-                  <a:tcPr marL="264449" marR="198336" marT="132224" marB="132224">
-                    <a:lnL w="12700" cmpd="sng">
-                      <a:noFill/>
-                      <a:prstDash val="solid"/>
-                    </a:lnL>
-                    <a:lnR w="12700" cmpd="sng">
-                      <a:noFill/>
-                      <a:prstDash val="solid"/>
-                    </a:lnR>
-                    <a:lnT w="9525" cap="flat" cmpd="sng" algn="ctr">
-                      <a:solidFill>
-                        <a:srgbClr val="C7C6C1"/>
-                      </a:solidFill>
-                      <a:prstDash val="solid"/>
+                      <a:round/>
+                      <a:headEnd type="none" w="med" len="med"/>
+                      <a:tailEnd type="none" w="med" len="med"/>
                     </a:lnT>
                     <a:lnB w="9525" cap="flat" cmpd="sng" algn="ctr">
                       <a:solidFill>
